--- a/PDF/CT206H-B2105727-StudentManagement.pptx
+++ b/PDF/CT206H-B2105727-StudentManagement.pptx
@@ -16,6 +16,8 @@
     <p:sldId id="263" r:id="rId11"/>
     <p:sldId id="264" r:id="rId12"/>
     <p:sldId id="265" r:id="rId13"/>
+    <p:sldId id="266" r:id="rId14"/>
+    <p:sldId id="267" r:id="rId15"/>
   </p:sldIdLst>
   <p:sldSz cx="9144000" cy="6858000"/>
   <p:notesSz cx="7559675" cy="10691813"/>
@@ -73,7 +75,7 @@
         <p:txBody>
           <a:bodyPr/>
           <a:p>
-            <a:fld id="{53D5DD91-9C13-4F72-9B05-B6061B924437}" type="slidenum">
+            <a:fld id="{E7F545AE-10AD-4D93-94CC-CFD00ED09D67}" type="slidenum">
               <a:t>&lt;#&gt;</a:t>
             </a:fld>
           </a:p>
@@ -282,7 +284,7 @@
         <p:txBody>
           <a:bodyPr/>
           <a:p>
-            <a:fld id="{EC38F782-73FD-46C6-BC60-F82BE4EA6E95}" type="slidenum">
+            <a:fld id="{629BFA22-AA14-488C-83FB-16AB03B83EE5}" type="slidenum">
               <a:t>&lt;#&gt;</a:t>
             </a:fld>
           </a:p>
@@ -577,7 +579,7 @@
         <p:txBody>
           <a:bodyPr/>
           <a:p>
-            <a:fld id="{962DEB2A-46D5-4D76-8D55-CB3EB1B63580}" type="slidenum">
+            <a:fld id="{BA85719F-6647-4D84-BC2B-E8531D19DB0C}" type="slidenum">
               <a:t>&lt;#&gt;</a:t>
             </a:fld>
           </a:p>
@@ -958,7 +960,7 @@
         <p:txBody>
           <a:bodyPr/>
           <a:p>
-            <a:fld id="{555062AC-FD93-423C-B851-99F9DD149158}" type="slidenum">
+            <a:fld id="{89960E83-71C7-4D03-BA3E-8694DC973A06}" type="slidenum">
               <a:t>&lt;#&gt;</a:t>
             </a:fld>
           </a:p>
@@ -1041,7 +1043,7 @@
         <p:txBody>
           <a:bodyPr/>
           <a:p>
-            <a:fld id="{A45BCDDD-0C89-43BF-9168-208B17FD22AE}" type="slidenum">
+            <a:fld id="{69827634-0BC5-4E3A-98ED-7F362A55160B}" type="slidenum">
               <a:t>&lt;#&gt;</a:t>
             </a:fld>
           </a:p>
@@ -1204,7 +1206,7 @@
         <p:txBody>
           <a:bodyPr/>
           <a:p>
-            <a:fld id="{4A226A05-FE13-4F61-B2E8-89838F7165B6}" type="slidenum">
+            <a:fld id="{DF03C3DF-1475-4EBC-B8B7-DC92F7087534}" type="slidenum">
               <a:t>&lt;#&gt;</a:t>
             </a:fld>
           </a:p>
@@ -1370,7 +1372,7 @@
         <p:txBody>
           <a:bodyPr/>
           <a:p>
-            <a:fld id="{8498D348-1B1F-4540-BFEE-C1B30339713A}" type="slidenum">
+            <a:fld id="{4C8169D7-FA97-48B1-A797-CDFCC90D363F}" type="slidenum">
               <a:t>&lt;#&gt;</a:t>
             </a:fld>
           </a:p>
@@ -1579,7 +1581,7 @@
         <p:txBody>
           <a:bodyPr/>
           <a:p>
-            <a:fld id="{BFF10CAD-C42A-49FF-9649-3EB1931156FC}" type="slidenum">
+            <a:fld id="{A36A09E5-34A1-418B-ACFC-3FA5C48E9D33}" type="slidenum">
               <a:t>&lt;#&gt;</a:t>
             </a:fld>
           </a:p>
@@ -1702,7 +1704,7 @@
         <p:txBody>
           <a:bodyPr/>
           <a:p>
-            <a:fld id="{B084A2C6-DF48-487F-94A1-BA8EFDF99798}" type="slidenum">
+            <a:fld id="{429A2172-ECB8-439D-8055-28D5F4C4C9FF}" type="slidenum">
               <a:t>&lt;#&gt;</a:t>
             </a:fld>
           </a:p>
@@ -1823,7 +1825,7 @@
         <p:txBody>
           <a:bodyPr/>
           <a:p>
-            <a:fld id="{5F3942C3-0FB0-4120-980A-AF666FCA2977}" type="slidenum">
+            <a:fld id="{B908805E-CCDC-4802-9F60-81473C0867B2}" type="slidenum">
               <a:t>&lt;#&gt;</a:t>
             </a:fld>
           </a:p>
@@ -2075,7 +2077,7 @@
         <p:txBody>
           <a:bodyPr/>
           <a:p>
-            <a:fld id="{F1965D95-5B40-4B4F-BA54-5566586D16C5}" type="slidenum">
+            <a:fld id="{44D26299-F785-41DC-A207-0C1AEE980F66}" type="slidenum">
               <a:t>&lt;#&gt;</a:t>
             </a:fld>
           </a:p>
@@ -2238,7 +2240,7 @@
         <p:txBody>
           <a:bodyPr/>
           <a:p>
-            <a:fld id="{F11B6753-8D16-4B43-AD86-6853D4514FCA}" type="slidenum">
+            <a:fld id="{21E8906A-3C5C-4FE8-8275-C1CD8EECA03B}" type="slidenum">
               <a:t>&lt;#&gt;</a:t>
             </a:fld>
           </a:p>
@@ -2490,7 +2492,7 @@
         <p:txBody>
           <a:bodyPr/>
           <a:p>
-            <a:fld id="{20A3204C-C71B-457E-8D9D-BC9C27D9AC65}" type="slidenum">
+            <a:fld id="{4F68D1C2-D755-4F44-80F1-B3978D6F8622}" type="slidenum">
               <a:t>&lt;#&gt;</a:t>
             </a:fld>
           </a:p>
@@ -2742,7 +2744,7 @@
         <p:txBody>
           <a:bodyPr/>
           <a:p>
-            <a:fld id="{DA3EEDAC-7632-4C43-84DD-E755C45A3D76}" type="slidenum">
+            <a:fld id="{EB9CFB48-ECCB-4780-9A32-402BF99D779D}" type="slidenum">
               <a:t>&lt;#&gt;</a:t>
             </a:fld>
           </a:p>
@@ -2951,7 +2953,7 @@
         <p:txBody>
           <a:bodyPr/>
           <a:p>
-            <a:fld id="{6407831D-52E9-40DE-AD1C-599B9D952FAC}" type="slidenum">
+            <a:fld id="{857B045C-DF99-472F-97B2-0508C186AE42}" type="slidenum">
               <a:t>&lt;#&gt;</a:t>
             </a:fld>
           </a:p>
@@ -3246,7 +3248,7 @@
         <p:txBody>
           <a:bodyPr/>
           <a:p>
-            <a:fld id="{9A3A829D-AAB8-4D26-B0CD-FB32AE8E7648}" type="slidenum">
+            <a:fld id="{43D0BF46-CDB0-44F1-B31D-D7C53380EC2D}" type="slidenum">
               <a:t>&lt;#&gt;</a:t>
             </a:fld>
           </a:p>
@@ -3627,7 +3629,7 @@
         <p:txBody>
           <a:bodyPr/>
           <a:p>
-            <a:fld id="{D61A9D00-09FB-4DE0-9720-B81395723616}" type="slidenum">
+            <a:fld id="{A106FE29-0CEF-4E16-8FDC-9C136677BD68}" type="slidenum">
               <a:t>&lt;#&gt;</a:t>
             </a:fld>
           </a:p>
@@ -3793,7 +3795,7 @@
         <p:txBody>
           <a:bodyPr/>
           <a:p>
-            <a:fld id="{B0B6C55A-9D63-4323-B7F1-7CA6019FC4D6}" type="slidenum">
+            <a:fld id="{D36AC5A9-BF24-4F29-8363-8EED4C118293}" type="slidenum">
               <a:t>&lt;#&gt;</a:t>
             </a:fld>
           </a:p>
@@ -4002,7 +4004,7 @@
         <p:txBody>
           <a:bodyPr/>
           <a:p>
-            <a:fld id="{23E0FF72-1E49-49F6-BDDE-7009C1687DEC}" type="slidenum">
+            <a:fld id="{865EBB31-E2D1-4EB3-9CEA-3C6E58763078}" type="slidenum">
               <a:t>&lt;#&gt;</a:t>
             </a:fld>
           </a:p>
@@ -4125,7 +4127,7 @@
         <p:txBody>
           <a:bodyPr/>
           <a:p>
-            <a:fld id="{216F9C5E-5C88-46D2-82E6-CC98F8646463}" type="slidenum">
+            <a:fld id="{8C31FDA4-1361-4780-BF03-7707373DD7BF}" type="slidenum">
               <a:t>&lt;#&gt;</a:t>
             </a:fld>
           </a:p>
@@ -4246,7 +4248,7 @@
         <p:txBody>
           <a:bodyPr/>
           <a:p>
-            <a:fld id="{C1AF3840-BB38-4166-A82C-FAC1BDEEF137}" type="slidenum">
+            <a:fld id="{31FCD76C-1F9A-4FBD-87F1-6B10628C9A02}" type="slidenum">
               <a:t>&lt;#&gt;</a:t>
             </a:fld>
           </a:p>
@@ -4498,7 +4500,7 @@
         <p:txBody>
           <a:bodyPr/>
           <a:p>
-            <a:fld id="{37ECEBEF-7B6C-4072-870C-7A101F39ED88}" type="slidenum">
+            <a:fld id="{A1D8C712-7D8D-4B21-B2CF-038F18F72E73}" type="slidenum">
               <a:t>&lt;#&gt;</a:t>
             </a:fld>
           </a:p>
@@ -4750,7 +4752,7 @@
         <p:txBody>
           <a:bodyPr/>
           <a:p>
-            <a:fld id="{9B336514-CBB4-4B0A-8B1E-84858BDE5980}" type="slidenum">
+            <a:fld id="{FB36CD61-739B-4F67-BE03-3A8CB57FD833}" type="slidenum">
               <a:t>&lt;#&gt;</a:t>
             </a:fld>
           </a:p>
@@ -5002,7 +5004,7 @@
         <p:txBody>
           <a:bodyPr/>
           <a:p>
-            <a:fld id="{BD59DCCB-2CDC-415D-9634-ED9C1BF1A33F}" type="slidenum">
+            <a:fld id="{5FDBFFA8-3412-4D58-BE58-959E5077B716}" type="slidenum">
               <a:t>&lt;#&gt;</a:t>
             </a:fld>
           </a:p>
@@ -5071,8 +5073,8 @@
         </p:nvSpPr>
         <p:spPr>
           <a:xfrm>
-            <a:off x="1752480" y="282600"/>
-            <a:ext cx="7085880" cy="943920"/>
+            <a:off x="457200" y="273600"/>
+            <a:ext cx="8228880" cy="1144440"/>
           </a:xfrm>
           <a:prstGeom prst="rect">
             <a:avLst/>
@@ -5115,13 +5117,238 @@
             <a:spLocks noGrp="1"/>
           </p:cNvSpPr>
           <p:nvPr>
+            <p:ph type="body"/>
+          </p:nvPr>
+        </p:nvSpPr>
+        <p:spPr>
+          <a:xfrm>
+            <a:off x="457200" y="1604520"/>
+            <a:ext cx="8228880" cy="3976920"/>
+          </a:xfrm>
+          <a:prstGeom prst="rect">
+            <a:avLst/>
+          </a:prstGeom>
+          <a:noFill/>
+          <a:ln w="0">
+            <a:noFill/>
+          </a:ln>
+        </p:spPr>
+        <p:txBody>
+          <a:bodyPr lIns="0" rIns="0" tIns="0" bIns="0" anchor="t">
+            <a:normAutofit/>
+          </a:bodyPr>
+          <a:p>
+            <a:pPr marL="432000" indent="-324000">
+              <a:spcBef>
+                <a:spcPts val="1417"/>
+              </a:spcBef>
+              <a:buClr>
+                <a:srgbClr val="000000"/>
+              </a:buClr>
+              <a:buSzPct val="45000"/>
+              <a:buFont typeface="Wingdings" charset="2"/>
+              <a:buChar char=""/>
+            </a:pPr>
+            <a:r>
+              <a:rPr b="0" lang="en-US" sz="1800" spc="-1" strike="noStrike">
+                <a:solidFill>
+                  <a:srgbClr val="000000"/>
+                </a:solidFill>
+                <a:latin typeface="Arial"/>
+              </a:rPr>
+              <a:t>Click to edit the outline text format</a:t>
+            </a:r>
+            <a:endParaRPr b="0" lang="en-US" sz="1800" spc="-1" strike="noStrike">
+              <a:solidFill>
+                <a:srgbClr val="000000"/>
+              </a:solidFill>
+              <a:latin typeface="Arial"/>
+            </a:endParaRPr>
+          </a:p>
+          <a:p>
+            <a:pPr lvl="1" marL="864000" indent="-324000">
+              <a:spcBef>
+                <a:spcPts val="1134"/>
+              </a:spcBef>
+              <a:buClr>
+                <a:srgbClr val="000000"/>
+              </a:buClr>
+              <a:buSzPct val="75000"/>
+              <a:buFont typeface="Symbol" charset="2"/>
+              <a:buChar char=""/>
+            </a:pPr>
+            <a:r>
+              <a:rPr b="0" lang="en-US" sz="1800" spc="-1" strike="noStrike">
+                <a:solidFill>
+                  <a:srgbClr val="000000"/>
+                </a:solidFill>
+                <a:latin typeface="Arial"/>
+              </a:rPr>
+              <a:t>Second Outline Level</a:t>
+            </a:r>
+            <a:endParaRPr b="0" lang="en-US" sz="1800" spc="-1" strike="noStrike">
+              <a:solidFill>
+                <a:srgbClr val="000000"/>
+              </a:solidFill>
+              <a:latin typeface="Arial"/>
+            </a:endParaRPr>
+          </a:p>
+          <a:p>
+            <a:pPr lvl="2" marL="1296000" indent="-288000">
+              <a:spcBef>
+                <a:spcPts val="850"/>
+              </a:spcBef>
+              <a:buClr>
+                <a:srgbClr val="000000"/>
+              </a:buClr>
+              <a:buSzPct val="45000"/>
+              <a:buFont typeface="Wingdings" charset="2"/>
+              <a:buChar char=""/>
+            </a:pPr>
+            <a:r>
+              <a:rPr b="0" lang="en-US" sz="1800" spc="-1" strike="noStrike">
+                <a:solidFill>
+                  <a:srgbClr val="000000"/>
+                </a:solidFill>
+                <a:latin typeface="Arial"/>
+              </a:rPr>
+              <a:t>Third Outline Level</a:t>
+            </a:r>
+            <a:endParaRPr b="0" lang="en-US" sz="1800" spc="-1" strike="noStrike">
+              <a:solidFill>
+                <a:srgbClr val="000000"/>
+              </a:solidFill>
+              <a:latin typeface="Arial"/>
+            </a:endParaRPr>
+          </a:p>
+          <a:p>
+            <a:pPr lvl="3" marL="1728000" indent="-216000">
+              <a:spcBef>
+                <a:spcPts val="567"/>
+              </a:spcBef>
+              <a:buClr>
+                <a:srgbClr val="000000"/>
+              </a:buClr>
+              <a:buSzPct val="75000"/>
+              <a:buFont typeface="Symbol" charset="2"/>
+              <a:buChar char=""/>
+            </a:pPr>
+            <a:r>
+              <a:rPr b="0" lang="en-US" sz="1800" spc="-1" strike="noStrike">
+                <a:solidFill>
+                  <a:srgbClr val="000000"/>
+                </a:solidFill>
+                <a:latin typeface="Arial"/>
+              </a:rPr>
+              <a:t>Fourth Outline Level</a:t>
+            </a:r>
+            <a:endParaRPr b="0" lang="en-US" sz="1800" spc="-1" strike="noStrike">
+              <a:solidFill>
+                <a:srgbClr val="000000"/>
+              </a:solidFill>
+              <a:latin typeface="Arial"/>
+            </a:endParaRPr>
+          </a:p>
+          <a:p>
+            <a:pPr lvl="4" marL="2160000" indent="-216000">
+              <a:spcBef>
+                <a:spcPts val="283"/>
+              </a:spcBef>
+              <a:buClr>
+                <a:srgbClr val="000000"/>
+              </a:buClr>
+              <a:buSzPct val="45000"/>
+              <a:buFont typeface="Wingdings" charset="2"/>
+              <a:buChar char=""/>
+            </a:pPr>
+            <a:r>
+              <a:rPr b="0" lang="en-US" sz="1800" spc="-1" strike="noStrike">
+                <a:solidFill>
+                  <a:srgbClr val="000000"/>
+                </a:solidFill>
+                <a:latin typeface="Arial"/>
+              </a:rPr>
+              <a:t>Fifth Outline Level</a:t>
+            </a:r>
+            <a:endParaRPr b="0" lang="en-US" sz="1800" spc="-1" strike="noStrike">
+              <a:solidFill>
+                <a:srgbClr val="000000"/>
+              </a:solidFill>
+              <a:latin typeface="Arial"/>
+            </a:endParaRPr>
+          </a:p>
+          <a:p>
+            <a:pPr lvl="5" marL="2592000" indent="-216000">
+              <a:spcBef>
+                <a:spcPts val="283"/>
+              </a:spcBef>
+              <a:buClr>
+                <a:srgbClr val="000000"/>
+              </a:buClr>
+              <a:buSzPct val="45000"/>
+              <a:buFont typeface="Wingdings" charset="2"/>
+              <a:buChar char=""/>
+            </a:pPr>
+            <a:r>
+              <a:rPr b="0" lang="en-US" sz="1800" spc="-1" strike="noStrike">
+                <a:solidFill>
+                  <a:srgbClr val="000000"/>
+                </a:solidFill>
+                <a:latin typeface="Arial"/>
+              </a:rPr>
+              <a:t>Sixth Outline Level</a:t>
+            </a:r>
+            <a:endParaRPr b="0" lang="en-US" sz="1800" spc="-1" strike="noStrike">
+              <a:solidFill>
+                <a:srgbClr val="000000"/>
+              </a:solidFill>
+              <a:latin typeface="Arial"/>
+            </a:endParaRPr>
+          </a:p>
+          <a:p>
+            <a:pPr lvl="6" marL="3024000" indent="-216000">
+              <a:spcBef>
+                <a:spcPts val="283"/>
+              </a:spcBef>
+              <a:buClr>
+                <a:srgbClr val="000000"/>
+              </a:buClr>
+              <a:buSzPct val="45000"/>
+              <a:buFont typeface="Wingdings" charset="2"/>
+              <a:buChar char=""/>
+            </a:pPr>
+            <a:r>
+              <a:rPr b="0" lang="en-US" sz="1800" spc="-1" strike="noStrike">
+                <a:solidFill>
+                  <a:srgbClr val="000000"/>
+                </a:solidFill>
+                <a:latin typeface="Arial"/>
+              </a:rPr>
+              <a:t>Seventh Outline Level</a:t>
+            </a:r>
+            <a:endParaRPr b="0" lang="en-US" sz="1800" spc="-1" strike="noStrike">
+              <a:solidFill>
+                <a:srgbClr val="000000"/>
+              </a:solidFill>
+              <a:latin typeface="Arial"/>
+            </a:endParaRPr>
+          </a:p>
+        </p:txBody>
+      </p:sp>
+      <p:sp>
+        <p:nvSpPr>
+          <p:cNvPr id="2" name="PlaceHolder 3"/>
+          <p:cNvSpPr>
+            <a:spLocks noGrp="1"/>
+          </p:cNvSpPr>
+          <p:nvPr>
             <p:ph type="ftr" idx="1"/>
           </p:nvPr>
         </p:nvSpPr>
         <p:spPr>
           <a:xfrm>
             <a:off x="3124080" y="6245280"/>
-            <a:ext cx="2894760" cy="475560"/>
+            <a:ext cx="2894400" cy="475200"/>
           </a:xfrm>
           <a:prstGeom prst="rect">
             <a:avLst/>
@@ -5182,7 +5409,7 @@
       </p:sp>
       <p:sp>
         <p:nvSpPr>
-          <p:cNvPr id="2" name="PlaceHolder 3"/>
+          <p:cNvPr id="3" name="PlaceHolder 4"/>
           <p:cNvSpPr>
             <a:spLocks noGrp="1"/>
           </p:cNvSpPr>
@@ -5193,7 +5420,7 @@
         <p:spPr>
           <a:xfrm>
             <a:off x="6716880" y="6230880"/>
-            <a:ext cx="2133000" cy="548640"/>
+            <a:ext cx="2132640" cy="548280"/>
           </a:xfrm>
           <a:prstGeom prst="rect">
             <a:avLst/>
@@ -5234,7 +5461,7 @@
                 <a:tab algn="l" pos="0"/>
               </a:tabLst>
             </a:pPr>
-            <a:fld id="{35786E0F-5A33-4822-ADEE-D98DB80A4C87}" type="slidenum">
+            <a:fld id="{894D96CD-54F9-42C4-BB1A-C0274AC73B69}" type="slidenum">
               <a:rPr b="0" lang="en-US" sz="1400" spc="-1" strike="noStrike">
                 <a:solidFill>
                   <a:schemeClr val="dk1"/>
@@ -5254,7 +5481,7 @@
       </p:sp>
       <p:sp>
         <p:nvSpPr>
-          <p:cNvPr id="3" name="PlaceHolder 4"/>
+          <p:cNvPr id="4" name="PlaceHolder 5"/>
           <p:cNvSpPr>
             <a:spLocks noGrp="1"/>
           </p:cNvSpPr>
@@ -5265,7 +5492,7 @@
         <p:spPr>
           <a:xfrm>
             <a:off x="609480" y="6245280"/>
-            <a:ext cx="1980360" cy="475560"/>
+            <a:ext cx="1980000" cy="475200"/>
           </a:xfrm>
           <a:prstGeom prst="rect">
             <a:avLst/>
@@ -5308,231 +5535,6 @@
                 <a:srgbClr val="000000"/>
               </a:solidFill>
               <a:latin typeface="Times New Roman"/>
-            </a:endParaRPr>
-          </a:p>
-        </p:txBody>
-      </p:sp>
-      <p:sp>
-        <p:nvSpPr>
-          <p:cNvPr id="4" name="PlaceHolder 5"/>
-          <p:cNvSpPr>
-            <a:spLocks noGrp="1"/>
-          </p:cNvSpPr>
-          <p:nvPr>
-            <p:ph type="body"/>
-          </p:nvPr>
-        </p:nvSpPr>
-        <p:spPr>
-          <a:xfrm>
-            <a:off x="457200" y="1604520"/>
-            <a:ext cx="8229240" cy="3977280"/>
-          </a:xfrm>
-          <a:prstGeom prst="rect">
-            <a:avLst/>
-          </a:prstGeom>
-          <a:noFill/>
-          <a:ln w="0">
-            <a:noFill/>
-          </a:ln>
-        </p:spPr>
-        <p:txBody>
-          <a:bodyPr lIns="0" rIns="0" tIns="0" bIns="0" anchor="t">
-            <a:normAutofit/>
-          </a:bodyPr>
-          <a:p>
-            <a:pPr marL="432000" indent="-324000">
-              <a:spcBef>
-                <a:spcPts val="1417"/>
-              </a:spcBef>
-              <a:buClr>
-                <a:srgbClr val="000000"/>
-              </a:buClr>
-              <a:buSzPct val="45000"/>
-              <a:buFont typeface="Wingdings" charset="2"/>
-              <a:buChar char=""/>
-            </a:pPr>
-            <a:r>
-              <a:rPr b="0" lang="en-US" sz="3200" spc="-1" strike="noStrike">
-                <a:solidFill>
-                  <a:srgbClr val="000000"/>
-                </a:solidFill>
-                <a:latin typeface="Arial"/>
-              </a:rPr>
-              <a:t>Click to edit the outline text format</a:t>
-            </a:r>
-            <a:endParaRPr b="0" lang="en-US" sz="3200" spc="-1" strike="noStrike">
-              <a:solidFill>
-                <a:srgbClr val="000000"/>
-              </a:solidFill>
-              <a:latin typeface="Arial"/>
-            </a:endParaRPr>
-          </a:p>
-          <a:p>
-            <a:pPr lvl="1" marL="864000" indent="-324000">
-              <a:spcBef>
-                <a:spcPts val="1134"/>
-              </a:spcBef>
-              <a:buClr>
-                <a:srgbClr val="000000"/>
-              </a:buClr>
-              <a:buSzPct val="75000"/>
-              <a:buFont typeface="Symbol" charset="2"/>
-              <a:buChar char=""/>
-            </a:pPr>
-            <a:r>
-              <a:rPr b="0" lang="en-US" sz="2800" spc="-1" strike="noStrike">
-                <a:solidFill>
-                  <a:srgbClr val="000000"/>
-                </a:solidFill>
-                <a:latin typeface="Arial"/>
-              </a:rPr>
-              <a:t>Second Outline Level</a:t>
-            </a:r>
-            <a:endParaRPr b="0" lang="en-US" sz="2800" spc="-1" strike="noStrike">
-              <a:solidFill>
-                <a:srgbClr val="000000"/>
-              </a:solidFill>
-              <a:latin typeface="Arial"/>
-            </a:endParaRPr>
-          </a:p>
-          <a:p>
-            <a:pPr lvl="2" marL="1296000" indent="-288000">
-              <a:spcBef>
-                <a:spcPts val="850"/>
-              </a:spcBef>
-              <a:buClr>
-                <a:srgbClr val="000000"/>
-              </a:buClr>
-              <a:buSzPct val="45000"/>
-              <a:buFont typeface="Wingdings" charset="2"/>
-              <a:buChar char=""/>
-            </a:pPr>
-            <a:r>
-              <a:rPr b="0" lang="en-US" sz="2400" spc="-1" strike="noStrike">
-                <a:solidFill>
-                  <a:srgbClr val="000000"/>
-                </a:solidFill>
-                <a:latin typeface="Arial"/>
-              </a:rPr>
-              <a:t>Third Outline Level</a:t>
-            </a:r>
-            <a:endParaRPr b="0" lang="en-US" sz="2400" spc="-1" strike="noStrike">
-              <a:solidFill>
-                <a:srgbClr val="000000"/>
-              </a:solidFill>
-              <a:latin typeface="Arial"/>
-            </a:endParaRPr>
-          </a:p>
-          <a:p>
-            <a:pPr lvl="3" marL="1728000" indent="-216000">
-              <a:spcBef>
-                <a:spcPts val="567"/>
-              </a:spcBef>
-              <a:buClr>
-                <a:srgbClr val="000000"/>
-              </a:buClr>
-              <a:buSzPct val="75000"/>
-              <a:buFont typeface="Symbol" charset="2"/>
-              <a:buChar char=""/>
-            </a:pPr>
-            <a:r>
-              <a:rPr b="0" lang="en-US" sz="2000" spc="-1" strike="noStrike">
-                <a:solidFill>
-                  <a:srgbClr val="000000"/>
-                </a:solidFill>
-                <a:latin typeface="Arial"/>
-              </a:rPr>
-              <a:t>Fourth Outline Level</a:t>
-            </a:r>
-            <a:endParaRPr b="0" lang="en-US" sz="2000" spc="-1" strike="noStrike">
-              <a:solidFill>
-                <a:srgbClr val="000000"/>
-              </a:solidFill>
-              <a:latin typeface="Arial"/>
-            </a:endParaRPr>
-          </a:p>
-          <a:p>
-            <a:pPr lvl="4" marL="2160000" indent="-216000">
-              <a:spcBef>
-                <a:spcPts val="283"/>
-              </a:spcBef>
-              <a:buClr>
-                <a:srgbClr val="000000"/>
-              </a:buClr>
-              <a:buSzPct val="45000"/>
-              <a:buFont typeface="Wingdings" charset="2"/>
-              <a:buChar char=""/>
-            </a:pPr>
-            <a:r>
-              <a:rPr b="0" lang="en-US" sz="2000" spc="-1" strike="noStrike">
-                <a:solidFill>
-                  <a:srgbClr val="000000"/>
-                </a:solidFill>
-                <a:latin typeface="Arial"/>
-              </a:rPr>
-              <a:t>Fifth Outline Level</a:t>
-            </a:r>
-            <a:endParaRPr b="0" lang="en-US" sz="2000" spc="-1" strike="noStrike">
-              <a:solidFill>
-                <a:srgbClr val="000000"/>
-              </a:solidFill>
-              <a:latin typeface="Arial"/>
-            </a:endParaRPr>
-          </a:p>
-          <a:p>
-            <a:pPr lvl="5" marL="2592000" indent="-216000">
-              <a:spcBef>
-                <a:spcPts val="283"/>
-              </a:spcBef>
-              <a:buClr>
-                <a:srgbClr val="000000"/>
-              </a:buClr>
-              <a:buSzPct val="45000"/>
-              <a:buFont typeface="Wingdings" charset="2"/>
-              <a:buChar char=""/>
-            </a:pPr>
-            <a:r>
-              <a:rPr b="0" lang="en-US" sz="2000" spc="-1" strike="noStrike">
-                <a:solidFill>
-                  <a:srgbClr val="000000"/>
-                </a:solidFill>
-                <a:latin typeface="Arial"/>
-              </a:rPr>
-              <a:t>Sixth Outline Level</a:t>
-            </a:r>
-            <a:endParaRPr b="0" lang="en-US" sz="2000" spc="-1" strike="noStrike">
-              <a:solidFill>
-                <a:srgbClr val="000000"/>
-              </a:solidFill>
-              <a:latin typeface="Arial"/>
-            </a:endParaRPr>
-          </a:p>
-          <a:p>
-            <a:pPr lvl="6" marL="3024000" indent="-216000">
-              <a:spcBef>
-                <a:spcPts val="283"/>
-              </a:spcBef>
-              <a:buClr>
-                <a:srgbClr val="000000"/>
-              </a:buClr>
-              <a:buSzPct val="45000"/>
-              <a:buFont typeface="Wingdings" charset="2"/>
-              <a:buChar char=""/>
-            </a:pPr>
-            <a:r>
-              <a:rPr b="0" lang="en-US" sz="2000" spc="-1" strike="noStrike">
-                <a:solidFill>
-                  <a:srgbClr val="000000"/>
-                </a:solidFill>
-                <a:latin typeface="Arial"/>
-              </a:rPr>
-              <a:t>Seventh Outline Level</a:t>
-            </a:r>
-            <a:endParaRPr b="0" lang="en-US" sz="2000" spc="-1" strike="noStrike">
-              <a:solidFill>
-                <a:srgbClr val="000000"/>
-              </a:solidFill>
-              <a:latin typeface="Arial"/>
             </a:endParaRPr>
           </a:p>
         </p:txBody>
@@ -5595,7 +5597,7 @@
         <p:spPr>
           <a:xfrm>
             <a:off x="2719440" y="6283440"/>
-            <a:ext cx="2894760" cy="475560"/>
+            <a:ext cx="2894400" cy="475200"/>
           </a:xfrm>
           <a:prstGeom prst="rect">
             <a:avLst/>
@@ -5667,7 +5669,7 @@
         <p:spPr>
           <a:xfrm>
             <a:off x="6705720" y="6226200"/>
-            <a:ext cx="2133000" cy="553320"/>
+            <a:ext cx="2132640" cy="552960"/>
           </a:xfrm>
           <a:prstGeom prst="rect">
             <a:avLst/>
@@ -5708,7 +5710,7 @@
                 <a:tab algn="l" pos="0"/>
               </a:tabLst>
             </a:pPr>
-            <a:fld id="{6FC73B8C-A533-47D0-9424-3839063020E8}" type="slidenum">
+            <a:fld id="{288B2A3D-B51C-42DC-B974-7F1A958FE6DF}" type="slidenum">
               <a:rPr b="0" lang="en-US" sz="1400" spc="-1" strike="noStrike">
                 <a:solidFill>
                   <a:schemeClr val="dk1"/>
@@ -5739,7 +5741,7 @@
         <p:spPr>
           <a:xfrm>
             <a:off x="609480" y="6278400"/>
-            <a:ext cx="1980360" cy="475560"/>
+            <a:ext cx="1980000" cy="475200"/>
           </a:xfrm>
           <a:prstGeom prst="rect">
             <a:avLst/>
@@ -6118,7 +6120,7 @@
         <p:spPr>
           <a:xfrm>
             <a:off x="719280" y="1143000"/>
-            <a:ext cx="7771680" cy="2456640"/>
+            <a:ext cx="7771320" cy="2456280"/>
           </a:xfrm>
           <a:prstGeom prst="rect">
             <a:avLst/>
@@ -6149,7 +6151,7 @@
                 </a:solidFill>
                 <a:latin typeface="Arial"/>
               </a:rPr>
-              <a:t>Course Project</a:t>
+              <a:t>Course Project:</a:t>
             </a:r>
             <a:br>
               <a:rPr sz="3600"/>
@@ -6188,7 +6190,7 @@
         <p:spPr>
           <a:xfrm>
             <a:off x="1371600" y="3886200"/>
-            <a:ext cx="6400080" cy="1751760"/>
+            <a:ext cx="6399720" cy="1751400"/>
           </a:xfrm>
           <a:prstGeom prst="rect">
             <a:avLst/>
@@ -6208,6 +6210,9 @@
                 <a:spcPct val="100000"/>
               </a:lnSpc>
               <a:buNone/>
+              <a:tabLst>
+                <a:tab algn="l" pos="0"/>
+              </a:tabLst>
             </a:pPr>
             <a:r>
               <a:rPr b="1" lang="en-US" sz="1800" spc="-1" strike="noStrike">
@@ -6253,16 +6258,8 @@
 </file>
 
 <file path=ppt/slides/slide10.xml><?xml version="1.0" encoding="utf-8"?>
-<p:sld xmlns:a="http://schemas.openxmlformats.org/drawingml/2006/main" xmlns:p="http://schemas.openxmlformats.org/presentationml/2006/main" xmlns:r="http://schemas.openxmlformats.org/officeDocument/2006/relationships" xmlns:p14="http://schemas.microsoft.com/office/powerpoint/2010/main" xmlns:p15="http://schemas.microsoft.com/office/powerpoint/2012/main" xmlns:mc="http://schemas.openxmlformats.org/markup-compatibility/2006" showMasterSp="0">
+<p:sld xmlns:a="http://schemas.openxmlformats.org/drawingml/2006/main" xmlns:p="http://schemas.openxmlformats.org/presentationml/2006/main" xmlns:r="http://schemas.openxmlformats.org/officeDocument/2006/relationships" xmlns:p14="http://schemas.microsoft.com/office/powerpoint/2010/main" xmlns:p15="http://schemas.microsoft.com/office/powerpoint/2012/main" xmlns:mc="http://schemas.openxmlformats.org/markup-compatibility/2006">
   <p:cSld>
-    <p:bg>
-      <p:bgPr>
-        <a:blipFill rotWithShape="0">
-          <a:blip r:embed="rId1"/>
-          <a:stretch/>
-        </a:blipFill>
-      </p:bgPr>
-    </p:bg>
     <p:spTree>
       <p:nvGrpSpPr>
         <p:cNvPr id="1" name=""/>
@@ -6284,56 +6281,293 @@
             <a:spLocks noGrp="1"/>
           </p:cNvSpPr>
           <p:nvPr>
-            <p:ph/>
-          </p:nvPr>
-        </p:nvSpPr>
-        <p:spPr>
-          <a:xfrm>
-            <a:off x="1981080" y="2971800"/>
-            <a:ext cx="4876920" cy="598320"/>
-          </a:xfrm>
-          <a:prstGeom prst="rect">
-            <a:avLst/>
-          </a:prstGeom>
-          <a:noFill/>
-          <a:ln w="0">
-            <a:noFill/>
-          </a:ln>
-        </p:spPr>
-        <p:txBody>
-          <a:bodyPr numCol="1" spcCol="0" lIns="91440" rIns="91440" tIns="45720" bIns="45720" anchor="t">
+            <p:ph type="title"/>
+          </p:nvPr>
+        </p:nvSpPr>
+        <p:spPr>
+          <a:xfrm>
+            <a:off x="1752480" y="282600"/>
+            <a:ext cx="7085520" cy="943560"/>
+          </a:xfrm>
+          <a:prstGeom prst="rect">
+            <a:avLst/>
+          </a:prstGeom>
+          <a:noFill/>
+          <a:ln w="0">
+            <a:noFill/>
+          </a:ln>
+        </p:spPr>
+        <p:txBody>
+          <a:bodyPr numCol="1" spcCol="0" lIns="91440" rIns="91440" tIns="45720" bIns="45720" anchor="ctr">
             <a:noAutofit/>
           </a:bodyPr>
           <a:p>
-            <a:pPr marL="432000" indent="-324000">
-              <a:spcBef>
-                <a:spcPts val="1417"/>
-              </a:spcBef>
-              <a:buClr>
-                <a:srgbClr val="000000"/>
-              </a:buClr>
-              <a:buSzPct val="45000"/>
-              <a:buFont typeface="Wingdings" charset="2"/>
-              <a:buChar char=""/>
-            </a:pPr>
-            <a:r>
-              <a:rPr b="0" lang="en-US" sz="3200" spc="-1" strike="noStrike">
+            <a:pPr indent="0" algn="ctr">
+              <a:lnSpc>
+                <a:spcPct val="100000"/>
+              </a:lnSpc>
+              <a:buNone/>
+              <a:tabLst>
+                <a:tab algn="l" pos="0"/>
+              </a:tabLst>
+            </a:pPr>
+            <a:r>
+              <a:rPr b="0" lang="en-US" sz="4400" spc="-1" strike="noStrike">
                 <a:solidFill>
                   <a:srgbClr val="000000"/>
                 </a:solidFill>
                 <a:latin typeface="Arial"/>
               </a:rPr>
-              <a:t>Thank you for listening!</a:t>
-            </a:r>
-            <a:endParaRPr b="0" lang="en-US" sz="3200" spc="-1" strike="noStrike">
-              <a:solidFill>
-                <a:srgbClr val="000000"/>
-              </a:solidFill>
-              <a:latin typeface="Arial"/>
-            </a:endParaRPr>
-          </a:p>
-        </p:txBody>
-      </p:sp>
+              <a:t>REPORT_CARD</a:t>
+            </a:r>
+            <a:endParaRPr b="0" lang="en-US" sz="4400" spc="-1" strike="noStrike">
+              <a:solidFill>
+                <a:srgbClr val="000000"/>
+              </a:solidFill>
+              <a:latin typeface="Arial"/>
+            </a:endParaRPr>
+          </a:p>
+        </p:txBody>
+      </p:sp>
+      <p:pic>
+        <p:nvPicPr>
+          <p:cNvPr id="101" name="" descr=""/>
+          <p:cNvPicPr/>
+          <p:nvPr/>
+        </p:nvPicPr>
+        <p:blipFill>
+          <a:blip r:embed="rId1"/>
+          <a:stretch/>
+        </p:blipFill>
+        <p:spPr>
+          <a:xfrm>
+            <a:off x="383040" y="1961280"/>
+            <a:ext cx="8505000" cy="3994200"/>
+          </a:xfrm>
+          <a:prstGeom prst="rect">
+            <a:avLst/>
+          </a:prstGeom>
+          <a:ln w="0">
+            <a:noFill/>
+          </a:ln>
+        </p:spPr>
+      </p:pic>
+    </p:spTree>
+  </p:cSld>
+  <mc:AlternateContent>
+    <mc:Choice Requires="p14">
+      <p:transition spd="slow" p14:dur="2000"/>
+    </mc:Choice>
+    <mc:Fallback>
+      <p:transition spd="slow"/>
+    </mc:Fallback>
+  </mc:AlternateContent>
+</p:sld>
+</file>
+
+<file path=ppt/slides/slide11.xml><?xml version="1.0" encoding="utf-8"?>
+<p:sld xmlns:a="http://schemas.openxmlformats.org/drawingml/2006/main" xmlns:p="http://schemas.openxmlformats.org/presentationml/2006/main" xmlns:r="http://schemas.openxmlformats.org/officeDocument/2006/relationships" xmlns:p14="http://schemas.microsoft.com/office/powerpoint/2010/main" xmlns:p15="http://schemas.microsoft.com/office/powerpoint/2012/main" xmlns:mc="http://schemas.openxmlformats.org/markup-compatibility/2006">
+  <p:cSld>
+    <p:spTree>
+      <p:nvGrpSpPr>
+        <p:cNvPr id="1" name=""/>
+        <p:cNvGrpSpPr/>
+        <p:nvPr/>
+      </p:nvGrpSpPr>
+      <p:grpSpPr>
+        <a:xfrm>
+          <a:off x="0" y="0"/>
+          <a:ext cx="0" cy="0"/>
+          <a:chOff x="0" y="0"/>
+          <a:chExt cx="0" cy="0"/>
+        </a:xfrm>
+      </p:grpSpPr>
+      <p:sp>
+        <p:nvSpPr>
+          <p:cNvPr id="102" name="PlaceHolder 1"/>
+          <p:cNvSpPr>
+            <a:spLocks noGrp="1"/>
+          </p:cNvSpPr>
+          <p:nvPr>
+            <p:ph type="title"/>
+          </p:nvPr>
+        </p:nvSpPr>
+        <p:spPr>
+          <a:xfrm>
+            <a:off x="1752480" y="282600"/>
+            <a:ext cx="7391160" cy="943560"/>
+          </a:xfrm>
+          <a:prstGeom prst="rect">
+            <a:avLst/>
+          </a:prstGeom>
+          <a:noFill/>
+          <a:ln w="0">
+            <a:noFill/>
+          </a:ln>
+        </p:spPr>
+        <p:txBody>
+          <a:bodyPr numCol="1" spcCol="0" lIns="91440" rIns="91440" tIns="45720" bIns="45720" anchor="ctr">
+            <a:noAutofit/>
+          </a:bodyPr>
+          <a:p>
+            <a:pPr indent="0" algn="ctr">
+              <a:lnSpc>
+                <a:spcPct val="100000"/>
+              </a:lnSpc>
+              <a:buNone/>
+              <a:tabLst>
+                <a:tab algn="l" pos="0"/>
+              </a:tabLst>
+            </a:pPr>
+            <a:r>
+              <a:rPr b="0" lang="en-US" sz="4400" spc="-1" strike="noStrike">
+                <a:solidFill>
+                  <a:srgbClr val="000000"/>
+                </a:solidFill>
+                <a:latin typeface="Arial"/>
+              </a:rPr>
+              <a:t>INSTRUCTOR_SCHEDULE</a:t>
+            </a:r>
+            <a:endParaRPr b="0" lang="en-US" sz="4400" spc="-1" strike="noStrike">
+              <a:solidFill>
+                <a:srgbClr val="000000"/>
+              </a:solidFill>
+              <a:latin typeface="Arial"/>
+            </a:endParaRPr>
+          </a:p>
+        </p:txBody>
+      </p:sp>
+      <p:pic>
+        <p:nvPicPr>
+          <p:cNvPr id="103" name="" descr=""/>
+          <p:cNvPicPr/>
+          <p:nvPr/>
+        </p:nvPicPr>
+        <p:blipFill>
+          <a:blip r:embed="rId1"/>
+          <a:stretch/>
+        </p:blipFill>
+        <p:spPr>
+          <a:xfrm>
+            <a:off x="825840" y="2030040"/>
+            <a:ext cx="7860600" cy="3913200"/>
+          </a:xfrm>
+          <a:prstGeom prst="rect">
+            <a:avLst/>
+          </a:prstGeom>
+          <a:ln w="0">
+            <a:noFill/>
+          </a:ln>
+        </p:spPr>
+      </p:pic>
+    </p:spTree>
+  </p:cSld>
+  <mc:AlternateContent>
+    <mc:Choice Requires="p14">
+      <p:transition spd="slow" p14:dur="2000"/>
+    </mc:Choice>
+    <mc:Fallback>
+      <p:transition spd="slow"/>
+    </mc:Fallback>
+  </mc:AlternateContent>
+</p:sld>
+</file>
+
+<file path=ppt/slides/slide12.xml><?xml version="1.0" encoding="utf-8"?>
+<p:sld xmlns:a="http://schemas.openxmlformats.org/drawingml/2006/main" xmlns:p="http://schemas.openxmlformats.org/presentationml/2006/main" xmlns:r="http://schemas.openxmlformats.org/officeDocument/2006/relationships" xmlns:p14="http://schemas.microsoft.com/office/powerpoint/2010/main" xmlns:p15="http://schemas.microsoft.com/office/powerpoint/2012/main" xmlns:mc="http://schemas.openxmlformats.org/markup-compatibility/2006">
+  <p:cSld>
+    <p:spTree>
+      <p:nvGrpSpPr>
+        <p:cNvPr id="1" name=""/>
+        <p:cNvGrpSpPr/>
+        <p:nvPr/>
+      </p:nvGrpSpPr>
+      <p:grpSpPr>
+        <a:xfrm>
+          <a:off x="0" y="0"/>
+          <a:ext cx="0" cy="0"/>
+          <a:chOff x="0" y="0"/>
+          <a:chExt cx="0" cy="0"/>
+        </a:xfrm>
+      </p:grpSpPr>
+      <p:sp>
+        <p:nvSpPr>
+          <p:cNvPr id="104" name="PlaceHolder 1"/>
+          <p:cNvSpPr>
+            <a:spLocks noGrp="1"/>
+          </p:cNvSpPr>
+          <p:nvPr>
+            <p:ph type="title"/>
+          </p:nvPr>
+        </p:nvSpPr>
+        <p:spPr>
+          <a:xfrm>
+            <a:off x="1143000" y="282600"/>
+            <a:ext cx="8000640" cy="943560"/>
+          </a:xfrm>
+          <a:prstGeom prst="rect">
+            <a:avLst/>
+          </a:prstGeom>
+          <a:noFill/>
+          <a:ln w="0">
+            <a:noFill/>
+          </a:ln>
+        </p:spPr>
+        <p:txBody>
+          <a:bodyPr numCol="1" spcCol="0" lIns="91440" rIns="91440" tIns="45720" bIns="45720" anchor="ctr">
+            <a:noAutofit/>
+          </a:bodyPr>
+          <a:p>
+            <a:pPr indent="0" algn="ctr">
+              <a:lnSpc>
+                <a:spcPct val="100000"/>
+              </a:lnSpc>
+              <a:buNone/>
+              <a:tabLst>
+                <a:tab algn="l" pos="0"/>
+              </a:tabLst>
+            </a:pPr>
+            <a:r>
+              <a:rPr b="0" lang="en-US" sz="4400" spc="-1" strike="noStrike">
+                <a:solidFill>
+                  <a:srgbClr val="000000"/>
+                </a:solidFill>
+                <a:latin typeface="Arial"/>
+              </a:rPr>
+              <a:t>STUDENT_BY_DEPARTMENT</a:t>
+            </a:r>
+            <a:endParaRPr b="0" lang="en-US" sz="4400" spc="-1" strike="noStrike">
+              <a:solidFill>
+                <a:srgbClr val="000000"/>
+              </a:solidFill>
+              <a:latin typeface="Arial"/>
+            </a:endParaRPr>
+          </a:p>
+        </p:txBody>
+      </p:sp>
+      <p:pic>
+        <p:nvPicPr>
+          <p:cNvPr id="105" name="" descr=""/>
+          <p:cNvPicPr/>
+          <p:nvPr/>
+        </p:nvPicPr>
+        <p:blipFill>
+          <a:blip r:embed="rId1"/>
+          <a:stretch/>
+        </p:blipFill>
+        <p:spPr>
+          <a:xfrm>
+            <a:off x="789840" y="1801440"/>
+            <a:ext cx="7647840" cy="4370400"/>
+          </a:xfrm>
+          <a:prstGeom prst="rect">
+            <a:avLst/>
+          </a:prstGeom>
+          <a:ln w="0">
+            <a:noFill/>
+          </a:ln>
+        </p:spPr>
+      </p:pic>
     </p:spTree>
   </p:cSld>
   <mc:AlternateContent>
@@ -6393,7 +6627,13 @@
           </a:bodyPr>
           <a:p>
             <a:pPr indent="0" algn="ctr">
-              <a:buNone/>
+              <a:lnSpc>
+                <a:spcPct val="100000"/>
+              </a:lnSpc>
+              <a:buNone/>
+              <a:tabLst>
+                <a:tab algn="l" pos="0"/>
+              </a:tabLst>
             </a:pPr>
             <a:r>
               <a:rPr b="0" lang="en-US" sz="4400" spc="-1" strike="noStrike">
@@ -6402,7 +6642,7 @@
                 </a:solidFill>
                 <a:latin typeface="Arial"/>
               </a:rPr>
-              <a:t>Schema</a:t>
+              <a:t>List of Functions</a:t>
             </a:r>
             <a:endParaRPr b="0" lang="en-US" sz="4400" spc="-1" strike="noStrike">
               <a:solidFill>
@@ -6413,29 +6653,231 @@
           </a:p>
         </p:txBody>
       </p:sp>
-      <p:pic>
-        <p:nvPicPr>
-          <p:cNvPr id="85" name="" descr=""/>
-          <p:cNvPicPr/>
-          <p:nvPr/>
-        </p:nvPicPr>
-        <p:blipFill>
-          <a:blip r:embed="rId1"/>
-          <a:stretch/>
-        </p:blipFill>
-        <p:spPr>
-          <a:xfrm rot="9000">
-            <a:off x="2119320" y="1606680"/>
-            <a:ext cx="5172120" cy="4766400"/>
-          </a:xfrm>
-          <a:prstGeom prst="rect">
-            <a:avLst/>
-          </a:prstGeom>
-          <a:ln w="0">
-            <a:noFill/>
-          </a:ln>
-        </p:spPr>
-      </p:pic>
+      <p:sp>
+        <p:nvSpPr>
+          <p:cNvPr id="85" name="PlaceHolder 2"/>
+          <p:cNvSpPr>
+            <a:spLocks noGrp="1"/>
+          </p:cNvSpPr>
+          <p:nvPr>
+            <p:ph/>
+          </p:nvPr>
+        </p:nvSpPr>
+        <p:spPr>
+          <a:xfrm>
+            <a:off x="762120" y="1633680"/>
+            <a:ext cx="8076600" cy="4766400"/>
+          </a:xfrm>
+          <a:prstGeom prst="rect">
+            <a:avLst/>
+          </a:prstGeom>
+          <a:noFill/>
+          <a:ln w="0">
+            <a:noFill/>
+          </a:ln>
+        </p:spPr>
+        <p:txBody>
+          <a:bodyPr numCol="1" spcCol="0" lIns="91440" rIns="91440" tIns="45720" bIns="45720" anchor="t">
+            <a:noAutofit/>
+          </a:bodyPr>
+          <a:p>
+            <a:pPr marL="432000" indent="-324000">
+              <a:spcBef>
+                <a:spcPts val="1417"/>
+              </a:spcBef>
+              <a:buClr>
+                <a:srgbClr val="000000"/>
+              </a:buClr>
+              <a:buSzPct val="45000"/>
+              <a:buFont typeface="Wingdings" charset="2"/>
+              <a:buChar char=""/>
+            </a:pPr>
+            <a:r>
+              <a:rPr b="0" lang="en-US" sz="3200" spc="-1" strike="noStrike">
+                <a:solidFill>
+                  <a:srgbClr val="000000"/>
+                </a:solidFill>
+                <a:latin typeface="Arial"/>
+              </a:rPr>
+              <a:t>Add a new student</a:t>
+            </a:r>
+            <a:endParaRPr b="0" lang="en-US" sz="3200" spc="-1" strike="noStrike">
+              <a:solidFill>
+                <a:srgbClr val="000000"/>
+              </a:solidFill>
+              <a:latin typeface="Arial"/>
+            </a:endParaRPr>
+          </a:p>
+          <a:p>
+            <a:pPr marL="432000" indent="-324000">
+              <a:spcBef>
+                <a:spcPts val="1417"/>
+              </a:spcBef>
+              <a:buClr>
+                <a:srgbClr val="000000"/>
+              </a:buClr>
+              <a:buSzPct val="45000"/>
+              <a:buFont typeface="Wingdings" charset="2"/>
+              <a:buChar char=""/>
+            </a:pPr>
+            <a:r>
+              <a:rPr b="0" lang="en-US" sz="3200" spc="-1" strike="noStrike">
+                <a:solidFill>
+                  <a:srgbClr val="000000"/>
+                </a:solidFill>
+                <a:latin typeface="Arial"/>
+              </a:rPr>
+              <a:t>Add student grade</a:t>
+            </a:r>
+            <a:endParaRPr b="0" lang="en-US" sz="3200" spc="-1" strike="noStrike">
+              <a:solidFill>
+                <a:srgbClr val="000000"/>
+              </a:solidFill>
+              <a:latin typeface="Arial"/>
+            </a:endParaRPr>
+          </a:p>
+          <a:p>
+            <a:pPr marL="432000" indent="-324000">
+              <a:spcBef>
+                <a:spcPts val="1417"/>
+              </a:spcBef>
+              <a:buClr>
+                <a:srgbClr val="000000"/>
+              </a:buClr>
+              <a:buSzPct val="45000"/>
+              <a:buFont typeface="Wingdings" charset="2"/>
+              <a:buChar char=""/>
+            </a:pPr>
+            <a:r>
+              <a:rPr b="0" lang="en-US" sz="3200" spc="-1" strike="noStrike">
+                <a:solidFill>
+                  <a:srgbClr val="000000"/>
+                </a:solidFill>
+                <a:latin typeface="Arial"/>
+              </a:rPr>
+              <a:t>Calculate student GPA</a:t>
+            </a:r>
+            <a:endParaRPr b="0" lang="en-US" sz="3200" spc="-1" strike="noStrike">
+              <a:solidFill>
+                <a:srgbClr val="000000"/>
+              </a:solidFill>
+              <a:latin typeface="Arial"/>
+            </a:endParaRPr>
+          </a:p>
+          <a:p>
+            <a:pPr marL="432000" indent="-324000">
+              <a:spcBef>
+                <a:spcPts val="1417"/>
+              </a:spcBef>
+              <a:buClr>
+                <a:srgbClr val="000000"/>
+              </a:buClr>
+              <a:buSzPct val="45000"/>
+              <a:buFont typeface="Wingdings" charset="2"/>
+              <a:buChar char=""/>
+            </a:pPr>
+            <a:r>
+              <a:rPr b="0" lang="en-US" sz="3200" spc="-1" strike="noStrike">
+                <a:solidFill>
+                  <a:srgbClr val="000000"/>
+                </a:solidFill>
+                <a:latin typeface="Arial"/>
+              </a:rPr>
+              <a:t>Calculate yearly tuition</a:t>
+            </a:r>
+            <a:endParaRPr b="0" lang="en-US" sz="3200" spc="-1" strike="noStrike">
+              <a:solidFill>
+                <a:srgbClr val="000000"/>
+              </a:solidFill>
+              <a:latin typeface="Arial"/>
+            </a:endParaRPr>
+          </a:p>
+          <a:p>
+            <a:pPr marL="432000" indent="-324000">
+              <a:spcBef>
+                <a:spcPts val="1417"/>
+              </a:spcBef>
+              <a:buClr>
+                <a:srgbClr val="000000"/>
+              </a:buClr>
+              <a:buSzPct val="45000"/>
+              <a:buFont typeface="Wingdings" charset="2"/>
+              <a:buChar char=""/>
+            </a:pPr>
+            <a:r>
+              <a:rPr b="0" lang="en-US" sz="3200" spc="-1" strike="noStrike">
+                <a:solidFill>
+                  <a:srgbClr val="000000"/>
+                </a:solidFill>
+                <a:latin typeface="Arial"/>
+              </a:rPr>
+              <a:t>View student report card</a:t>
+            </a:r>
+            <a:endParaRPr b="0" lang="en-US" sz="3200" spc="-1" strike="noStrike">
+              <a:solidFill>
+                <a:srgbClr val="000000"/>
+              </a:solidFill>
+              <a:latin typeface="Arial"/>
+            </a:endParaRPr>
+          </a:p>
+          <a:p>
+            <a:pPr marL="432000" indent="-324000">
+              <a:spcBef>
+                <a:spcPts val="1417"/>
+              </a:spcBef>
+              <a:buClr>
+                <a:srgbClr val="000000"/>
+              </a:buClr>
+              <a:buSzPct val="45000"/>
+              <a:buFont typeface="Wingdings" charset="2"/>
+              <a:buChar char=""/>
+            </a:pPr>
+            <a:r>
+              <a:rPr b="0" lang="en-US" sz="3200" spc="-1" strike="noStrike">
+                <a:solidFill>
+                  <a:srgbClr val="000000"/>
+                </a:solidFill>
+                <a:latin typeface="Arial"/>
+              </a:rPr>
+              <a:t>View instructor schedule</a:t>
+            </a:r>
+            <a:endParaRPr b="0" lang="en-US" sz="3200" spc="-1" strike="noStrike">
+              <a:solidFill>
+                <a:srgbClr val="000000"/>
+              </a:solidFill>
+              <a:latin typeface="Arial"/>
+            </a:endParaRPr>
+          </a:p>
+          <a:p>
+            <a:pPr marL="432000" indent="-324000">
+              <a:spcBef>
+                <a:spcPts val="1417"/>
+              </a:spcBef>
+              <a:buClr>
+                <a:srgbClr val="000000"/>
+              </a:buClr>
+              <a:buSzPct val="45000"/>
+              <a:buFont typeface="Wingdings" charset="2"/>
+              <a:buChar char=""/>
+            </a:pPr>
+            <a:r>
+              <a:rPr b="0" lang="en-US" sz="3200" spc="-1" strike="noStrike">
+                <a:solidFill>
+                  <a:srgbClr val="000000"/>
+                </a:solidFill>
+                <a:latin typeface="Arial"/>
+              </a:rPr>
+              <a:t>Fetch student by department</a:t>
+            </a:r>
+            <a:endParaRPr b="0" lang="en-US" sz="3200" spc="-1" strike="noStrike">
+              <a:solidFill>
+                <a:srgbClr val="000000"/>
+              </a:solidFill>
+              <a:latin typeface="Arial"/>
+            </a:endParaRPr>
+          </a:p>
+        </p:txBody>
+      </p:sp>
     </p:spTree>
   </p:cSld>
   <mc:AlternateContent>
@@ -6479,7 +6921,7 @@
         <p:spPr>
           <a:xfrm>
             <a:off x="1752480" y="282600"/>
-            <a:ext cx="7085880" cy="943920"/>
+            <a:ext cx="7085520" cy="943560"/>
           </a:xfrm>
           <a:prstGeom prst="rect">
             <a:avLst/>
@@ -6495,7 +6937,13 @@
           </a:bodyPr>
           <a:p>
             <a:pPr indent="0" algn="ctr">
-              <a:buNone/>
+              <a:lnSpc>
+                <a:spcPct val="100000"/>
+              </a:lnSpc>
+              <a:buNone/>
+              <a:tabLst>
+                <a:tab algn="l" pos="0"/>
+              </a:tabLst>
             </a:pPr>
             <a:r>
               <a:rPr b="0" lang="en-US" sz="4400" spc="-1" strike="noStrike">
@@ -6504,7 +6952,7 @@
                 </a:solidFill>
                 <a:latin typeface="Arial"/>
               </a:rPr>
-              <a:t>ADD_STUDENT</a:t>
+              <a:t>Schema</a:t>
             </a:r>
             <a:endParaRPr b="0" lang="en-US" sz="4400" spc="-1" strike="noStrike">
               <a:solidFill>
@@ -6526,9 +6974,9 @@
           <a:stretch/>
         </p:blipFill>
         <p:spPr>
-          <a:xfrm>
-            <a:off x="685800" y="1901520"/>
-            <a:ext cx="8038800" cy="4042080"/>
+          <a:xfrm rot="9000">
+            <a:off x="2118960" y="1606320"/>
+            <a:ext cx="5171760" cy="4766040"/>
           </a:xfrm>
           <a:prstGeom prst="rect">
             <a:avLst/>
@@ -6580,8 +7028,8 @@
         </p:nvSpPr>
         <p:spPr>
           <a:xfrm>
-            <a:off x="1752480" y="282600"/>
-            <a:ext cx="7085880" cy="943920"/>
+            <a:off x="1143000" y="199080"/>
+            <a:ext cx="7695360" cy="943920"/>
           </a:xfrm>
           <a:prstGeom prst="rect">
             <a:avLst/>
@@ -6606,7 +7054,7 @@
                 </a:solidFill>
                 <a:latin typeface="Arial"/>
               </a:rPr>
-              <a:t>ADD_GRADE</a:t>
+              <a:t>Stored procedures </a:t>
             </a:r>
             <a:endParaRPr b="0" lang="en-US" sz="4400" spc="-1" strike="noStrike">
               <a:solidFill>
@@ -6617,29 +7065,184 @@
           </a:p>
         </p:txBody>
       </p:sp>
-      <p:pic>
-        <p:nvPicPr>
-          <p:cNvPr id="89" name="" descr=""/>
-          <p:cNvPicPr/>
-          <p:nvPr/>
-        </p:nvPicPr>
-        <p:blipFill>
-          <a:blip r:embed="rId1"/>
-          <a:stretch/>
-        </p:blipFill>
-        <p:spPr>
-          <a:xfrm>
-            <a:off x="1229040" y="2057400"/>
-            <a:ext cx="7229160" cy="3580920"/>
-          </a:xfrm>
-          <a:prstGeom prst="rect">
-            <a:avLst/>
-          </a:prstGeom>
-          <a:ln w="0">
-            <a:noFill/>
-          </a:ln>
-        </p:spPr>
-      </p:pic>
+      <p:sp>
+        <p:nvSpPr>
+          <p:cNvPr id="89" name="PlaceHolder 2"/>
+          <p:cNvSpPr>
+            <a:spLocks noGrp="1"/>
+          </p:cNvSpPr>
+          <p:nvPr>
+            <p:ph/>
+          </p:nvPr>
+        </p:nvSpPr>
+        <p:spPr>
+          <a:xfrm>
+            <a:off x="685800" y="1634400"/>
+            <a:ext cx="8076600" cy="4766400"/>
+          </a:xfrm>
+          <a:prstGeom prst="rect">
+            <a:avLst/>
+          </a:prstGeom>
+          <a:noFill/>
+          <a:ln w="0">
+            <a:noFill/>
+          </a:ln>
+        </p:spPr>
+        <p:txBody>
+          <a:bodyPr numCol="1" spcCol="0" lIns="91440" rIns="91440" tIns="45720" bIns="45720" anchor="t">
+            <a:noAutofit/>
+          </a:bodyPr>
+          <a:p>
+            <a:pPr marL="432000" indent="-324000">
+              <a:spcBef>
+                <a:spcPts val="1417"/>
+              </a:spcBef>
+              <a:buClr>
+                <a:srgbClr val="000000"/>
+              </a:buClr>
+              <a:buSzPct val="45000"/>
+              <a:buFont typeface="Wingdings" charset="2"/>
+              <a:buChar char=""/>
+            </a:pPr>
+            <a:r>
+              <a:rPr b="0" lang="en-US" sz="3200" spc="-1" strike="noStrike">
+                <a:solidFill>
+                  <a:srgbClr val="000000"/>
+                </a:solidFill>
+                <a:latin typeface="Arial"/>
+              </a:rPr>
+              <a:t> </a:t>
+            </a:r>
+            <a:r>
+              <a:rPr b="0" lang="en-US" sz="3200" spc="-1" strike="noStrike">
+                <a:solidFill>
+                  <a:srgbClr val="000000"/>
+                </a:solidFill>
+                <a:latin typeface="Arial"/>
+              </a:rPr>
+              <a:t>ADD_STUDENT (IN ID char(6), IN Name varchar(50), IN gender char(1), IN deptID varchar(10),IN addr varchar(100))</a:t>
+            </a:r>
+            <a:endParaRPr b="0" lang="en-US" sz="3200" spc="-1" strike="noStrike">
+              <a:solidFill>
+                <a:srgbClr val="000000"/>
+              </a:solidFill>
+              <a:latin typeface="Arial"/>
+            </a:endParaRPr>
+          </a:p>
+          <a:p>
+            <a:pPr marL="432000" indent="-324000">
+              <a:spcBef>
+                <a:spcPts val="1417"/>
+              </a:spcBef>
+              <a:buClr>
+                <a:srgbClr val="000000"/>
+              </a:buClr>
+              <a:buSzPct val="45000"/>
+              <a:buFont typeface="Wingdings" charset="2"/>
+              <a:buChar char=""/>
+            </a:pPr>
+            <a:r>
+              <a:rPr b="0" lang="en-US" sz="3200" spc="-1" strike="noStrike">
+                <a:solidFill>
+                  <a:srgbClr val="000000"/>
+                </a:solidFill>
+                <a:latin typeface="Arial"/>
+              </a:rPr>
+              <a:t>ADD_GRADE (IDs char(6), IDc char(5), IDi char(7), sems int, yer int, point float)</a:t>
+            </a:r>
+            <a:endParaRPr b="0" lang="en-US" sz="3200" spc="-1" strike="noStrike">
+              <a:solidFill>
+                <a:srgbClr val="000000"/>
+              </a:solidFill>
+              <a:latin typeface="Arial"/>
+            </a:endParaRPr>
+          </a:p>
+          <a:p>
+            <a:pPr marL="432000" indent="-324000">
+              <a:spcBef>
+                <a:spcPts val="1417"/>
+              </a:spcBef>
+              <a:buClr>
+                <a:srgbClr val="000000"/>
+              </a:buClr>
+              <a:buSzPct val="45000"/>
+              <a:buFont typeface="Wingdings" charset="2"/>
+              <a:buChar char=""/>
+            </a:pPr>
+            <a:r>
+              <a:rPr b="0" lang="en-US" sz="3200" spc="-1" strike="noStrike">
+                <a:solidFill>
+                  <a:srgbClr val="000000"/>
+                </a:solidFill>
+                <a:latin typeface="Arial"/>
+              </a:rPr>
+              <a:t>REPORT_CARD (IN IDs char(6))</a:t>
+            </a:r>
+            <a:endParaRPr b="0" lang="en-US" sz="3200" spc="-1" strike="noStrike">
+              <a:solidFill>
+                <a:srgbClr val="000000"/>
+              </a:solidFill>
+              <a:latin typeface="Arial"/>
+            </a:endParaRPr>
+          </a:p>
+          <a:p>
+            <a:pPr marL="432000" indent="-324000">
+              <a:spcBef>
+                <a:spcPts val="1417"/>
+              </a:spcBef>
+              <a:buClr>
+                <a:srgbClr val="000000"/>
+              </a:buClr>
+              <a:buSzPct val="45000"/>
+              <a:buFont typeface="Wingdings" charset="2"/>
+              <a:buChar char=""/>
+            </a:pPr>
+            <a:r>
+              <a:rPr b="0" lang="en-US" sz="3200" spc="-1" strike="noStrike">
+                <a:solidFill>
+                  <a:srgbClr val="000000"/>
+                </a:solidFill>
+                <a:latin typeface="Arial"/>
+              </a:rPr>
+              <a:t>INSTRUCTOR_SCHEDULE (IN ID char(7))</a:t>
+            </a:r>
+            <a:endParaRPr b="0" lang="en-US" sz="3200" spc="-1" strike="noStrike">
+              <a:solidFill>
+                <a:srgbClr val="000000"/>
+              </a:solidFill>
+              <a:latin typeface="Arial"/>
+            </a:endParaRPr>
+          </a:p>
+          <a:p>
+            <a:pPr marL="432000" indent="-324000">
+              <a:spcBef>
+                <a:spcPts val="1417"/>
+              </a:spcBef>
+              <a:buClr>
+                <a:srgbClr val="000000"/>
+              </a:buClr>
+              <a:buSzPct val="45000"/>
+              <a:buFont typeface="Wingdings" charset="2"/>
+              <a:buChar char=""/>
+            </a:pPr>
+            <a:r>
+              <a:rPr b="0" lang="en-US" sz="3200" spc="-1" strike="noStrike">
+                <a:solidFill>
+                  <a:srgbClr val="000000"/>
+                </a:solidFill>
+                <a:latin typeface="Arial"/>
+              </a:rPr>
+              <a:t>STUDENT_BY_DEPARTMENT (IN deptID varchar(10)) </a:t>
+            </a:r>
+            <a:endParaRPr b="0" lang="en-US" sz="3200" spc="-1" strike="noStrike">
+              <a:solidFill>
+                <a:srgbClr val="000000"/>
+              </a:solidFill>
+              <a:latin typeface="Arial"/>
+            </a:endParaRPr>
+          </a:p>
+        </p:txBody>
+      </p:sp>
     </p:spTree>
   </p:cSld>
   <mc:AlternateContent>
@@ -6682,8 +7285,8 @@
         </p:nvSpPr>
         <p:spPr>
           <a:xfrm>
-            <a:off x="1752480" y="282600"/>
-            <a:ext cx="7085880" cy="943920"/>
+            <a:off x="1143000" y="199080"/>
+            <a:ext cx="7695360" cy="943920"/>
           </a:xfrm>
           <a:prstGeom prst="rect">
             <a:avLst/>
@@ -6708,7 +7311,7 @@
                 </a:solidFill>
                 <a:latin typeface="Arial"/>
               </a:rPr>
-              <a:t>CALCULATE_GPA</a:t>
+              <a:t>Stored functions </a:t>
             </a:r>
             <a:endParaRPr b="0" lang="en-US" sz="4400" spc="-1" strike="noStrike">
               <a:solidFill>
@@ -6719,29 +7322,100 @@
           </a:p>
         </p:txBody>
       </p:sp>
-      <p:pic>
-        <p:nvPicPr>
-          <p:cNvPr id="91" name="" descr=""/>
-          <p:cNvPicPr/>
-          <p:nvPr/>
-        </p:nvPicPr>
-        <p:blipFill>
-          <a:blip r:embed="rId1"/>
-          <a:stretch/>
-        </p:blipFill>
-        <p:spPr>
-          <a:xfrm>
-            <a:off x="2057400" y="1725120"/>
-            <a:ext cx="5715000" cy="4218480"/>
-          </a:xfrm>
-          <a:prstGeom prst="rect">
-            <a:avLst/>
-          </a:prstGeom>
-          <a:ln w="0">
-            <a:noFill/>
-          </a:ln>
-        </p:spPr>
-      </p:pic>
+      <p:sp>
+        <p:nvSpPr>
+          <p:cNvPr id="91" name="PlaceHolder 2"/>
+          <p:cNvSpPr>
+            <a:spLocks noGrp="1"/>
+          </p:cNvSpPr>
+          <p:nvPr>
+            <p:ph/>
+          </p:nvPr>
+        </p:nvSpPr>
+        <p:spPr>
+          <a:xfrm>
+            <a:off x="762120" y="1633680"/>
+            <a:ext cx="8076600" cy="4766400"/>
+          </a:xfrm>
+          <a:prstGeom prst="rect">
+            <a:avLst/>
+          </a:prstGeom>
+          <a:noFill/>
+          <a:ln w="0">
+            <a:noFill/>
+          </a:ln>
+        </p:spPr>
+        <p:txBody>
+          <a:bodyPr numCol="1" spcCol="0" lIns="91440" rIns="91440" tIns="45720" bIns="45720" anchor="t">
+            <a:noAutofit/>
+          </a:bodyPr>
+          <a:p>
+            <a:pPr marL="432000" indent="-324000">
+              <a:spcBef>
+                <a:spcPts val="1417"/>
+              </a:spcBef>
+              <a:buClr>
+                <a:srgbClr val="000000"/>
+              </a:buClr>
+              <a:buSzPct val="45000"/>
+              <a:buFont typeface="Wingdings" charset="2"/>
+              <a:buChar char=""/>
+            </a:pPr>
+            <a:r>
+              <a:rPr b="0" lang="en-US" sz="3200" spc="-1" strike="noStrike">
+                <a:solidFill>
+                  <a:srgbClr val="000000"/>
+                </a:solidFill>
+                <a:latin typeface="Arial"/>
+              </a:rPr>
+              <a:t> </a:t>
+            </a:r>
+            <a:r>
+              <a:rPr b="0" lang="en-US" sz="3200" spc="-1" strike="noStrike">
+                <a:solidFill>
+                  <a:srgbClr val="000000"/>
+                </a:solidFill>
+                <a:latin typeface="Arial"/>
+              </a:rPr>
+              <a:t>CALCULATE_GPA ( ID char(6) )</a:t>
+            </a:r>
+            <a:endParaRPr b="0" lang="en-US" sz="3200" spc="-1" strike="noStrike">
+              <a:solidFill>
+                <a:srgbClr val="000000"/>
+              </a:solidFill>
+              <a:latin typeface="Arial"/>
+            </a:endParaRPr>
+          </a:p>
+          <a:p>
+            <a:pPr marL="432000" indent="-324000">
+              <a:spcBef>
+                <a:spcPts val="1417"/>
+              </a:spcBef>
+              <a:buClr>
+                <a:srgbClr val="000000"/>
+              </a:buClr>
+              <a:buSzPct val="45000"/>
+              <a:buFont typeface="Wingdings" charset="2"/>
+              <a:buChar char=""/>
+            </a:pPr>
+            <a:r>
+              <a:rPr b="0" lang="en-US" sz="3200" spc="-1" strike="noStrike">
+                <a:solidFill>
+                  <a:srgbClr val="000000"/>
+                </a:solidFill>
+                <a:latin typeface="Arial"/>
+              </a:rPr>
+              <a:t>YEARLY_TUITION ( IDs char(6), yar int )</a:t>
+            </a:r>
+            <a:endParaRPr b="0" lang="en-US" sz="3200" spc="-1" strike="noStrike">
+              <a:solidFill>
+                <a:srgbClr val="000000"/>
+              </a:solidFill>
+              <a:latin typeface="Arial"/>
+            </a:endParaRPr>
+          </a:p>
+        </p:txBody>
+      </p:sp>
     </p:spTree>
   </p:cSld>
   <mc:AlternateContent>
@@ -6785,7 +7459,7 @@
         <p:spPr>
           <a:xfrm>
             <a:off x="1752480" y="282600"/>
-            <a:ext cx="7085880" cy="943920"/>
+            <a:ext cx="7085520" cy="943560"/>
           </a:xfrm>
           <a:prstGeom prst="rect">
             <a:avLst/>
@@ -6801,7 +7475,13 @@
           </a:bodyPr>
           <a:p>
             <a:pPr indent="0" algn="ctr">
-              <a:buNone/>
+              <a:lnSpc>
+                <a:spcPct val="100000"/>
+              </a:lnSpc>
+              <a:buNone/>
+              <a:tabLst>
+                <a:tab algn="l" pos="0"/>
+              </a:tabLst>
             </a:pPr>
             <a:r>
               <a:rPr b="0" lang="en-US" sz="4400" spc="-1" strike="noStrike">
@@ -6810,7 +7490,7 @@
                 </a:solidFill>
                 <a:latin typeface="Arial"/>
               </a:rPr>
-              <a:t>YEARLY_TUITION</a:t>
+              <a:t>ADD_STUDENT</a:t>
             </a:r>
             <a:endParaRPr b="0" lang="en-US" sz="4400" spc="-1" strike="noStrike">
               <a:solidFill>
@@ -6833,8 +7513,8 @@
         </p:blipFill>
         <p:spPr>
           <a:xfrm>
-            <a:off x="1828800" y="1725480"/>
-            <a:ext cx="6046560" cy="4446720"/>
+            <a:off x="685800" y="1901520"/>
+            <a:ext cx="8038440" cy="4041720"/>
           </a:xfrm>
           <a:prstGeom prst="rect">
             <a:avLst/>
@@ -6887,7 +7567,7 @@
         <p:spPr>
           <a:xfrm>
             <a:off x="1752480" y="282600"/>
-            <a:ext cx="7085880" cy="943920"/>
+            <a:ext cx="7085520" cy="943560"/>
           </a:xfrm>
           <a:prstGeom prst="rect">
             <a:avLst/>
@@ -6903,7 +7583,13 @@
           </a:bodyPr>
           <a:p>
             <a:pPr indent="0" algn="ctr">
-              <a:buNone/>
+              <a:lnSpc>
+                <a:spcPct val="100000"/>
+              </a:lnSpc>
+              <a:buNone/>
+              <a:tabLst>
+                <a:tab algn="l" pos="0"/>
+              </a:tabLst>
             </a:pPr>
             <a:r>
               <a:rPr b="0" lang="en-US" sz="4400" spc="-1" strike="noStrike">
@@ -6912,7 +7598,7 @@
                 </a:solidFill>
                 <a:latin typeface="Arial"/>
               </a:rPr>
-              <a:t>REPORT_CARD</a:t>
+              <a:t>ADD_GRADE</a:t>
             </a:r>
             <a:endParaRPr b="0" lang="en-US" sz="4400" spc="-1" strike="noStrike">
               <a:solidFill>
@@ -6935,8 +7621,8 @@
         </p:blipFill>
         <p:spPr>
           <a:xfrm>
-            <a:off x="383040" y="1961280"/>
-            <a:ext cx="8505360" cy="3994560"/>
+            <a:off x="1229040" y="2057400"/>
+            <a:ext cx="7228800" cy="3580560"/>
           </a:xfrm>
           <a:prstGeom prst="rect">
             <a:avLst/>
@@ -6989,7 +7675,7 @@
         <p:spPr>
           <a:xfrm>
             <a:off x="1752480" y="282600"/>
-            <a:ext cx="7391520" cy="943920"/>
+            <a:ext cx="7085520" cy="943560"/>
           </a:xfrm>
           <a:prstGeom prst="rect">
             <a:avLst/>
@@ -7005,7 +7691,13 @@
           </a:bodyPr>
           <a:p>
             <a:pPr indent="0" algn="ctr">
-              <a:buNone/>
+              <a:lnSpc>
+                <a:spcPct val="100000"/>
+              </a:lnSpc>
+              <a:buNone/>
+              <a:tabLst>
+                <a:tab algn="l" pos="0"/>
+              </a:tabLst>
             </a:pPr>
             <a:r>
               <a:rPr b="0" lang="en-US" sz="4400" spc="-1" strike="noStrike">
@@ -7014,7 +7706,7 @@
                 </a:solidFill>
                 <a:latin typeface="Arial"/>
               </a:rPr>
-              <a:t>INSTRUCTOR_SCHEDULE</a:t>
+              <a:t>CALCULATE_GPA</a:t>
             </a:r>
             <a:endParaRPr b="0" lang="en-US" sz="4400" spc="-1" strike="noStrike">
               <a:solidFill>
@@ -7037,8 +7729,8 @@
         </p:blipFill>
         <p:spPr>
           <a:xfrm>
-            <a:off x="825840" y="2030040"/>
-            <a:ext cx="7860960" cy="3913560"/>
+            <a:off x="2057400" y="1725120"/>
+            <a:ext cx="5714640" cy="4218120"/>
           </a:xfrm>
           <a:prstGeom prst="rect">
             <a:avLst/>
@@ -7090,8 +7782,8 @@
         </p:nvSpPr>
         <p:spPr>
           <a:xfrm>
-            <a:off x="1143000" y="282600"/>
-            <a:ext cx="8001000" cy="943920"/>
+            <a:off x="1752480" y="282600"/>
+            <a:ext cx="7085520" cy="943560"/>
           </a:xfrm>
           <a:prstGeom prst="rect">
             <a:avLst/>
@@ -7107,7 +7799,13 @@
           </a:bodyPr>
           <a:p>
             <a:pPr indent="0" algn="ctr">
-              <a:buNone/>
+              <a:lnSpc>
+                <a:spcPct val="100000"/>
+              </a:lnSpc>
+              <a:buNone/>
+              <a:tabLst>
+                <a:tab algn="l" pos="0"/>
+              </a:tabLst>
             </a:pPr>
             <a:r>
               <a:rPr b="0" lang="en-US" sz="4400" spc="-1" strike="noStrike">
@@ -7116,7 +7814,7 @@
                 </a:solidFill>
                 <a:latin typeface="Arial"/>
               </a:rPr>
-              <a:t>STUDENT_BY_DEPARTMENT</a:t>
+              <a:t>YEARLY_TUITION</a:t>
             </a:r>
             <a:endParaRPr b="0" lang="en-US" sz="4400" spc="-1" strike="noStrike">
               <a:solidFill>
@@ -7139,8 +7837,8 @@
         </p:blipFill>
         <p:spPr>
           <a:xfrm>
-            <a:off x="789840" y="1801440"/>
-            <a:ext cx="7648200" cy="4370760"/>
+            <a:off x="1828800" y="1725480"/>
+            <a:ext cx="6046200" cy="4446360"/>
           </a:xfrm>
           <a:prstGeom prst="rect">
             <a:avLst/>

--- a/PDF/CT206H-B2105727-StudentManagement.pptx
+++ b/PDF/CT206H-B2105727-StudentManagement.pptx
@@ -1,31 +1,131 @@
 
 <file path=ppt/presentation.xml><?xml version="1.0" encoding="utf-8"?>
-<p:presentation xmlns:a="http://schemas.openxmlformats.org/drawingml/2006/main" xmlns:p="http://schemas.openxmlformats.org/presentationml/2006/main" xmlns:r="http://schemas.openxmlformats.org/officeDocument/2006/relationships" xmlns:p14="http://schemas.microsoft.com/office/powerpoint/2010/main" xmlns:p15="http://schemas.microsoft.com/office/powerpoint/2012/main" xmlns:mc="http://schemas.openxmlformats.org/markup-compatibility/2006">
+<p:presentation xmlns:a="http://schemas.openxmlformats.org/drawingml/2006/main" xmlns:r="http://schemas.openxmlformats.org/officeDocument/2006/relationships" xmlns:p="http://schemas.openxmlformats.org/presentationml/2006/main">
   <p:sldMasterIdLst>
-    <p:sldMasterId id="2147483648" r:id="rId2"/>
-    <p:sldMasterId id="2147483661" r:id="rId3"/>
+    <p:sldMasterId id="2147483648" r:id="rId1"/>
+    <p:sldMasterId id="2147483661" r:id="rId2"/>
   </p:sldMasterIdLst>
   <p:sldIdLst>
-    <p:sldId id="256" r:id="rId4"/>
-    <p:sldId id="257" r:id="rId5"/>
-    <p:sldId id="258" r:id="rId6"/>
-    <p:sldId id="259" r:id="rId7"/>
-    <p:sldId id="260" r:id="rId8"/>
-    <p:sldId id="261" r:id="rId9"/>
-    <p:sldId id="262" r:id="rId10"/>
-    <p:sldId id="263" r:id="rId11"/>
-    <p:sldId id="264" r:id="rId12"/>
-    <p:sldId id="265" r:id="rId13"/>
-    <p:sldId id="266" r:id="rId14"/>
-    <p:sldId id="267" r:id="rId15"/>
+    <p:sldId id="256" r:id="rId3"/>
+    <p:sldId id="257" r:id="rId4"/>
+    <p:sldId id="258" r:id="rId5"/>
+    <p:sldId id="259" r:id="rId6"/>
+    <p:sldId id="260" r:id="rId7"/>
+    <p:sldId id="261" r:id="rId8"/>
+    <p:sldId id="262" r:id="rId9"/>
+    <p:sldId id="263" r:id="rId10"/>
+    <p:sldId id="264" r:id="rId11"/>
+    <p:sldId id="265" r:id="rId12"/>
+    <p:sldId id="266" r:id="rId13"/>
+    <p:sldId id="267" r:id="rId14"/>
   </p:sldIdLst>
-  <p:sldSz cx="9144000" cy="6858000"/>
+  <p:sldSz cx="9144000" cy="6858000" type="screen4x3"/>
   <p:notesSz cx="7559675" cy="10691813"/>
+  <p:defaultTextStyle>
+    <a:defPPr>
+      <a:defRPr lang="en-US"/>
+    </a:defPPr>
+    <a:lvl1pPr marL="0" algn="l" defTabSz="914400" rtl="0" eaLnBrk="1" latinLnBrk="0" hangingPunct="1">
+      <a:defRPr sz="1800" kern="1200">
+        <a:solidFill>
+          <a:schemeClr val="tx1"/>
+        </a:solidFill>
+        <a:latin typeface="+mn-lt"/>
+        <a:ea typeface="+mn-ea"/>
+        <a:cs typeface="+mn-cs"/>
+      </a:defRPr>
+    </a:lvl1pPr>
+    <a:lvl2pPr marL="457200" algn="l" defTabSz="914400" rtl="0" eaLnBrk="1" latinLnBrk="0" hangingPunct="1">
+      <a:defRPr sz="1800" kern="1200">
+        <a:solidFill>
+          <a:schemeClr val="tx1"/>
+        </a:solidFill>
+        <a:latin typeface="+mn-lt"/>
+        <a:ea typeface="+mn-ea"/>
+        <a:cs typeface="+mn-cs"/>
+      </a:defRPr>
+    </a:lvl2pPr>
+    <a:lvl3pPr marL="914400" algn="l" defTabSz="914400" rtl="0" eaLnBrk="1" latinLnBrk="0" hangingPunct="1">
+      <a:defRPr sz="1800" kern="1200">
+        <a:solidFill>
+          <a:schemeClr val="tx1"/>
+        </a:solidFill>
+        <a:latin typeface="+mn-lt"/>
+        <a:ea typeface="+mn-ea"/>
+        <a:cs typeface="+mn-cs"/>
+      </a:defRPr>
+    </a:lvl3pPr>
+    <a:lvl4pPr marL="1371600" algn="l" defTabSz="914400" rtl="0" eaLnBrk="1" latinLnBrk="0" hangingPunct="1">
+      <a:defRPr sz="1800" kern="1200">
+        <a:solidFill>
+          <a:schemeClr val="tx1"/>
+        </a:solidFill>
+        <a:latin typeface="+mn-lt"/>
+        <a:ea typeface="+mn-ea"/>
+        <a:cs typeface="+mn-cs"/>
+      </a:defRPr>
+    </a:lvl4pPr>
+    <a:lvl5pPr marL="1828800" algn="l" defTabSz="914400" rtl="0" eaLnBrk="1" latinLnBrk="0" hangingPunct="1">
+      <a:defRPr sz="1800" kern="1200">
+        <a:solidFill>
+          <a:schemeClr val="tx1"/>
+        </a:solidFill>
+        <a:latin typeface="+mn-lt"/>
+        <a:ea typeface="+mn-ea"/>
+        <a:cs typeface="+mn-cs"/>
+      </a:defRPr>
+    </a:lvl5pPr>
+    <a:lvl6pPr marL="2286000" algn="l" defTabSz="914400" rtl="0" eaLnBrk="1" latinLnBrk="0" hangingPunct="1">
+      <a:defRPr sz="1800" kern="1200">
+        <a:solidFill>
+          <a:schemeClr val="tx1"/>
+        </a:solidFill>
+        <a:latin typeface="+mn-lt"/>
+        <a:ea typeface="+mn-ea"/>
+        <a:cs typeface="+mn-cs"/>
+      </a:defRPr>
+    </a:lvl6pPr>
+    <a:lvl7pPr marL="2743200" algn="l" defTabSz="914400" rtl="0" eaLnBrk="1" latinLnBrk="0" hangingPunct="1">
+      <a:defRPr sz="1800" kern="1200">
+        <a:solidFill>
+          <a:schemeClr val="tx1"/>
+        </a:solidFill>
+        <a:latin typeface="+mn-lt"/>
+        <a:ea typeface="+mn-ea"/>
+        <a:cs typeface="+mn-cs"/>
+      </a:defRPr>
+    </a:lvl7pPr>
+    <a:lvl8pPr marL="3200400" algn="l" defTabSz="914400" rtl="0" eaLnBrk="1" latinLnBrk="0" hangingPunct="1">
+      <a:defRPr sz="1800" kern="1200">
+        <a:solidFill>
+          <a:schemeClr val="tx1"/>
+        </a:solidFill>
+        <a:latin typeface="+mn-lt"/>
+        <a:ea typeface="+mn-ea"/>
+        <a:cs typeface="+mn-cs"/>
+      </a:defRPr>
+    </a:lvl8pPr>
+    <a:lvl9pPr marL="3657600" algn="l" defTabSz="914400" rtl="0" eaLnBrk="1" latinLnBrk="0" hangingPunct="1">
+      <a:defRPr sz="1800" kern="1200">
+        <a:solidFill>
+          <a:schemeClr val="tx1"/>
+        </a:solidFill>
+        <a:latin typeface="+mn-lt"/>
+        <a:ea typeface="+mn-ea"/>
+        <a:cs typeface="+mn-cs"/>
+      </a:defRPr>
+    </a:lvl9pPr>
+  </p:defaultTextStyle>
+  <p:extLst>
+    <p:ext uri="{EFAFB233-063F-42B5-8137-9DF3F51BA10A}">
+      <p15:sldGuideLst xmlns:p15="http://schemas.microsoft.com/office/powerpoint/2012/main"/>
+    </p:ext>
+  </p:extLst>
 </p:presentation>
 </file>
 
 <file path=ppt/slideLayouts/slideLayout1.xml><?xml version="1.0" encoding="utf-8"?>
-<p:sldLayout xmlns:a="http://schemas.openxmlformats.org/drawingml/2006/main" xmlns:p="http://schemas.openxmlformats.org/presentationml/2006/main" xmlns:r="http://schemas.openxmlformats.org/officeDocument/2006/relationships" xmlns:p14="http://schemas.microsoft.com/office/powerpoint/2010/main" xmlns:p15="http://schemas.microsoft.com/office/powerpoint/2012/main" xmlns:mc="http://schemas.openxmlformats.org/markup-compatibility/2006" type="blank" preserve="1">
+<p:sldLayout xmlns:a="http://schemas.openxmlformats.org/drawingml/2006/main" xmlns:r="http://schemas.openxmlformats.org/officeDocument/2006/relationships" xmlns:p="http://schemas.openxmlformats.org/presentationml/2006/main" type="blank" preserve="1">
   <p:cSld name="Blank Slide">
     <p:spTree>
       <p:nvGrpSpPr>
@@ -54,6 +154,7 @@
         <p:spPr/>
         <p:txBody>
           <a:bodyPr/>
+          <a:lstStyle/>
           <a:p>
             <a:r>
               <a:t>Footer</a:t>
@@ -74,10 +175,12 @@
         <p:spPr/>
         <p:txBody>
           <a:bodyPr/>
+          <a:lstStyle/>
           <a:p>
             <a:fld id="{E7F545AE-10AD-4D93-94CC-CFD00ED09D67}" type="slidenum">
-              <a:t>&lt;#&gt;</a:t>
+              <a:t>‹#›</a:t>
             </a:fld>
+            <a:endParaRPr/>
           </a:p>
         </p:txBody>
       </p:sp>
@@ -94,21 +197,22 @@
         <p:spPr/>
         <p:txBody>
           <a:bodyPr/>
-          <a:p>
-            <a:r>
-              <a:rPr lang="en-US"/>
-              <a:t/>
-            </a:r>
+          <a:lstStyle/>
+          <a:p>
+            <a:endParaRPr/>
           </a:p>
         </p:txBody>
       </p:sp>
     </p:spTree>
   </p:cSld>
+  <p:clrMapOvr>
+    <a:masterClrMapping/>
+  </p:clrMapOvr>
 </p:sldLayout>
 </file>
 
 <file path=ppt/slideLayouts/slideLayout10.xml><?xml version="1.0" encoding="utf-8"?>
-<p:sldLayout xmlns:a="http://schemas.openxmlformats.org/drawingml/2006/main" xmlns:p="http://schemas.openxmlformats.org/presentationml/2006/main" xmlns:r="http://schemas.openxmlformats.org/officeDocument/2006/relationships" xmlns:p14="http://schemas.microsoft.com/office/powerpoint/2010/main" xmlns:p15="http://schemas.microsoft.com/office/powerpoint/2012/main" xmlns:mc="http://schemas.openxmlformats.org/markup-compatibility/2006" type="objOverTx" preserve="1">
+<p:sldLayout xmlns:a="http://schemas.openxmlformats.org/drawingml/2006/main" xmlns:r="http://schemas.openxmlformats.org/officeDocument/2006/relationships" xmlns:p="http://schemas.openxmlformats.org/presentationml/2006/main" type="objOverTx" preserve="1">
   <p:cSld name="Title, Content over Content">
     <p:spTree>
       <p:nvGrpSpPr>
@@ -148,14 +252,15 @@
           </a:ln>
         </p:spPr>
         <p:txBody>
-          <a:bodyPr lIns="0" rIns="0" tIns="0" bIns="0" anchor="ctr">
+          <a:bodyPr lIns="0" tIns="0" rIns="0" bIns="0" anchor="ctr">
             <a:noAutofit/>
           </a:bodyPr>
+          <a:lstStyle/>
           <a:p>
             <a:pPr indent="0" algn="ctr">
               <a:buNone/>
             </a:pPr>
-            <a:endParaRPr b="0" lang="en-US" sz="4400" spc="-1" strike="noStrike">
+            <a:endParaRPr lang="en-US" sz="4400" b="0" strike="noStrike" spc="-1">
               <a:solidFill>
                 <a:srgbClr val="000000"/>
               </a:solidFill>
@@ -188,9 +293,10 @@
           </a:ln>
         </p:spPr>
         <p:txBody>
-          <a:bodyPr lIns="0" rIns="0" tIns="0" bIns="0" anchor="t">
+          <a:bodyPr lIns="0" tIns="0" rIns="0" bIns="0" anchor="t">
             <a:normAutofit/>
           </a:bodyPr>
+          <a:lstStyle/>
           <a:p>
             <a:pPr indent="0">
               <a:spcBef>
@@ -198,7 +304,7 @@
               </a:spcBef>
               <a:buNone/>
             </a:pPr>
-            <a:endParaRPr b="0" lang="en-US" sz="3200" spc="-1" strike="noStrike">
+            <a:endParaRPr lang="en-US" sz="3200" b="0" strike="noStrike" spc="-1">
               <a:solidFill>
                 <a:srgbClr val="000000"/>
               </a:solidFill>
@@ -231,9 +337,10 @@
           </a:ln>
         </p:spPr>
         <p:txBody>
-          <a:bodyPr lIns="0" rIns="0" tIns="0" bIns="0" anchor="t">
+          <a:bodyPr lIns="0" tIns="0" rIns="0" bIns="0" anchor="t">
             <a:normAutofit/>
           </a:bodyPr>
+          <a:lstStyle/>
           <a:p>
             <a:pPr indent="0">
               <a:spcBef>
@@ -241,7 +348,7 @@
               </a:spcBef>
               <a:buNone/>
             </a:pPr>
-            <a:endParaRPr b="0" lang="en-US" sz="3200" spc="-1" strike="noStrike">
+            <a:endParaRPr lang="en-US" sz="3200" b="0" strike="noStrike" spc="-1">
               <a:solidFill>
                 <a:srgbClr val="000000"/>
               </a:solidFill>
@@ -263,6 +370,7 @@
         <p:spPr/>
         <p:txBody>
           <a:bodyPr/>
+          <a:lstStyle/>
           <a:p>
             <a:r>
               <a:t>Footer</a:t>
@@ -283,10 +391,12 @@
         <p:spPr/>
         <p:txBody>
           <a:bodyPr/>
+          <a:lstStyle/>
           <a:p>
             <a:fld id="{629BFA22-AA14-488C-83FB-16AB03B83EE5}" type="slidenum">
-              <a:t>&lt;#&gt;</a:t>
+              <a:t>‹#›</a:t>
             </a:fld>
+            <a:endParaRPr/>
           </a:p>
         </p:txBody>
       </p:sp>
@@ -303,21 +413,22 @@
         <p:spPr/>
         <p:txBody>
           <a:bodyPr/>
-          <a:p>
-            <a:r>
-              <a:rPr lang="en-US"/>
-              <a:t/>
-            </a:r>
+          <a:lstStyle/>
+          <a:p>
+            <a:endParaRPr/>
           </a:p>
         </p:txBody>
       </p:sp>
     </p:spTree>
   </p:cSld>
+  <p:clrMapOvr>
+    <a:masterClrMapping/>
+  </p:clrMapOvr>
 </p:sldLayout>
 </file>
 
 <file path=ppt/slideLayouts/slideLayout11.xml><?xml version="1.0" encoding="utf-8"?>
-<p:sldLayout xmlns:a="http://schemas.openxmlformats.org/drawingml/2006/main" xmlns:p="http://schemas.openxmlformats.org/presentationml/2006/main" xmlns:r="http://schemas.openxmlformats.org/officeDocument/2006/relationships" xmlns:p14="http://schemas.microsoft.com/office/powerpoint/2010/main" xmlns:p15="http://schemas.microsoft.com/office/powerpoint/2012/main" xmlns:mc="http://schemas.openxmlformats.org/markup-compatibility/2006" type="fourObj" preserve="1">
+<p:sldLayout xmlns:a="http://schemas.openxmlformats.org/drawingml/2006/main" xmlns:r="http://schemas.openxmlformats.org/officeDocument/2006/relationships" xmlns:p="http://schemas.openxmlformats.org/presentationml/2006/main" type="fourObj" preserve="1">
   <p:cSld name="Title, 4 Content">
     <p:spTree>
       <p:nvGrpSpPr>
@@ -357,14 +468,15 @@
           </a:ln>
         </p:spPr>
         <p:txBody>
-          <a:bodyPr lIns="0" rIns="0" tIns="0" bIns="0" anchor="ctr">
+          <a:bodyPr lIns="0" tIns="0" rIns="0" bIns="0" anchor="ctr">
             <a:noAutofit/>
           </a:bodyPr>
+          <a:lstStyle/>
           <a:p>
             <a:pPr indent="0" algn="ctr">
               <a:buNone/>
             </a:pPr>
-            <a:endParaRPr b="0" lang="en-US" sz="4400" spc="-1" strike="noStrike">
+            <a:endParaRPr lang="en-US" sz="4400" b="0" strike="noStrike" spc="-1">
               <a:solidFill>
                 <a:srgbClr val="000000"/>
               </a:solidFill>
@@ -397,9 +509,10 @@
           </a:ln>
         </p:spPr>
         <p:txBody>
-          <a:bodyPr lIns="0" rIns="0" tIns="0" bIns="0" anchor="t">
+          <a:bodyPr lIns="0" tIns="0" rIns="0" bIns="0" anchor="t">
             <a:normAutofit/>
           </a:bodyPr>
+          <a:lstStyle/>
           <a:p>
             <a:pPr indent="0">
               <a:spcBef>
@@ -407,7 +520,7 @@
               </a:spcBef>
               <a:buNone/>
             </a:pPr>
-            <a:endParaRPr b="0" lang="en-US" sz="3200" spc="-1" strike="noStrike">
+            <a:endParaRPr lang="en-US" sz="3200" b="0" strike="noStrike" spc="-1">
               <a:solidFill>
                 <a:srgbClr val="000000"/>
               </a:solidFill>
@@ -440,9 +553,10 @@
           </a:ln>
         </p:spPr>
         <p:txBody>
-          <a:bodyPr lIns="0" rIns="0" tIns="0" bIns="0" anchor="t">
+          <a:bodyPr lIns="0" tIns="0" rIns="0" bIns="0" anchor="t">
             <a:normAutofit/>
           </a:bodyPr>
+          <a:lstStyle/>
           <a:p>
             <a:pPr indent="0">
               <a:spcBef>
@@ -450,7 +564,7 @@
               </a:spcBef>
               <a:buNone/>
             </a:pPr>
-            <a:endParaRPr b="0" lang="en-US" sz="3200" spc="-1" strike="noStrike">
+            <a:endParaRPr lang="en-US" sz="3200" b="0" strike="noStrike" spc="-1">
               <a:solidFill>
                 <a:srgbClr val="000000"/>
               </a:solidFill>
@@ -483,9 +597,10 @@
           </a:ln>
         </p:spPr>
         <p:txBody>
-          <a:bodyPr lIns="0" rIns="0" tIns="0" bIns="0" anchor="t">
+          <a:bodyPr lIns="0" tIns="0" rIns="0" bIns="0" anchor="t">
             <a:normAutofit/>
           </a:bodyPr>
+          <a:lstStyle/>
           <a:p>
             <a:pPr indent="0">
               <a:spcBef>
@@ -493,7 +608,7 @@
               </a:spcBef>
               <a:buNone/>
             </a:pPr>
-            <a:endParaRPr b="0" lang="en-US" sz="3200" spc="-1" strike="noStrike">
+            <a:endParaRPr lang="en-US" sz="3200" b="0" strike="noStrike" spc="-1">
               <a:solidFill>
                 <a:srgbClr val="000000"/>
               </a:solidFill>
@@ -526,9 +641,10 @@
           </a:ln>
         </p:spPr>
         <p:txBody>
-          <a:bodyPr lIns="0" rIns="0" tIns="0" bIns="0" anchor="t">
+          <a:bodyPr lIns="0" tIns="0" rIns="0" bIns="0" anchor="t">
             <a:normAutofit/>
           </a:bodyPr>
+          <a:lstStyle/>
           <a:p>
             <a:pPr indent="0">
               <a:spcBef>
@@ -536,7 +652,7 @@
               </a:spcBef>
               <a:buNone/>
             </a:pPr>
-            <a:endParaRPr b="0" lang="en-US" sz="3200" spc="-1" strike="noStrike">
+            <a:endParaRPr lang="en-US" sz="3200" b="0" strike="noStrike" spc="-1">
               <a:solidFill>
                 <a:srgbClr val="000000"/>
               </a:solidFill>
@@ -558,6 +674,7 @@
         <p:spPr/>
         <p:txBody>
           <a:bodyPr/>
+          <a:lstStyle/>
           <a:p>
             <a:r>
               <a:t>Footer</a:t>
@@ -578,10 +695,12 @@
         <p:spPr/>
         <p:txBody>
           <a:bodyPr/>
+          <a:lstStyle/>
           <a:p>
             <a:fld id="{BA85719F-6647-4D84-BC2B-E8531D19DB0C}" type="slidenum">
-              <a:t>&lt;#&gt;</a:t>
+              <a:t>‹#›</a:t>
             </a:fld>
+            <a:endParaRPr/>
           </a:p>
         </p:txBody>
       </p:sp>
@@ -598,21 +717,22 @@
         <p:spPr/>
         <p:txBody>
           <a:bodyPr/>
-          <a:p>
-            <a:r>
-              <a:rPr lang="en-US"/>
-              <a:t/>
-            </a:r>
+          <a:lstStyle/>
+          <a:p>
+            <a:endParaRPr/>
           </a:p>
         </p:txBody>
       </p:sp>
     </p:spTree>
   </p:cSld>
+  <p:clrMapOvr>
+    <a:masterClrMapping/>
+  </p:clrMapOvr>
 </p:sldLayout>
 </file>
 
 <file path=ppt/slideLayouts/slideLayout12.xml><?xml version="1.0" encoding="utf-8"?>
-<p:sldLayout xmlns:a="http://schemas.openxmlformats.org/drawingml/2006/main" xmlns:p="http://schemas.openxmlformats.org/presentationml/2006/main" xmlns:r="http://schemas.openxmlformats.org/officeDocument/2006/relationships" xmlns:p14="http://schemas.microsoft.com/office/powerpoint/2010/main" xmlns:p15="http://schemas.microsoft.com/office/powerpoint/2012/main" xmlns:mc="http://schemas.openxmlformats.org/markup-compatibility/2006" type="blank" preserve="1">
+<p:sldLayout xmlns:a="http://schemas.openxmlformats.org/drawingml/2006/main" xmlns:r="http://schemas.openxmlformats.org/officeDocument/2006/relationships" xmlns:p="http://schemas.openxmlformats.org/presentationml/2006/main" type="blank" preserve="1">
   <p:cSld name="Title, 6 Content">
     <p:spTree>
       <p:nvGrpSpPr>
@@ -652,14 +772,15 @@
           </a:ln>
         </p:spPr>
         <p:txBody>
-          <a:bodyPr lIns="0" rIns="0" tIns="0" bIns="0" anchor="ctr">
+          <a:bodyPr lIns="0" tIns="0" rIns="0" bIns="0" anchor="ctr">
             <a:noAutofit/>
           </a:bodyPr>
+          <a:lstStyle/>
           <a:p>
             <a:pPr indent="0" algn="ctr">
               <a:buNone/>
             </a:pPr>
-            <a:endParaRPr b="0" lang="en-US" sz="4400" spc="-1" strike="noStrike">
+            <a:endParaRPr lang="en-US" sz="4400" b="0" strike="noStrike" spc="-1">
               <a:solidFill>
                 <a:srgbClr val="000000"/>
               </a:solidFill>
@@ -692,9 +813,10 @@
           </a:ln>
         </p:spPr>
         <p:txBody>
-          <a:bodyPr lIns="0" rIns="0" tIns="0" bIns="0" anchor="t">
+          <a:bodyPr lIns="0" tIns="0" rIns="0" bIns="0" anchor="t">
             <a:normAutofit/>
           </a:bodyPr>
+          <a:lstStyle/>
           <a:p>
             <a:pPr indent="0">
               <a:spcBef>
@@ -702,7 +824,7 @@
               </a:spcBef>
               <a:buNone/>
             </a:pPr>
-            <a:endParaRPr b="0" lang="en-US" sz="3200" spc="-1" strike="noStrike">
+            <a:endParaRPr lang="en-US" sz="3200" b="0" strike="noStrike" spc="-1">
               <a:solidFill>
                 <a:srgbClr val="000000"/>
               </a:solidFill>
@@ -735,9 +857,10 @@
           </a:ln>
         </p:spPr>
         <p:txBody>
-          <a:bodyPr lIns="0" rIns="0" tIns="0" bIns="0" anchor="t">
+          <a:bodyPr lIns="0" tIns="0" rIns="0" bIns="0" anchor="t">
             <a:normAutofit/>
           </a:bodyPr>
+          <a:lstStyle/>
           <a:p>
             <a:pPr indent="0">
               <a:spcBef>
@@ -745,7 +868,7 @@
               </a:spcBef>
               <a:buNone/>
             </a:pPr>
-            <a:endParaRPr b="0" lang="en-US" sz="3200" spc="-1" strike="noStrike">
+            <a:endParaRPr lang="en-US" sz="3200" b="0" strike="noStrike" spc="-1">
               <a:solidFill>
                 <a:srgbClr val="000000"/>
               </a:solidFill>
@@ -778,9 +901,10 @@
           </a:ln>
         </p:spPr>
         <p:txBody>
-          <a:bodyPr lIns="0" rIns="0" tIns="0" bIns="0" anchor="t">
+          <a:bodyPr lIns="0" tIns="0" rIns="0" bIns="0" anchor="t">
             <a:normAutofit/>
           </a:bodyPr>
+          <a:lstStyle/>
           <a:p>
             <a:pPr indent="0">
               <a:spcBef>
@@ -788,7 +912,7 @@
               </a:spcBef>
               <a:buNone/>
             </a:pPr>
-            <a:endParaRPr b="0" lang="en-US" sz="3200" spc="-1" strike="noStrike">
+            <a:endParaRPr lang="en-US" sz="3200" b="0" strike="noStrike" spc="-1">
               <a:solidFill>
                 <a:srgbClr val="000000"/>
               </a:solidFill>
@@ -821,9 +945,10 @@
           </a:ln>
         </p:spPr>
         <p:txBody>
-          <a:bodyPr lIns="0" rIns="0" tIns="0" bIns="0" anchor="t">
+          <a:bodyPr lIns="0" tIns="0" rIns="0" bIns="0" anchor="t">
             <a:normAutofit/>
           </a:bodyPr>
+          <a:lstStyle/>
           <a:p>
             <a:pPr indent="0">
               <a:spcBef>
@@ -831,7 +956,7 @@
               </a:spcBef>
               <a:buNone/>
             </a:pPr>
-            <a:endParaRPr b="0" lang="en-US" sz="3200" spc="-1" strike="noStrike">
+            <a:endParaRPr lang="en-US" sz="3200" b="0" strike="noStrike" spc="-1">
               <a:solidFill>
                 <a:srgbClr val="000000"/>
               </a:solidFill>
@@ -864,9 +989,10 @@
           </a:ln>
         </p:spPr>
         <p:txBody>
-          <a:bodyPr lIns="0" rIns="0" tIns="0" bIns="0" anchor="t">
+          <a:bodyPr lIns="0" tIns="0" rIns="0" bIns="0" anchor="t">
             <a:normAutofit/>
           </a:bodyPr>
+          <a:lstStyle/>
           <a:p>
             <a:pPr indent="0">
               <a:spcBef>
@@ -874,7 +1000,7 @@
               </a:spcBef>
               <a:buNone/>
             </a:pPr>
-            <a:endParaRPr b="0" lang="en-US" sz="3200" spc="-1" strike="noStrike">
+            <a:endParaRPr lang="en-US" sz="3200" b="0" strike="noStrike" spc="-1">
               <a:solidFill>
                 <a:srgbClr val="000000"/>
               </a:solidFill>
@@ -907,9 +1033,10 @@
           </a:ln>
         </p:spPr>
         <p:txBody>
-          <a:bodyPr lIns="0" rIns="0" tIns="0" bIns="0" anchor="t">
+          <a:bodyPr lIns="0" tIns="0" rIns="0" bIns="0" anchor="t">
             <a:normAutofit/>
           </a:bodyPr>
+          <a:lstStyle/>
           <a:p>
             <a:pPr indent="0">
               <a:spcBef>
@@ -917,7 +1044,7 @@
               </a:spcBef>
               <a:buNone/>
             </a:pPr>
-            <a:endParaRPr b="0" lang="en-US" sz="3200" spc="-1" strike="noStrike">
+            <a:endParaRPr lang="en-US" sz="3200" b="0" strike="noStrike" spc="-1">
               <a:solidFill>
                 <a:srgbClr val="000000"/>
               </a:solidFill>
@@ -939,6 +1066,7 @@
         <p:spPr/>
         <p:txBody>
           <a:bodyPr/>
+          <a:lstStyle/>
           <a:p>
             <a:r>
               <a:t>Footer</a:t>
@@ -959,10 +1087,12 @@
         <p:spPr/>
         <p:txBody>
           <a:bodyPr/>
+          <a:lstStyle/>
           <a:p>
             <a:fld id="{89960E83-71C7-4D03-BA3E-8694DC973A06}" type="slidenum">
-              <a:t>&lt;#&gt;</a:t>
+              <a:t>‹#›</a:t>
             </a:fld>
+            <a:endParaRPr/>
           </a:p>
         </p:txBody>
       </p:sp>
@@ -979,21 +1109,22 @@
         <p:spPr/>
         <p:txBody>
           <a:bodyPr/>
-          <a:p>
-            <a:r>
-              <a:rPr lang="en-US"/>
-              <a:t/>
-            </a:r>
+          <a:lstStyle/>
+          <a:p>
+            <a:endParaRPr/>
           </a:p>
         </p:txBody>
       </p:sp>
     </p:spTree>
   </p:cSld>
+  <p:clrMapOvr>
+    <a:masterClrMapping/>
+  </p:clrMapOvr>
 </p:sldLayout>
 </file>
 
 <file path=ppt/slideLayouts/slideLayout13.xml><?xml version="1.0" encoding="utf-8"?>
-<p:sldLayout xmlns:a="http://schemas.openxmlformats.org/drawingml/2006/main" xmlns:p="http://schemas.openxmlformats.org/presentationml/2006/main" xmlns:r="http://schemas.openxmlformats.org/officeDocument/2006/relationships" xmlns:p14="http://schemas.microsoft.com/office/powerpoint/2010/main" xmlns:p15="http://schemas.microsoft.com/office/powerpoint/2012/main" xmlns:mc="http://schemas.openxmlformats.org/markup-compatibility/2006" type="blank" preserve="1">
+<p:sldLayout xmlns:a="http://schemas.openxmlformats.org/drawingml/2006/main" xmlns:r="http://schemas.openxmlformats.org/officeDocument/2006/relationships" xmlns:p="http://schemas.openxmlformats.org/presentationml/2006/main" type="blank" preserve="1">
   <p:cSld name="Blank Slide">
     <p:spTree>
       <p:nvGrpSpPr>
@@ -1022,6 +1153,7 @@
         <p:spPr/>
         <p:txBody>
           <a:bodyPr/>
+          <a:lstStyle/>
           <a:p>
             <a:r>
               <a:t>Footer</a:t>
@@ -1042,10 +1174,12 @@
         <p:spPr/>
         <p:txBody>
           <a:bodyPr/>
+          <a:lstStyle/>
           <a:p>
             <a:fld id="{69827634-0BC5-4E3A-98ED-7F362A55160B}" type="slidenum">
-              <a:t>&lt;#&gt;</a:t>
+              <a:t>‹#›</a:t>
             </a:fld>
+            <a:endParaRPr/>
           </a:p>
         </p:txBody>
       </p:sp>
@@ -1062,21 +1196,22 @@
         <p:spPr/>
         <p:txBody>
           <a:bodyPr/>
-          <a:p>
-            <a:r>
-              <a:rPr lang="en-US"/>
-              <a:t/>
-            </a:r>
+          <a:lstStyle/>
+          <a:p>
+            <a:endParaRPr/>
           </a:p>
         </p:txBody>
       </p:sp>
     </p:spTree>
   </p:cSld>
+  <p:clrMapOvr>
+    <a:masterClrMapping/>
+  </p:clrMapOvr>
 </p:sldLayout>
 </file>
 
 <file path=ppt/slideLayouts/slideLayout14.xml><?xml version="1.0" encoding="utf-8"?>
-<p:sldLayout xmlns:a="http://schemas.openxmlformats.org/drawingml/2006/main" xmlns:p="http://schemas.openxmlformats.org/presentationml/2006/main" xmlns:r="http://schemas.openxmlformats.org/officeDocument/2006/relationships" xmlns:p14="http://schemas.microsoft.com/office/powerpoint/2010/main" xmlns:p15="http://schemas.microsoft.com/office/powerpoint/2012/main" xmlns:mc="http://schemas.openxmlformats.org/markup-compatibility/2006" type="tx" preserve="1">
+<p:sldLayout xmlns:a="http://schemas.openxmlformats.org/drawingml/2006/main" xmlns:r="http://schemas.openxmlformats.org/officeDocument/2006/relationships" xmlns:p="http://schemas.openxmlformats.org/presentationml/2006/main" type="tx" preserve="1">
   <p:cSld name="Title Slide">
     <p:spTree>
       <p:nvGrpSpPr>
@@ -1116,14 +1251,15 @@
           </a:ln>
         </p:spPr>
         <p:txBody>
-          <a:bodyPr lIns="0" rIns="0" tIns="0" bIns="0" anchor="ctr">
+          <a:bodyPr lIns="0" tIns="0" rIns="0" bIns="0" anchor="ctr">
             <a:noAutofit/>
           </a:bodyPr>
+          <a:lstStyle/>
           <a:p>
             <a:pPr indent="0" algn="ctr">
               <a:buNone/>
             </a:pPr>
-            <a:endParaRPr b="0" lang="en-US" sz="4400" spc="-1" strike="noStrike">
+            <a:endParaRPr lang="en-US" sz="4400" b="0" strike="noStrike" spc="-1">
               <a:solidFill>
                 <a:srgbClr val="000000"/>
               </a:solidFill>
@@ -1156,14 +1292,15 @@
           </a:ln>
         </p:spPr>
         <p:txBody>
-          <a:bodyPr lIns="0" rIns="0" tIns="0" bIns="0" anchor="ctr">
+          <a:bodyPr lIns="0" tIns="0" rIns="0" bIns="0" anchor="ctr">
             <a:noAutofit/>
           </a:bodyPr>
+          <a:lstStyle/>
           <a:p>
             <a:pPr indent="0" algn="ctr">
               <a:buNone/>
             </a:pPr>
-            <a:endParaRPr b="0" lang="en-US" sz="3200" spc="-1" strike="noStrike">
+            <a:endParaRPr lang="en-US" sz="3200" b="0" strike="noStrike" spc="-1">
               <a:solidFill>
                 <a:srgbClr val="000000"/>
               </a:solidFill>
@@ -1185,6 +1322,7 @@
         <p:spPr/>
         <p:txBody>
           <a:bodyPr/>
+          <a:lstStyle/>
           <a:p>
             <a:r>
               <a:t>Footer</a:t>
@@ -1205,10 +1343,12 @@
         <p:spPr/>
         <p:txBody>
           <a:bodyPr/>
+          <a:lstStyle/>
           <a:p>
             <a:fld id="{DF03C3DF-1475-4EBC-B8B7-DC92F7087534}" type="slidenum">
-              <a:t>&lt;#&gt;</a:t>
+              <a:t>‹#›</a:t>
             </a:fld>
+            <a:endParaRPr/>
           </a:p>
         </p:txBody>
       </p:sp>
@@ -1225,21 +1365,22 @@
         <p:spPr/>
         <p:txBody>
           <a:bodyPr/>
-          <a:p>
-            <a:r>
-              <a:rPr lang="en-US"/>
-              <a:t/>
-            </a:r>
+          <a:lstStyle/>
+          <a:p>
+            <a:endParaRPr/>
           </a:p>
         </p:txBody>
       </p:sp>
     </p:spTree>
   </p:cSld>
+  <p:clrMapOvr>
+    <a:masterClrMapping/>
+  </p:clrMapOvr>
 </p:sldLayout>
 </file>
 
 <file path=ppt/slideLayouts/slideLayout15.xml><?xml version="1.0" encoding="utf-8"?>
-<p:sldLayout xmlns:a="http://schemas.openxmlformats.org/drawingml/2006/main" xmlns:p="http://schemas.openxmlformats.org/presentationml/2006/main" xmlns:r="http://schemas.openxmlformats.org/officeDocument/2006/relationships" xmlns:p14="http://schemas.microsoft.com/office/powerpoint/2010/main" xmlns:p15="http://schemas.microsoft.com/office/powerpoint/2012/main" xmlns:mc="http://schemas.openxmlformats.org/markup-compatibility/2006" type="obj" preserve="1">
+<p:sldLayout xmlns:a="http://schemas.openxmlformats.org/drawingml/2006/main" xmlns:r="http://schemas.openxmlformats.org/officeDocument/2006/relationships" xmlns:p="http://schemas.openxmlformats.org/presentationml/2006/main" type="obj" preserve="1">
   <p:cSld name="Title, Content">
     <p:spTree>
       <p:nvGrpSpPr>
@@ -1279,14 +1420,15 @@
           </a:ln>
         </p:spPr>
         <p:txBody>
-          <a:bodyPr lIns="0" rIns="0" tIns="0" bIns="0" anchor="ctr">
+          <a:bodyPr lIns="0" tIns="0" rIns="0" bIns="0" anchor="ctr">
             <a:noAutofit/>
           </a:bodyPr>
+          <a:lstStyle/>
           <a:p>
             <a:pPr indent="0" algn="ctr">
               <a:buNone/>
             </a:pPr>
-            <a:endParaRPr b="0" lang="en-US" sz="4400" spc="-1" strike="noStrike">
+            <a:endParaRPr lang="en-US" sz="4400" b="0" strike="noStrike" spc="-1">
               <a:solidFill>
                 <a:srgbClr val="000000"/>
               </a:solidFill>
@@ -1319,9 +1461,10 @@
           </a:ln>
         </p:spPr>
         <p:txBody>
-          <a:bodyPr lIns="0" rIns="0" tIns="0" bIns="0" anchor="t">
+          <a:bodyPr lIns="0" tIns="0" rIns="0" bIns="0" anchor="t">
             <a:normAutofit/>
           </a:bodyPr>
+          <a:lstStyle/>
           <a:p>
             <a:pPr indent="0">
               <a:spcBef>
@@ -1329,7 +1472,7 @@
               </a:spcBef>
               <a:buNone/>
             </a:pPr>
-            <a:endParaRPr b="0" lang="en-US" sz="3200" spc="-1" strike="noStrike">
+            <a:endParaRPr lang="en-US" sz="3200" b="0" strike="noStrike" spc="-1">
               <a:solidFill>
                 <a:srgbClr val="000000"/>
               </a:solidFill>
@@ -1351,6 +1494,7 @@
         <p:spPr/>
         <p:txBody>
           <a:bodyPr/>
+          <a:lstStyle/>
           <a:p>
             <a:r>
               <a:t>Footer</a:t>
@@ -1371,10 +1515,12 @@
         <p:spPr/>
         <p:txBody>
           <a:bodyPr/>
+          <a:lstStyle/>
           <a:p>
             <a:fld id="{4C8169D7-FA97-48B1-A797-CDFCC90D363F}" type="slidenum">
-              <a:t>&lt;#&gt;</a:t>
+              <a:t>‹#›</a:t>
             </a:fld>
+            <a:endParaRPr/>
           </a:p>
         </p:txBody>
       </p:sp>
@@ -1391,21 +1537,22 @@
         <p:spPr/>
         <p:txBody>
           <a:bodyPr/>
-          <a:p>
-            <a:r>
-              <a:rPr lang="en-US"/>
-              <a:t/>
-            </a:r>
+          <a:lstStyle/>
+          <a:p>
+            <a:endParaRPr/>
           </a:p>
         </p:txBody>
       </p:sp>
     </p:spTree>
   </p:cSld>
+  <p:clrMapOvr>
+    <a:masterClrMapping/>
+  </p:clrMapOvr>
 </p:sldLayout>
 </file>
 
 <file path=ppt/slideLayouts/slideLayout16.xml><?xml version="1.0" encoding="utf-8"?>
-<p:sldLayout xmlns:a="http://schemas.openxmlformats.org/drawingml/2006/main" xmlns:p="http://schemas.openxmlformats.org/presentationml/2006/main" xmlns:r="http://schemas.openxmlformats.org/officeDocument/2006/relationships" xmlns:p14="http://schemas.microsoft.com/office/powerpoint/2010/main" xmlns:p15="http://schemas.microsoft.com/office/powerpoint/2012/main" xmlns:mc="http://schemas.openxmlformats.org/markup-compatibility/2006" type="twoObj" preserve="1">
+<p:sldLayout xmlns:a="http://schemas.openxmlformats.org/drawingml/2006/main" xmlns:r="http://schemas.openxmlformats.org/officeDocument/2006/relationships" xmlns:p="http://schemas.openxmlformats.org/presentationml/2006/main" type="twoObj" preserve="1">
   <p:cSld name="Title, 2 Content">
     <p:spTree>
       <p:nvGrpSpPr>
@@ -1445,14 +1592,15 @@
           </a:ln>
         </p:spPr>
         <p:txBody>
-          <a:bodyPr lIns="0" rIns="0" tIns="0" bIns="0" anchor="ctr">
+          <a:bodyPr lIns="0" tIns="0" rIns="0" bIns="0" anchor="ctr">
             <a:noAutofit/>
           </a:bodyPr>
+          <a:lstStyle/>
           <a:p>
             <a:pPr indent="0" algn="ctr">
               <a:buNone/>
             </a:pPr>
-            <a:endParaRPr b="0" lang="en-US" sz="4400" spc="-1" strike="noStrike">
+            <a:endParaRPr lang="en-US" sz="4400" b="0" strike="noStrike" spc="-1">
               <a:solidFill>
                 <a:srgbClr val="000000"/>
               </a:solidFill>
@@ -1485,9 +1633,10 @@
           </a:ln>
         </p:spPr>
         <p:txBody>
-          <a:bodyPr lIns="0" rIns="0" tIns="0" bIns="0" anchor="t">
+          <a:bodyPr lIns="0" tIns="0" rIns="0" bIns="0" anchor="t">
             <a:normAutofit/>
           </a:bodyPr>
+          <a:lstStyle/>
           <a:p>
             <a:pPr indent="0">
               <a:spcBef>
@@ -1495,7 +1644,7 @@
               </a:spcBef>
               <a:buNone/>
             </a:pPr>
-            <a:endParaRPr b="0" lang="en-US" sz="3200" spc="-1" strike="noStrike">
+            <a:endParaRPr lang="en-US" sz="3200" b="0" strike="noStrike" spc="-1">
               <a:solidFill>
                 <a:srgbClr val="000000"/>
               </a:solidFill>
@@ -1528,9 +1677,10 @@
           </a:ln>
         </p:spPr>
         <p:txBody>
-          <a:bodyPr lIns="0" rIns="0" tIns="0" bIns="0" anchor="t">
+          <a:bodyPr lIns="0" tIns="0" rIns="0" bIns="0" anchor="t">
             <a:normAutofit/>
           </a:bodyPr>
+          <a:lstStyle/>
           <a:p>
             <a:pPr indent="0">
               <a:spcBef>
@@ -1538,7 +1688,7 @@
               </a:spcBef>
               <a:buNone/>
             </a:pPr>
-            <a:endParaRPr b="0" lang="en-US" sz="3200" spc="-1" strike="noStrike">
+            <a:endParaRPr lang="en-US" sz="3200" b="0" strike="noStrike" spc="-1">
               <a:solidFill>
                 <a:srgbClr val="000000"/>
               </a:solidFill>
@@ -1560,6 +1710,7 @@
         <p:spPr/>
         <p:txBody>
           <a:bodyPr/>
+          <a:lstStyle/>
           <a:p>
             <a:r>
               <a:t>Footer</a:t>
@@ -1580,10 +1731,12 @@
         <p:spPr/>
         <p:txBody>
           <a:bodyPr/>
+          <a:lstStyle/>
           <a:p>
             <a:fld id="{A36A09E5-34A1-418B-ACFC-3FA5C48E9D33}" type="slidenum">
-              <a:t>&lt;#&gt;</a:t>
+              <a:t>‹#›</a:t>
             </a:fld>
+            <a:endParaRPr/>
           </a:p>
         </p:txBody>
       </p:sp>
@@ -1600,21 +1753,22 @@
         <p:spPr/>
         <p:txBody>
           <a:bodyPr/>
-          <a:p>
-            <a:r>
-              <a:rPr lang="en-US"/>
-              <a:t/>
-            </a:r>
+          <a:lstStyle/>
+          <a:p>
+            <a:endParaRPr/>
           </a:p>
         </p:txBody>
       </p:sp>
     </p:spTree>
   </p:cSld>
+  <p:clrMapOvr>
+    <a:masterClrMapping/>
+  </p:clrMapOvr>
 </p:sldLayout>
 </file>
 
 <file path=ppt/slideLayouts/slideLayout17.xml><?xml version="1.0" encoding="utf-8"?>
-<p:sldLayout xmlns:a="http://schemas.openxmlformats.org/drawingml/2006/main" xmlns:p="http://schemas.openxmlformats.org/presentationml/2006/main" xmlns:r="http://schemas.openxmlformats.org/officeDocument/2006/relationships" xmlns:p14="http://schemas.microsoft.com/office/powerpoint/2010/main" xmlns:p15="http://schemas.microsoft.com/office/powerpoint/2012/main" xmlns:mc="http://schemas.openxmlformats.org/markup-compatibility/2006" type="titleOnly" preserve="1">
+<p:sldLayout xmlns:a="http://schemas.openxmlformats.org/drawingml/2006/main" xmlns:r="http://schemas.openxmlformats.org/officeDocument/2006/relationships" xmlns:p="http://schemas.openxmlformats.org/presentationml/2006/main" type="titleOnly" preserve="1">
   <p:cSld name="Title Only">
     <p:spTree>
       <p:nvGrpSpPr>
@@ -1654,14 +1808,15 @@
           </a:ln>
         </p:spPr>
         <p:txBody>
-          <a:bodyPr lIns="0" rIns="0" tIns="0" bIns="0" anchor="ctr">
+          <a:bodyPr lIns="0" tIns="0" rIns="0" bIns="0" anchor="ctr">
             <a:noAutofit/>
           </a:bodyPr>
+          <a:lstStyle/>
           <a:p>
             <a:pPr indent="0" algn="ctr">
               <a:buNone/>
             </a:pPr>
-            <a:endParaRPr b="0" lang="en-US" sz="4400" spc="-1" strike="noStrike">
+            <a:endParaRPr lang="en-US" sz="4400" b="0" strike="noStrike" spc="-1">
               <a:solidFill>
                 <a:srgbClr val="000000"/>
               </a:solidFill>
@@ -1683,6 +1838,7 @@
         <p:spPr/>
         <p:txBody>
           <a:bodyPr/>
+          <a:lstStyle/>
           <a:p>
             <a:r>
               <a:t>Footer</a:t>
@@ -1703,10 +1859,12 @@
         <p:spPr/>
         <p:txBody>
           <a:bodyPr/>
+          <a:lstStyle/>
           <a:p>
             <a:fld id="{429A2172-ECB8-439D-8055-28D5F4C4C9FF}" type="slidenum">
-              <a:t>&lt;#&gt;</a:t>
+              <a:t>‹#›</a:t>
             </a:fld>
+            <a:endParaRPr/>
           </a:p>
         </p:txBody>
       </p:sp>
@@ -1723,21 +1881,22 @@
         <p:spPr/>
         <p:txBody>
           <a:bodyPr/>
-          <a:p>
-            <a:r>
-              <a:rPr lang="en-US"/>
-              <a:t/>
-            </a:r>
+          <a:lstStyle/>
+          <a:p>
+            <a:endParaRPr/>
           </a:p>
         </p:txBody>
       </p:sp>
     </p:spTree>
   </p:cSld>
+  <p:clrMapOvr>
+    <a:masterClrMapping/>
+  </p:clrMapOvr>
 </p:sldLayout>
 </file>
 
 <file path=ppt/slideLayouts/slideLayout18.xml><?xml version="1.0" encoding="utf-8"?>
-<p:sldLayout xmlns:a="http://schemas.openxmlformats.org/drawingml/2006/main" xmlns:p="http://schemas.openxmlformats.org/presentationml/2006/main" xmlns:r="http://schemas.openxmlformats.org/officeDocument/2006/relationships" xmlns:p14="http://schemas.microsoft.com/office/powerpoint/2010/main" xmlns:p15="http://schemas.microsoft.com/office/powerpoint/2012/main" xmlns:mc="http://schemas.openxmlformats.org/markup-compatibility/2006" type="objOnly" preserve="1">
+<p:sldLayout xmlns:a="http://schemas.openxmlformats.org/drawingml/2006/main" xmlns:r="http://schemas.openxmlformats.org/officeDocument/2006/relationships" xmlns:p="http://schemas.openxmlformats.org/presentationml/2006/main" type="objOnly" preserve="1">
   <p:cSld name="Centered Text">
     <p:spTree>
       <p:nvGrpSpPr>
@@ -1777,12 +1936,13 @@
           </a:ln>
         </p:spPr>
         <p:txBody>
-          <a:bodyPr lIns="0" rIns="0" tIns="0" bIns="0" anchor="ctr">
+          <a:bodyPr lIns="0" tIns="0" rIns="0" bIns="0" anchor="ctr">
             <a:noAutofit/>
           </a:bodyPr>
+          <a:lstStyle/>
           <a:p>
             <a:pPr algn="ctr"/>
-            <a:endParaRPr b="0" lang="en-US" sz="3200" spc="-1" strike="noStrike">
+            <a:endParaRPr lang="en-US" sz="3200" b="0" strike="noStrike" spc="-1">
               <a:solidFill>
                 <a:srgbClr val="000000"/>
               </a:solidFill>
@@ -1804,6 +1964,7 @@
         <p:spPr/>
         <p:txBody>
           <a:bodyPr/>
+          <a:lstStyle/>
           <a:p>
             <a:r>
               <a:t>Footer</a:t>
@@ -1824,10 +1985,12 @@
         <p:spPr/>
         <p:txBody>
           <a:bodyPr/>
+          <a:lstStyle/>
           <a:p>
             <a:fld id="{B908805E-CCDC-4802-9F60-81473C0867B2}" type="slidenum">
-              <a:t>&lt;#&gt;</a:t>
+              <a:t>‹#›</a:t>
             </a:fld>
+            <a:endParaRPr/>
           </a:p>
         </p:txBody>
       </p:sp>
@@ -1844,21 +2007,22 @@
         <p:spPr/>
         <p:txBody>
           <a:bodyPr/>
-          <a:p>
-            <a:r>
-              <a:rPr lang="en-US"/>
-              <a:t/>
-            </a:r>
+          <a:lstStyle/>
+          <a:p>
+            <a:endParaRPr/>
           </a:p>
         </p:txBody>
       </p:sp>
     </p:spTree>
   </p:cSld>
+  <p:clrMapOvr>
+    <a:masterClrMapping/>
+  </p:clrMapOvr>
 </p:sldLayout>
 </file>
 
 <file path=ppt/slideLayouts/slideLayout19.xml><?xml version="1.0" encoding="utf-8"?>
-<p:sldLayout xmlns:a="http://schemas.openxmlformats.org/drawingml/2006/main" xmlns:p="http://schemas.openxmlformats.org/presentationml/2006/main" xmlns:r="http://schemas.openxmlformats.org/officeDocument/2006/relationships" xmlns:p14="http://schemas.microsoft.com/office/powerpoint/2010/main" xmlns:p15="http://schemas.microsoft.com/office/powerpoint/2012/main" xmlns:mc="http://schemas.openxmlformats.org/markup-compatibility/2006" type="twoObjAndObj" preserve="1">
+<p:sldLayout xmlns:a="http://schemas.openxmlformats.org/drawingml/2006/main" xmlns:r="http://schemas.openxmlformats.org/officeDocument/2006/relationships" xmlns:p="http://schemas.openxmlformats.org/presentationml/2006/main" type="twoObjAndObj" preserve="1">
   <p:cSld name="Title, 2 Content and Content">
     <p:spTree>
       <p:nvGrpSpPr>
@@ -1898,14 +2062,15 @@
           </a:ln>
         </p:spPr>
         <p:txBody>
-          <a:bodyPr lIns="0" rIns="0" tIns="0" bIns="0" anchor="ctr">
+          <a:bodyPr lIns="0" tIns="0" rIns="0" bIns="0" anchor="ctr">
             <a:noAutofit/>
           </a:bodyPr>
+          <a:lstStyle/>
           <a:p>
             <a:pPr indent="0" algn="ctr">
               <a:buNone/>
             </a:pPr>
-            <a:endParaRPr b="0" lang="en-US" sz="4400" spc="-1" strike="noStrike">
+            <a:endParaRPr lang="en-US" sz="4400" b="0" strike="noStrike" spc="-1">
               <a:solidFill>
                 <a:srgbClr val="000000"/>
               </a:solidFill>
@@ -1938,9 +2103,10 @@
           </a:ln>
         </p:spPr>
         <p:txBody>
-          <a:bodyPr lIns="0" rIns="0" tIns="0" bIns="0" anchor="t">
+          <a:bodyPr lIns="0" tIns="0" rIns="0" bIns="0" anchor="t">
             <a:normAutofit/>
           </a:bodyPr>
+          <a:lstStyle/>
           <a:p>
             <a:pPr indent="0">
               <a:spcBef>
@@ -1948,7 +2114,7 @@
               </a:spcBef>
               <a:buNone/>
             </a:pPr>
-            <a:endParaRPr b="0" lang="en-US" sz="3200" spc="-1" strike="noStrike">
+            <a:endParaRPr lang="en-US" sz="3200" b="0" strike="noStrike" spc="-1">
               <a:solidFill>
                 <a:srgbClr val="000000"/>
               </a:solidFill>
@@ -1981,9 +2147,10 @@
           </a:ln>
         </p:spPr>
         <p:txBody>
-          <a:bodyPr lIns="0" rIns="0" tIns="0" bIns="0" anchor="t">
+          <a:bodyPr lIns="0" tIns="0" rIns="0" bIns="0" anchor="t">
             <a:normAutofit/>
           </a:bodyPr>
+          <a:lstStyle/>
           <a:p>
             <a:pPr indent="0">
               <a:spcBef>
@@ -1991,7 +2158,7 @@
               </a:spcBef>
               <a:buNone/>
             </a:pPr>
-            <a:endParaRPr b="0" lang="en-US" sz="3200" spc="-1" strike="noStrike">
+            <a:endParaRPr lang="en-US" sz="3200" b="0" strike="noStrike" spc="-1">
               <a:solidFill>
                 <a:srgbClr val="000000"/>
               </a:solidFill>
@@ -2024,9 +2191,10 @@
           </a:ln>
         </p:spPr>
         <p:txBody>
-          <a:bodyPr lIns="0" rIns="0" tIns="0" bIns="0" anchor="t">
+          <a:bodyPr lIns="0" tIns="0" rIns="0" bIns="0" anchor="t">
             <a:normAutofit/>
           </a:bodyPr>
+          <a:lstStyle/>
           <a:p>
             <a:pPr indent="0">
               <a:spcBef>
@@ -2034,7 +2202,7 @@
               </a:spcBef>
               <a:buNone/>
             </a:pPr>
-            <a:endParaRPr b="0" lang="en-US" sz="3200" spc="-1" strike="noStrike">
+            <a:endParaRPr lang="en-US" sz="3200" b="0" strike="noStrike" spc="-1">
               <a:solidFill>
                 <a:srgbClr val="000000"/>
               </a:solidFill>
@@ -2056,6 +2224,7 @@
         <p:spPr/>
         <p:txBody>
           <a:bodyPr/>
+          <a:lstStyle/>
           <a:p>
             <a:r>
               <a:t>Footer</a:t>
@@ -2076,10 +2245,12 @@
         <p:spPr/>
         <p:txBody>
           <a:bodyPr/>
+          <a:lstStyle/>
           <a:p>
             <a:fld id="{44D26299-F785-41DC-A207-0C1AEE980F66}" type="slidenum">
-              <a:t>&lt;#&gt;</a:t>
+              <a:t>‹#›</a:t>
             </a:fld>
+            <a:endParaRPr/>
           </a:p>
         </p:txBody>
       </p:sp>
@@ -2096,21 +2267,22 @@
         <p:spPr/>
         <p:txBody>
           <a:bodyPr/>
-          <a:p>
-            <a:r>
-              <a:rPr lang="en-US"/>
-              <a:t/>
-            </a:r>
+          <a:lstStyle/>
+          <a:p>
+            <a:endParaRPr/>
           </a:p>
         </p:txBody>
       </p:sp>
     </p:spTree>
   </p:cSld>
+  <p:clrMapOvr>
+    <a:masterClrMapping/>
+  </p:clrMapOvr>
 </p:sldLayout>
 </file>
 
 <file path=ppt/slideLayouts/slideLayout2.xml><?xml version="1.0" encoding="utf-8"?>
-<p:sldLayout xmlns:a="http://schemas.openxmlformats.org/drawingml/2006/main" xmlns:p="http://schemas.openxmlformats.org/presentationml/2006/main" xmlns:r="http://schemas.openxmlformats.org/officeDocument/2006/relationships" xmlns:p14="http://schemas.microsoft.com/office/powerpoint/2010/main" xmlns:p15="http://schemas.microsoft.com/office/powerpoint/2012/main" xmlns:mc="http://schemas.openxmlformats.org/markup-compatibility/2006" type="tx" preserve="1">
+<p:sldLayout xmlns:a="http://schemas.openxmlformats.org/drawingml/2006/main" xmlns:r="http://schemas.openxmlformats.org/officeDocument/2006/relationships" xmlns:p="http://schemas.openxmlformats.org/presentationml/2006/main" type="tx" preserve="1">
   <p:cSld name="Title Slide">
     <p:spTree>
       <p:nvGrpSpPr>
@@ -2150,14 +2322,15 @@
           </a:ln>
         </p:spPr>
         <p:txBody>
-          <a:bodyPr lIns="0" rIns="0" tIns="0" bIns="0" anchor="ctr">
+          <a:bodyPr lIns="0" tIns="0" rIns="0" bIns="0" anchor="ctr">
             <a:noAutofit/>
           </a:bodyPr>
+          <a:lstStyle/>
           <a:p>
             <a:pPr indent="0" algn="ctr">
               <a:buNone/>
             </a:pPr>
-            <a:endParaRPr b="0" lang="en-US" sz="4400" spc="-1" strike="noStrike">
+            <a:endParaRPr lang="en-US" sz="4400" b="0" strike="noStrike" spc="-1">
               <a:solidFill>
                 <a:srgbClr val="000000"/>
               </a:solidFill>
@@ -2190,14 +2363,15 @@
           </a:ln>
         </p:spPr>
         <p:txBody>
-          <a:bodyPr lIns="0" rIns="0" tIns="0" bIns="0" anchor="ctr">
+          <a:bodyPr lIns="0" tIns="0" rIns="0" bIns="0" anchor="ctr">
             <a:noAutofit/>
           </a:bodyPr>
+          <a:lstStyle/>
           <a:p>
             <a:pPr indent="0" algn="ctr">
               <a:buNone/>
             </a:pPr>
-            <a:endParaRPr b="0" lang="en-US" sz="3200" spc="-1" strike="noStrike">
+            <a:endParaRPr lang="en-US" sz="3200" b="0" strike="noStrike" spc="-1">
               <a:solidFill>
                 <a:srgbClr val="000000"/>
               </a:solidFill>
@@ -2219,6 +2393,7 @@
         <p:spPr/>
         <p:txBody>
           <a:bodyPr/>
+          <a:lstStyle/>
           <a:p>
             <a:r>
               <a:t>Footer</a:t>
@@ -2228,7 +2403,7 @@
       </p:sp>
       <p:sp>
         <p:nvSpPr>
-          <p:cNvPr id="5" name="PlaceHolder 4"/>
+          <p:cNvPr id="2" name="PlaceHolder 4"/>
           <p:cNvSpPr>
             <a:spLocks noGrp="1"/>
           </p:cNvSpPr>
@@ -2239,16 +2414,18 @@
         <p:spPr/>
         <p:txBody>
           <a:bodyPr/>
+          <a:lstStyle/>
           <a:p>
             <a:fld id="{21E8906A-3C5C-4FE8-8275-C1CD8EECA03B}" type="slidenum">
-              <a:t>&lt;#&gt;</a:t>
+              <a:t>‹#›</a:t>
             </a:fld>
-          </a:p>
-        </p:txBody>
-      </p:sp>
-      <p:sp>
-        <p:nvSpPr>
-          <p:cNvPr id="6" name="PlaceHolder 5"/>
+            <a:endParaRPr/>
+          </a:p>
+        </p:txBody>
+      </p:sp>
+      <p:sp>
+        <p:nvSpPr>
+          <p:cNvPr id="3" name="PlaceHolder 5"/>
           <p:cNvSpPr>
             <a:spLocks noGrp="1"/>
           </p:cNvSpPr>
@@ -2259,21 +2436,22 @@
         <p:spPr/>
         <p:txBody>
           <a:bodyPr/>
-          <a:p>
-            <a:r>
-              <a:rPr lang="en-US"/>
-              <a:t/>
-            </a:r>
+          <a:lstStyle/>
+          <a:p>
+            <a:endParaRPr/>
           </a:p>
         </p:txBody>
       </p:sp>
     </p:spTree>
   </p:cSld>
+  <p:clrMapOvr>
+    <a:masterClrMapping/>
+  </p:clrMapOvr>
 </p:sldLayout>
 </file>
 
 <file path=ppt/slideLayouts/slideLayout20.xml><?xml version="1.0" encoding="utf-8"?>
-<p:sldLayout xmlns:a="http://schemas.openxmlformats.org/drawingml/2006/main" xmlns:p="http://schemas.openxmlformats.org/presentationml/2006/main" xmlns:r="http://schemas.openxmlformats.org/officeDocument/2006/relationships" xmlns:p14="http://schemas.microsoft.com/office/powerpoint/2010/main" xmlns:p15="http://schemas.microsoft.com/office/powerpoint/2012/main" xmlns:mc="http://schemas.openxmlformats.org/markup-compatibility/2006" type="objAndTwoObj" preserve="1">
+<p:sldLayout xmlns:a="http://schemas.openxmlformats.org/drawingml/2006/main" xmlns:r="http://schemas.openxmlformats.org/officeDocument/2006/relationships" xmlns:p="http://schemas.openxmlformats.org/presentationml/2006/main" type="objAndTwoObj" preserve="1">
   <p:cSld name="Title Content and 2 Content">
     <p:spTree>
       <p:nvGrpSpPr>
@@ -2313,14 +2491,15 @@
           </a:ln>
         </p:spPr>
         <p:txBody>
-          <a:bodyPr lIns="0" rIns="0" tIns="0" bIns="0" anchor="ctr">
+          <a:bodyPr lIns="0" tIns="0" rIns="0" bIns="0" anchor="ctr">
             <a:noAutofit/>
           </a:bodyPr>
+          <a:lstStyle/>
           <a:p>
             <a:pPr indent="0" algn="ctr">
               <a:buNone/>
             </a:pPr>
-            <a:endParaRPr b="0" lang="en-US" sz="4400" spc="-1" strike="noStrike">
+            <a:endParaRPr lang="en-US" sz="4400" b="0" strike="noStrike" spc="-1">
               <a:solidFill>
                 <a:srgbClr val="000000"/>
               </a:solidFill>
@@ -2353,9 +2532,10 @@
           </a:ln>
         </p:spPr>
         <p:txBody>
-          <a:bodyPr lIns="0" rIns="0" tIns="0" bIns="0" anchor="t">
+          <a:bodyPr lIns="0" tIns="0" rIns="0" bIns="0" anchor="t">
             <a:normAutofit/>
           </a:bodyPr>
+          <a:lstStyle/>
           <a:p>
             <a:pPr indent="0">
               <a:spcBef>
@@ -2363,7 +2543,7 @@
               </a:spcBef>
               <a:buNone/>
             </a:pPr>
-            <a:endParaRPr b="0" lang="en-US" sz="3200" spc="-1" strike="noStrike">
+            <a:endParaRPr lang="en-US" sz="3200" b="0" strike="noStrike" spc="-1">
               <a:solidFill>
                 <a:srgbClr val="000000"/>
               </a:solidFill>
@@ -2396,9 +2576,10 @@
           </a:ln>
         </p:spPr>
         <p:txBody>
-          <a:bodyPr lIns="0" rIns="0" tIns="0" bIns="0" anchor="t">
+          <a:bodyPr lIns="0" tIns="0" rIns="0" bIns="0" anchor="t">
             <a:normAutofit/>
           </a:bodyPr>
+          <a:lstStyle/>
           <a:p>
             <a:pPr indent="0">
               <a:spcBef>
@@ -2406,7 +2587,7 @@
               </a:spcBef>
               <a:buNone/>
             </a:pPr>
-            <a:endParaRPr b="0" lang="en-US" sz="3200" spc="-1" strike="noStrike">
+            <a:endParaRPr lang="en-US" sz="3200" b="0" strike="noStrike" spc="-1">
               <a:solidFill>
                 <a:srgbClr val="000000"/>
               </a:solidFill>
@@ -2439,9 +2620,10 @@
           </a:ln>
         </p:spPr>
         <p:txBody>
-          <a:bodyPr lIns="0" rIns="0" tIns="0" bIns="0" anchor="t">
+          <a:bodyPr lIns="0" tIns="0" rIns="0" bIns="0" anchor="t">
             <a:normAutofit/>
           </a:bodyPr>
+          <a:lstStyle/>
           <a:p>
             <a:pPr indent="0">
               <a:spcBef>
@@ -2449,7 +2631,7 @@
               </a:spcBef>
               <a:buNone/>
             </a:pPr>
-            <a:endParaRPr b="0" lang="en-US" sz="3200" spc="-1" strike="noStrike">
+            <a:endParaRPr lang="en-US" sz="3200" b="0" strike="noStrike" spc="-1">
               <a:solidFill>
                 <a:srgbClr val="000000"/>
               </a:solidFill>
@@ -2471,6 +2653,7 @@
         <p:spPr/>
         <p:txBody>
           <a:bodyPr/>
+          <a:lstStyle/>
           <a:p>
             <a:r>
               <a:t>Footer</a:t>
@@ -2491,10 +2674,12 @@
         <p:spPr/>
         <p:txBody>
           <a:bodyPr/>
+          <a:lstStyle/>
           <a:p>
             <a:fld id="{4F68D1C2-D755-4F44-80F1-B3978D6F8622}" type="slidenum">
-              <a:t>&lt;#&gt;</a:t>
+              <a:t>‹#›</a:t>
             </a:fld>
+            <a:endParaRPr/>
           </a:p>
         </p:txBody>
       </p:sp>
@@ -2511,21 +2696,22 @@
         <p:spPr/>
         <p:txBody>
           <a:bodyPr/>
-          <a:p>
-            <a:r>
-              <a:rPr lang="en-US"/>
-              <a:t/>
-            </a:r>
+          <a:lstStyle/>
+          <a:p>
+            <a:endParaRPr/>
           </a:p>
         </p:txBody>
       </p:sp>
     </p:spTree>
   </p:cSld>
+  <p:clrMapOvr>
+    <a:masterClrMapping/>
+  </p:clrMapOvr>
 </p:sldLayout>
 </file>
 
 <file path=ppt/slideLayouts/slideLayout21.xml><?xml version="1.0" encoding="utf-8"?>
-<p:sldLayout xmlns:a="http://schemas.openxmlformats.org/drawingml/2006/main" xmlns:p="http://schemas.openxmlformats.org/presentationml/2006/main" xmlns:r="http://schemas.openxmlformats.org/officeDocument/2006/relationships" xmlns:p14="http://schemas.microsoft.com/office/powerpoint/2010/main" xmlns:p15="http://schemas.microsoft.com/office/powerpoint/2012/main" xmlns:mc="http://schemas.openxmlformats.org/markup-compatibility/2006" type="twoObjOverTx" preserve="1">
+<p:sldLayout xmlns:a="http://schemas.openxmlformats.org/drawingml/2006/main" xmlns:r="http://schemas.openxmlformats.org/officeDocument/2006/relationships" xmlns:p="http://schemas.openxmlformats.org/presentationml/2006/main" type="twoObjOverTx" preserve="1">
   <p:cSld name="Title, 2 Content over Content">
     <p:spTree>
       <p:nvGrpSpPr>
@@ -2565,14 +2751,15 @@
           </a:ln>
         </p:spPr>
         <p:txBody>
-          <a:bodyPr lIns="0" rIns="0" tIns="0" bIns="0" anchor="ctr">
+          <a:bodyPr lIns="0" tIns="0" rIns="0" bIns="0" anchor="ctr">
             <a:noAutofit/>
           </a:bodyPr>
+          <a:lstStyle/>
           <a:p>
             <a:pPr indent="0" algn="ctr">
               <a:buNone/>
             </a:pPr>
-            <a:endParaRPr b="0" lang="en-US" sz="4400" spc="-1" strike="noStrike">
+            <a:endParaRPr lang="en-US" sz="4400" b="0" strike="noStrike" spc="-1">
               <a:solidFill>
                 <a:srgbClr val="000000"/>
               </a:solidFill>
@@ -2605,9 +2792,10 @@
           </a:ln>
         </p:spPr>
         <p:txBody>
-          <a:bodyPr lIns="0" rIns="0" tIns="0" bIns="0" anchor="t">
+          <a:bodyPr lIns="0" tIns="0" rIns="0" bIns="0" anchor="t">
             <a:normAutofit/>
           </a:bodyPr>
+          <a:lstStyle/>
           <a:p>
             <a:pPr indent="0">
               <a:spcBef>
@@ -2615,7 +2803,7 @@
               </a:spcBef>
               <a:buNone/>
             </a:pPr>
-            <a:endParaRPr b="0" lang="en-US" sz="3200" spc="-1" strike="noStrike">
+            <a:endParaRPr lang="en-US" sz="3200" b="0" strike="noStrike" spc="-1">
               <a:solidFill>
                 <a:srgbClr val="000000"/>
               </a:solidFill>
@@ -2648,9 +2836,10 @@
           </a:ln>
         </p:spPr>
         <p:txBody>
-          <a:bodyPr lIns="0" rIns="0" tIns="0" bIns="0" anchor="t">
+          <a:bodyPr lIns="0" tIns="0" rIns="0" bIns="0" anchor="t">
             <a:normAutofit/>
           </a:bodyPr>
+          <a:lstStyle/>
           <a:p>
             <a:pPr indent="0">
               <a:spcBef>
@@ -2658,7 +2847,7 @@
               </a:spcBef>
               <a:buNone/>
             </a:pPr>
-            <a:endParaRPr b="0" lang="en-US" sz="3200" spc="-1" strike="noStrike">
+            <a:endParaRPr lang="en-US" sz="3200" b="0" strike="noStrike" spc="-1">
               <a:solidFill>
                 <a:srgbClr val="000000"/>
               </a:solidFill>
@@ -2691,9 +2880,10 @@
           </a:ln>
         </p:spPr>
         <p:txBody>
-          <a:bodyPr lIns="0" rIns="0" tIns="0" bIns="0" anchor="t">
+          <a:bodyPr lIns="0" tIns="0" rIns="0" bIns="0" anchor="t">
             <a:normAutofit/>
           </a:bodyPr>
+          <a:lstStyle/>
           <a:p>
             <a:pPr indent="0">
               <a:spcBef>
@@ -2701,7 +2891,7 @@
               </a:spcBef>
               <a:buNone/>
             </a:pPr>
-            <a:endParaRPr b="0" lang="en-US" sz="3200" spc="-1" strike="noStrike">
+            <a:endParaRPr lang="en-US" sz="3200" b="0" strike="noStrike" spc="-1">
               <a:solidFill>
                 <a:srgbClr val="000000"/>
               </a:solidFill>
@@ -2723,6 +2913,7 @@
         <p:spPr/>
         <p:txBody>
           <a:bodyPr/>
+          <a:lstStyle/>
           <a:p>
             <a:r>
               <a:t>Footer</a:t>
@@ -2743,10 +2934,12 @@
         <p:spPr/>
         <p:txBody>
           <a:bodyPr/>
+          <a:lstStyle/>
           <a:p>
             <a:fld id="{EB9CFB48-ECCB-4780-9A32-402BF99D779D}" type="slidenum">
-              <a:t>&lt;#&gt;</a:t>
+              <a:t>‹#›</a:t>
             </a:fld>
+            <a:endParaRPr/>
           </a:p>
         </p:txBody>
       </p:sp>
@@ -2763,21 +2956,22 @@
         <p:spPr/>
         <p:txBody>
           <a:bodyPr/>
-          <a:p>
-            <a:r>
-              <a:rPr lang="en-US"/>
-              <a:t/>
-            </a:r>
+          <a:lstStyle/>
+          <a:p>
+            <a:endParaRPr/>
           </a:p>
         </p:txBody>
       </p:sp>
     </p:spTree>
   </p:cSld>
+  <p:clrMapOvr>
+    <a:masterClrMapping/>
+  </p:clrMapOvr>
 </p:sldLayout>
 </file>
 
 <file path=ppt/slideLayouts/slideLayout22.xml><?xml version="1.0" encoding="utf-8"?>
-<p:sldLayout xmlns:a="http://schemas.openxmlformats.org/drawingml/2006/main" xmlns:p="http://schemas.openxmlformats.org/presentationml/2006/main" xmlns:r="http://schemas.openxmlformats.org/officeDocument/2006/relationships" xmlns:p14="http://schemas.microsoft.com/office/powerpoint/2010/main" xmlns:p15="http://schemas.microsoft.com/office/powerpoint/2012/main" xmlns:mc="http://schemas.openxmlformats.org/markup-compatibility/2006" type="objOverTx" preserve="1">
+<p:sldLayout xmlns:a="http://schemas.openxmlformats.org/drawingml/2006/main" xmlns:r="http://schemas.openxmlformats.org/officeDocument/2006/relationships" xmlns:p="http://schemas.openxmlformats.org/presentationml/2006/main" type="objOverTx" preserve="1">
   <p:cSld name="Title, Content over Content">
     <p:spTree>
       <p:nvGrpSpPr>
@@ -2817,14 +3011,15 @@
           </a:ln>
         </p:spPr>
         <p:txBody>
-          <a:bodyPr lIns="0" rIns="0" tIns="0" bIns="0" anchor="ctr">
+          <a:bodyPr lIns="0" tIns="0" rIns="0" bIns="0" anchor="ctr">
             <a:noAutofit/>
           </a:bodyPr>
+          <a:lstStyle/>
           <a:p>
             <a:pPr indent="0" algn="ctr">
               <a:buNone/>
             </a:pPr>
-            <a:endParaRPr b="0" lang="en-US" sz="4400" spc="-1" strike="noStrike">
+            <a:endParaRPr lang="en-US" sz="4400" b="0" strike="noStrike" spc="-1">
               <a:solidFill>
                 <a:srgbClr val="000000"/>
               </a:solidFill>
@@ -2857,9 +3052,10 @@
           </a:ln>
         </p:spPr>
         <p:txBody>
-          <a:bodyPr lIns="0" rIns="0" tIns="0" bIns="0" anchor="t">
+          <a:bodyPr lIns="0" tIns="0" rIns="0" bIns="0" anchor="t">
             <a:normAutofit/>
           </a:bodyPr>
+          <a:lstStyle/>
           <a:p>
             <a:pPr indent="0">
               <a:spcBef>
@@ -2867,7 +3063,7 @@
               </a:spcBef>
               <a:buNone/>
             </a:pPr>
-            <a:endParaRPr b="0" lang="en-US" sz="3200" spc="-1" strike="noStrike">
+            <a:endParaRPr lang="en-US" sz="3200" b="0" strike="noStrike" spc="-1">
               <a:solidFill>
                 <a:srgbClr val="000000"/>
               </a:solidFill>
@@ -2900,9 +3096,10 @@
           </a:ln>
         </p:spPr>
         <p:txBody>
-          <a:bodyPr lIns="0" rIns="0" tIns="0" bIns="0" anchor="t">
+          <a:bodyPr lIns="0" tIns="0" rIns="0" bIns="0" anchor="t">
             <a:normAutofit/>
           </a:bodyPr>
+          <a:lstStyle/>
           <a:p>
             <a:pPr indent="0">
               <a:spcBef>
@@ -2910,7 +3107,7 @@
               </a:spcBef>
               <a:buNone/>
             </a:pPr>
-            <a:endParaRPr b="0" lang="en-US" sz="3200" spc="-1" strike="noStrike">
+            <a:endParaRPr lang="en-US" sz="3200" b="0" strike="noStrike" spc="-1">
               <a:solidFill>
                 <a:srgbClr val="000000"/>
               </a:solidFill>
@@ -2932,6 +3129,7 @@
         <p:spPr/>
         <p:txBody>
           <a:bodyPr/>
+          <a:lstStyle/>
           <a:p>
             <a:r>
               <a:t>Footer</a:t>
@@ -2952,10 +3150,12 @@
         <p:spPr/>
         <p:txBody>
           <a:bodyPr/>
+          <a:lstStyle/>
           <a:p>
             <a:fld id="{857B045C-DF99-472F-97B2-0508C186AE42}" type="slidenum">
-              <a:t>&lt;#&gt;</a:t>
+              <a:t>‹#›</a:t>
             </a:fld>
+            <a:endParaRPr/>
           </a:p>
         </p:txBody>
       </p:sp>
@@ -2972,21 +3172,22 @@
         <p:spPr/>
         <p:txBody>
           <a:bodyPr/>
-          <a:p>
-            <a:r>
-              <a:rPr lang="en-US"/>
-              <a:t/>
-            </a:r>
+          <a:lstStyle/>
+          <a:p>
+            <a:endParaRPr/>
           </a:p>
         </p:txBody>
       </p:sp>
     </p:spTree>
   </p:cSld>
+  <p:clrMapOvr>
+    <a:masterClrMapping/>
+  </p:clrMapOvr>
 </p:sldLayout>
 </file>
 
 <file path=ppt/slideLayouts/slideLayout23.xml><?xml version="1.0" encoding="utf-8"?>
-<p:sldLayout xmlns:a="http://schemas.openxmlformats.org/drawingml/2006/main" xmlns:p="http://schemas.openxmlformats.org/presentationml/2006/main" xmlns:r="http://schemas.openxmlformats.org/officeDocument/2006/relationships" xmlns:p14="http://schemas.microsoft.com/office/powerpoint/2010/main" xmlns:p15="http://schemas.microsoft.com/office/powerpoint/2012/main" xmlns:mc="http://schemas.openxmlformats.org/markup-compatibility/2006" type="fourObj" preserve="1">
+<p:sldLayout xmlns:a="http://schemas.openxmlformats.org/drawingml/2006/main" xmlns:r="http://schemas.openxmlformats.org/officeDocument/2006/relationships" xmlns:p="http://schemas.openxmlformats.org/presentationml/2006/main" type="fourObj" preserve="1">
   <p:cSld name="Title, 4 Content">
     <p:spTree>
       <p:nvGrpSpPr>
@@ -3026,14 +3227,15 @@
           </a:ln>
         </p:spPr>
         <p:txBody>
-          <a:bodyPr lIns="0" rIns="0" tIns="0" bIns="0" anchor="ctr">
+          <a:bodyPr lIns="0" tIns="0" rIns="0" bIns="0" anchor="ctr">
             <a:noAutofit/>
           </a:bodyPr>
+          <a:lstStyle/>
           <a:p>
             <a:pPr indent="0" algn="ctr">
               <a:buNone/>
             </a:pPr>
-            <a:endParaRPr b="0" lang="en-US" sz="4400" spc="-1" strike="noStrike">
+            <a:endParaRPr lang="en-US" sz="4400" b="0" strike="noStrike" spc="-1">
               <a:solidFill>
                 <a:srgbClr val="000000"/>
               </a:solidFill>
@@ -3066,9 +3268,10 @@
           </a:ln>
         </p:spPr>
         <p:txBody>
-          <a:bodyPr lIns="0" rIns="0" tIns="0" bIns="0" anchor="t">
+          <a:bodyPr lIns="0" tIns="0" rIns="0" bIns="0" anchor="t">
             <a:normAutofit/>
           </a:bodyPr>
+          <a:lstStyle/>
           <a:p>
             <a:pPr indent="0">
               <a:spcBef>
@@ -3076,7 +3279,7 @@
               </a:spcBef>
               <a:buNone/>
             </a:pPr>
-            <a:endParaRPr b="0" lang="en-US" sz="3200" spc="-1" strike="noStrike">
+            <a:endParaRPr lang="en-US" sz="3200" b="0" strike="noStrike" spc="-1">
               <a:solidFill>
                 <a:srgbClr val="000000"/>
               </a:solidFill>
@@ -3109,9 +3312,10 @@
           </a:ln>
         </p:spPr>
         <p:txBody>
-          <a:bodyPr lIns="0" rIns="0" tIns="0" bIns="0" anchor="t">
+          <a:bodyPr lIns="0" tIns="0" rIns="0" bIns="0" anchor="t">
             <a:normAutofit/>
           </a:bodyPr>
+          <a:lstStyle/>
           <a:p>
             <a:pPr indent="0">
               <a:spcBef>
@@ -3119,7 +3323,7 @@
               </a:spcBef>
               <a:buNone/>
             </a:pPr>
-            <a:endParaRPr b="0" lang="en-US" sz="3200" spc="-1" strike="noStrike">
+            <a:endParaRPr lang="en-US" sz="3200" b="0" strike="noStrike" spc="-1">
               <a:solidFill>
                 <a:srgbClr val="000000"/>
               </a:solidFill>
@@ -3152,9 +3356,10 @@
           </a:ln>
         </p:spPr>
         <p:txBody>
-          <a:bodyPr lIns="0" rIns="0" tIns="0" bIns="0" anchor="t">
+          <a:bodyPr lIns="0" tIns="0" rIns="0" bIns="0" anchor="t">
             <a:normAutofit/>
           </a:bodyPr>
+          <a:lstStyle/>
           <a:p>
             <a:pPr indent="0">
               <a:spcBef>
@@ -3162,7 +3367,7 @@
               </a:spcBef>
               <a:buNone/>
             </a:pPr>
-            <a:endParaRPr b="0" lang="en-US" sz="3200" spc="-1" strike="noStrike">
+            <a:endParaRPr lang="en-US" sz="3200" b="0" strike="noStrike" spc="-1">
               <a:solidFill>
                 <a:srgbClr val="000000"/>
               </a:solidFill>
@@ -3195,9 +3400,10 @@
           </a:ln>
         </p:spPr>
         <p:txBody>
-          <a:bodyPr lIns="0" rIns="0" tIns="0" bIns="0" anchor="t">
+          <a:bodyPr lIns="0" tIns="0" rIns="0" bIns="0" anchor="t">
             <a:normAutofit/>
           </a:bodyPr>
+          <a:lstStyle/>
           <a:p>
             <a:pPr indent="0">
               <a:spcBef>
@@ -3205,7 +3411,7 @@
               </a:spcBef>
               <a:buNone/>
             </a:pPr>
-            <a:endParaRPr b="0" lang="en-US" sz="3200" spc="-1" strike="noStrike">
+            <a:endParaRPr lang="en-US" sz="3200" b="0" strike="noStrike" spc="-1">
               <a:solidFill>
                 <a:srgbClr val="000000"/>
               </a:solidFill>
@@ -3227,6 +3433,7 @@
         <p:spPr/>
         <p:txBody>
           <a:bodyPr/>
+          <a:lstStyle/>
           <a:p>
             <a:r>
               <a:t>Footer</a:t>
@@ -3247,10 +3454,12 @@
         <p:spPr/>
         <p:txBody>
           <a:bodyPr/>
+          <a:lstStyle/>
           <a:p>
             <a:fld id="{43D0BF46-CDB0-44F1-B31D-D7C53380EC2D}" type="slidenum">
-              <a:t>&lt;#&gt;</a:t>
+              <a:t>‹#›</a:t>
             </a:fld>
+            <a:endParaRPr/>
           </a:p>
         </p:txBody>
       </p:sp>
@@ -3267,21 +3476,22 @@
         <p:spPr/>
         <p:txBody>
           <a:bodyPr/>
-          <a:p>
-            <a:r>
-              <a:rPr lang="en-US"/>
-              <a:t/>
-            </a:r>
+          <a:lstStyle/>
+          <a:p>
+            <a:endParaRPr/>
           </a:p>
         </p:txBody>
       </p:sp>
     </p:spTree>
   </p:cSld>
+  <p:clrMapOvr>
+    <a:masterClrMapping/>
+  </p:clrMapOvr>
 </p:sldLayout>
 </file>
 
 <file path=ppt/slideLayouts/slideLayout24.xml><?xml version="1.0" encoding="utf-8"?>
-<p:sldLayout xmlns:a="http://schemas.openxmlformats.org/drawingml/2006/main" xmlns:p="http://schemas.openxmlformats.org/presentationml/2006/main" xmlns:r="http://schemas.openxmlformats.org/officeDocument/2006/relationships" xmlns:p14="http://schemas.microsoft.com/office/powerpoint/2010/main" xmlns:p15="http://schemas.microsoft.com/office/powerpoint/2012/main" xmlns:mc="http://schemas.openxmlformats.org/markup-compatibility/2006" type="blank" preserve="1">
+<p:sldLayout xmlns:a="http://schemas.openxmlformats.org/drawingml/2006/main" xmlns:r="http://schemas.openxmlformats.org/officeDocument/2006/relationships" xmlns:p="http://schemas.openxmlformats.org/presentationml/2006/main" type="blank" preserve="1">
   <p:cSld name="Title, 6 Content">
     <p:spTree>
       <p:nvGrpSpPr>
@@ -3321,14 +3531,15 @@
           </a:ln>
         </p:spPr>
         <p:txBody>
-          <a:bodyPr lIns="0" rIns="0" tIns="0" bIns="0" anchor="ctr">
+          <a:bodyPr lIns="0" tIns="0" rIns="0" bIns="0" anchor="ctr">
             <a:noAutofit/>
           </a:bodyPr>
+          <a:lstStyle/>
           <a:p>
             <a:pPr indent="0" algn="ctr">
               <a:buNone/>
             </a:pPr>
-            <a:endParaRPr b="0" lang="en-US" sz="4400" spc="-1" strike="noStrike">
+            <a:endParaRPr lang="en-US" sz="4400" b="0" strike="noStrike" spc="-1">
               <a:solidFill>
                 <a:srgbClr val="000000"/>
               </a:solidFill>
@@ -3361,9 +3572,10 @@
           </a:ln>
         </p:spPr>
         <p:txBody>
-          <a:bodyPr lIns="0" rIns="0" tIns="0" bIns="0" anchor="t">
+          <a:bodyPr lIns="0" tIns="0" rIns="0" bIns="0" anchor="t">
             <a:normAutofit/>
           </a:bodyPr>
+          <a:lstStyle/>
           <a:p>
             <a:pPr indent="0">
               <a:spcBef>
@@ -3371,7 +3583,7 @@
               </a:spcBef>
               <a:buNone/>
             </a:pPr>
-            <a:endParaRPr b="0" lang="en-US" sz="3200" spc="-1" strike="noStrike">
+            <a:endParaRPr lang="en-US" sz="3200" b="0" strike="noStrike" spc="-1">
               <a:solidFill>
                 <a:srgbClr val="000000"/>
               </a:solidFill>
@@ -3404,9 +3616,10 @@
           </a:ln>
         </p:spPr>
         <p:txBody>
-          <a:bodyPr lIns="0" rIns="0" tIns="0" bIns="0" anchor="t">
+          <a:bodyPr lIns="0" tIns="0" rIns="0" bIns="0" anchor="t">
             <a:normAutofit/>
           </a:bodyPr>
+          <a:lstStyle/>
           <a:p>
             <a:pPr indent="0">
               <a:spcBef>
@@ -3414,7 +3627,7 @@
               </a:spcBef>
               <a:buNone/>
             </a:pPr>
-            <a:endParaRPr b="0" lang="en-US" sz="3200" spc="-1" strike="noStrike">
+            <a:endParaRPr lang="en-US" sz="3200" b="0" strike="noStrike" spc="-1">
               <a:solidFill>
                 <a:srgbClr val="000000"/>
               </a:solidFill>
@@ -3447,9 +3660,10 @@
           </a:ln>
         </p:spPr>
         <p:txBody>
-          <a:bodyPr lIns="0" rIns="0" tIns="0" bIns="0" anchor="t">
+          <a:bodyPr lIns="0" tIns="0" rIns="0" bIns="0" anchor="t">
             <a:normAutofit/>
           </a:bodyPr>
+          <a:lstStyle/>
           <a:p>
             <a:pPr indent="0">
               <a:spcBef>
@@ -3457,7 +3671,7 @@
               </a:spcBef>
               <a:buNone/>
             </a:pPr>
-            <a:endParaRPr b="0" lang="en-US" sz="3200" spc="-1" strike="noStrike">
+            <a:endParaRPr lang="en-US" sz="3200" b="0" strike="noStrike" spc="-1">
               <a:solidFill>
                 <a:srgbClr val="000000"/>
               </a:solidFill>
@@ -3490,9 +3704,10 @@
           </a:ln>
         </p:spPr>
         <p:txBody>
-          <a:bodyPr lIns="0" rIns="0" tIns="0" bIns="0" anchor="t">
+          <a:bodyPr lIns="0" tIns="0" rIns="0" bIns="0" anchor="t">
             <a:normAutofit/>
           </a:bodyPr>
+          <a:lstStyle/>
           <a:p>
             <a:pPr indent="0">
               <a:spcBef>
@@ -3500,7 +3715,7 @@
               </a:spcBef>
               <a:buNone/>
             </a:pPr>
-            <a:endParaRPr b="0" lang="en-US" sz="3200" spc="-1" strike="noStrike">
+            <a:endParaRPr lang="en-US" sz="3200" b="0" strike="noStrike" spc="-1">
               <a:solidFill>
                 <a:srgbClr val="000000"/>
               </a:solidFill>
@@ -3533,9 +3748,10 @@
           </a:ln>
         </p:spPr>
         <p:txBody>
-          <a:bodyPr lIns="0" rIns="0" tIns="0" bIns="0" anchor="t">
+          <a:bodyPr lIns="0" tIns="0" rIns="0" bIns="0" anchor="t">
             <a:normAutofit/>
           </a:bodyPr>
+          <a:lstStyle/>
           <a:p>
             <a:pPr indent="0">
               <a:spcBef>
@@ -3543,7 +3759,7 @@
               </a:spcBef>
               <a:buNone/>
             </a:pPr>
-            <a:endParaRPr b="0" lang="en-US" sz="3200" spc="-1" strike="noStrike">
+            <a:endParaRPr lang="en-US" sz="3200" b="0" strike="noStrike" spc="-1">
               <a:solidFill>
                 <a:srgbClr val="000000"/>
               </a:solidFill>
@@ -3576,9 +3792,10 @@
           </a:ln>
         </p:spPr>
         <p:txBody>
-          <a:bodyPr lIns="0" rIns="0" tIns="0" bIns="0" anchor="t">
+          <a:bodyPr lIns="0" tIns="0" rIns="0" bIns="0" anchor="t">
             <a:normAutofit/>
           </a:bodyPr>
+          <a:lstStyle/>
           <a:p>
             <a:pPr indent="0">
               <a:spcBef>
@@ -3586,7 +3803,7 @@
               </a:spcBef>
               <a:buNone/>
             </a:pPr>
-            <a:endParaRPr b="0" lang="en-US" sz="3200" spc="-1" strike="noStrike">
+            <a:endParaRPr lang="en-US" sz="3200" b="0" strike="noStrike" spc="-1">
               <a:solidFill>
                 <a:srgbClr val="000000"/>
               </a:solidFill>
@@ -3608,6 +3825,7 @@
         <p:spPr/>
         <p:txBody>
           <a:bodyPr/>
+          <a:lstStyle/>
           <a:p>
             <a:r>
               <a:t>Footer</a:t>
@@ -3628,10 +3846,12 @@
         <p:spPr/>
         <p:txBody>
           <a:bodyPr/>
+          <a:lstStyle/>
           <a:p>
             <a:fld id="{A106FE29-0CEF-4E16-8FDC-9C136677BD68}" type="slidenum">
-              <a:t>&lt;#&gt;</a:t>
+              <a:t>‹#›</a:t>
             </a:fld>
+            <a:endParaRPr/>
           </a:p>
         </p:txBody>
       </p:sp>
@@ -3648,21 +3868,22 @@
         <p:spPr/>
         <p:txBody>
           <a:bodyPr/>
-          <a:p>
-            <a:r>
-              <a:rPr lang="en-US"/>
-              <a:t/>
-            </a:r>
+          <a:lstStyle/>
+          <a:p>
+            <a:endParaRPr/>
           </a:p>
         </p:txBody>
       </p:sp>
     </p:spTree>
   </p:cSld>
+  <p:clrMapOvr>
+    <a:masterClrMapping/>
+  </p:clrMapOvr>
 </p:sldLayout>
 </file>
 
 <file path=ppt/slideLayouts/slideLayout3.xml><?xml version="1.0" encoding="utf-8"?>
-<p:sldLayout xmlns:a="http://schemas.openxmlformats.org/drawingml/2006/main" xmlns:p="http://schemas.openxmlformats.org/presentationml/2006/main" xmlns:r="http://schemas.openxmlformats.org/officeDocument/2006/relationships" xmlns:p14="http://schemas.microsoft.com/office/powerpoint/2010/main" xmlns:p15="http://schemas.microsoft.com/office/powerpoint/2012/main" xmlns:mc="http://schemas.openxmlformats.org/markup-compatibility/2006" type="obj" preserve="1">
+<p:sldLayout xmlns:a="http://schemas.openxmlformats.org/drawingml/2006/main" xmlns:r="http://schemas.openxmlformats.org/officeDocument/2006/relationships" xmlns:p="http://schemas.openxmlformats.org/presentationml/2006/main" type="obj" preserve="1">
   <p:cSld name="Title, Content">
     <p:spTree>
       <p:nvGrpSpPr>
@@ -3702,14 +3923,15 @@
           </a:ln>
         </p:spPr>
         <p:txBody>
-          <a:bodyPr lIns="0" rIns="0" tIns="0" bIns="0" anchor="ctr">
+          <a:bodyPr lIns="0" tIns="0" rIns="0" bIns="0" anchor="ctr">
             <a:noAutofit/>
           </a:bodyPr>
+          <a:lstStyle/>
           <a:p>
             <a:pPr indent="0" algn="ctr">
               <a:buNone/>
             </a:pPr>
-            <a:endParaRPr b="0" lang="en-US" sz="4400" spc="-1" strike="noStrike">
+            <a:endParaRPr lang="en-US" sz="4400" b="0" strike="noStrike" spc="-1">
               <a:solidFill>
                 <a:srgbClr val="000000"/>
               </a:solidFill>
@@ -3742,9 +3964,10 @@
           </a:ln>
         </p:spPr>
         <p:txBody>
-          <a:bodyPr lIns="0" rIns="0" tIns="0" bIns="0" anchor="t">
+          <a:bodyPr lIns="0" tIns="0" rIns="0" bIns="0" anchor="t">
             <a:normAutofit/>
           </a:bodyPr>
+          <a:lstStyle/>
           <a:p>
             <a:pPr indent="0">
               <a:spcBef>
@@ -3752,7 +3975,7 @@
               </a:spcBef>
               <a:buNone/>
             </a:pPr>
-            <a:endParaRPr b="0" lang="en-US" sz="3200" spc="-1" strike="noStrike">
+            <a:endParaRPr lang="en-US" sz="3200" b="0" strike="noStrike" spc="-1">
               <a:solidFill>
                 <a:srgbClr val="000000"/>
               </a:solidFill>
@@ -3774,6 +3997,7 @@
         <p:spPr/>
         <p:txBody>
           <a:bodyPr/>
+          <a:lstStyle/>
           <a:p>
             <a:r>
               <a:t>Footer</a:t>
@@ -3794,10 +4018,12 @@
         <p:spPr/>
         <p:txBody>
           <a:bodyPr/>
+          <a:lstStyle/>
           <a:p>
             <a:fld id="{D36AC5A9-BF24-4F29-8363-8EED4C118293}" type="slidenum">
-              <a:t>&lt;#&gt;</a:t>
+              <a:t>‹#›</a:t>
             </a:fld>
+            <a:endParaRPr/>
           </a:p>
         </p:txBody>
       </p:sp>
@@ -3814,21 +4040,22 @@
         <p:spPr/>
         <p:txBody>
           <a:bodyPr/>
-          <a:p>
-            <a:r>
-              <a:rPr lang="en-US"/>
-              <a:t/>
-            </a:r>
+          <a:lstStyle/>
+          <a:p>
+            <a:endParaRPr/>
           </a:p>
         </p:txBody>
       </p:sp>
     </p:spTree>
   </p:cSld>
+  <p:clrMapOvr>
+    <a:masterClrMapping/>
+  </p:clrMapOvr>
 </p:sldLayout>
 </file>
 
 <file path=ppt/slideLayouts/slideLayout4.xml><?xml version="1.0" encoding="utf-8"?>
-<p:sldLayout xmlns:a="http://schemas.openxmlformats.org/drawingml/2006/main" xmlns:p="http://schemas.openxmlformats.org/presentationml/2006/main" xmlns:r="http://schemas.openxmlformats.org/officeDocument/2006/relationships" xmlns:p14="http://schemas.microsoft.com/office/powerpoint/2010/main" xmlns:p15="http://schemas.microsoft.com/office/powerpoint/2012/main" xmlns:mc="http://schemas.openxmlformats.org/markup-compatibility/2006" type="twoObj" preserve="1">
+<p:sldLayout xmlns:a="http://schemas.openxmlformats.org/drawingml/2006/main" xmlns:r="http://schemas.openxmlformats.org/officeDocument/2006/relationships" xmlns:p="http://schemas.openxmlformats.org/presentationml/2006/main" type="twoObj" preserve="1">
   <p:cSld name="Title, 2 Content">
     <p:spTree>
       <p:nvGrpSpPr>
@@ -3868,14 +4095,15 @@
           </a:ln>
         </p:spPr>
         <p:txBody>
-          <a:bodyPr lIns="0" rIns="0" tIns="0" bIns="0" anchor="ctr">
+          <a:bodyPr lIns="0" tIns="0" rIns="0" bIns="0" anchor="ctr">
             <a:noAutofit/>
           </a:bodyPr>
+          <a:lstStyle/>
           <a:p>
             <a:pPr indent="0" algn="ctr">
               <a:buNone/>
             </a:pPr>
-            <a:endParaRPr b="0" lang="en-US" sz="4400" spc="-1" strike="noStrike">
+            <a:endParaRPr lang="en-US" sz="4400" b="0" strike="noStrike" spc="-1">
               <a:solidFill>
                 <a:srgbClr val="000000"/>
               </a:solidFill>
@@ -3908,9 +4136,10 @@
           </a:ln>
         </p:spPr>
         <p:txBody>
-          <a:bodyPr lIns="0" rIns="0" tIns="0" bIns="0" anchor="t">
+          <a:bodyPr lIns="0" tIns="0" rIns="0" bIns="0" anchor="t">
             <a:normAutofit/>
           </a:bodyPr>
+          <a:lstStyle/>
           <a:p>
             <a:pPr indent="0">
               <a:spcBef>
@@ -3918,7 +4147,7 @@
               </a:spcBef>
               <a:buNone/>
             </a:pPr>
-            <a:endParaRPr b="0" lang="en-US" sz="3200" spc="-1" strike="noStrike">
+            <a:endParaRPr lang="en-US" sz="3200" b="0" strike="noStrike" spc="-1">
               <a:solidFill>
                 <a:srgbClr val="000000"/>
               </a:solidFill>
@@ -3951,9 +4180,10 @@
           </a:ln>
         </p:spPr>
         <p:txBody>
-          <a:bodyPr lIns="0" rIns="0" tIns="0" bIns="0" anchor="t">
+          <a:bodyPr lIns="0" tIns="0" rIns="0" bIns="0" anchor="t">
             <a:normAutofit/>
           </a:bodyPr>
+          <a:lstStyle/>
           <a:p>
             <a:pPr indent="0">
               <a:spcBef>
@@ -3961,7 +4191,7 @@
               </a:spcBef>
               <a:buNone/>
             </a:pPr>
-            <a:endParaRPr b="0" lang="en-US" sz="3200" spc="-1" strike="noStrike">
+            <a:endParaRPr lang="en-US" sz="3200" b="0" strike="noStrike" spc="-1">
               <a:solidFill>
                 <a:srgbClr val="000000"/>
               </a:solidFill>
@@ -3983,6 +4213,7 @@
         <p:spPr/>
         <p:txBody>
           <a:bodyPr/>
+          <a:lstStyle/>
           <a:p>
             <a:r>
               <a:t>Footer</a:t>
@@ -4003,10 +4234,12 @@
         <p:spPr/>
         <p:txBody>
           <a:bodyPr/>
+          <a:lstStyle/>
           <a:p>
             <a:fld id="{865EBB31-E2D1-4EB3-9CEA-3C6E58763078}" type="slidenum">
-              <a:t>&lt;#&gt;</a:t>
+              <a:t>‹#›</a:t>
             </a:fld>
+            <a:endParaRPr/>
           </a:p>
         </p:txBody>
       </p:sp>
@@ -4023,21 +4256,22 @@
         <p:spPr/>
         <p:txBody>
           <a:bodyPr/>
-          <a:p>
-            <a:r>
-              <a:rPr lang="en-US"/>
-              <a:t/>
-            </a:r>
+          <a:lstStyle/>
+          <a:p>
+            <a:endParaRPr/>
           </a:p>
         </p:txBody>
       </p:sp>
     </p:spTree>
   </p:cSld>
+  <p:clrMapOvr>
+    <a:masterClrMapping/>
+  </p:clrMapOvr>
 </p:sldLayout>
 </file>
 
 <file path=ppt/slideLayouts/slideLayout5.xml><?xml version="1.0" encoding="utf-8"?>
-<p:sldLayout xmlns:a="http://schemas.openxmlformats.org/drawingml/2006/main" xmlns:p="http://schemas.openxmlformats.org/presentationml/2006/main" xmlns:r="http://schemas.openxmlformats.org/officeDocument/2006/relationships" xmlns:p14="http://schemas.microsoft.com/office/powerpoint/2010/main" xmlns:p15="http://schemas.microsoft.com/office/powerpoint/2012/main" xmlns:mc="http://schemas.openxmlformats.org/markup-compatibility/2006" type="titleOnly" preserve="1">
+<p:sldLayout xmlns:a="http://schemas.openxmlformats.org/drawingml/2006/main" xmlns:r="http://schemas.openxmlformats.org/officeDocument/2006/relationships" xmlns:p="http://schemas.openxmlformats.org/presentationml/2006/main" type="titleOnly" preserve="1">
   <p:cSld name="Title Only">
     <p:spTree>
       <p:nvGrpSpPr>
@@ -4077,14 +4311,15 @@
           </a:ln>
         </p:spPr>
         <p:txBody>
-          <a:bodyPr lIns="0" rIns="0" tIns="0" bIns="0" anchor="ctr">
+          <a:bodyPr lIns="0" tIns="0" rIns="0" bIns="0" anchor="ctr">
             <a:noAutofit/>
           </a:bodyPr>
+          <a:lstStyle/>
           <a:p>
             <a:pPr indent="0" algn="ctr">
               <a:buNone/>
             </a:pPr>
-            <a:endParaRPr b="0" lang="en-US" sz="4400" spc="-1" strike="noStrike">
+            <a:endParaRPr lang="en-US" sz="4400" b="0" strike="noStrike" spc="-1">
               <a:solidFill>
                 <a:srgbClr val="000000"/>
               </a:solidFill>
@@ -4106,6 +4341,7 @@
         <p:spPr/>
         <p:txBody>
           <a:bodyPr/>
+          <a:lstStyle/>
           <a:p>
             <a:r>
               <a:t>Footer</a:t>
@@ -4126,10 +4362,12 @@
         <p:spPr/>
         <p:txBody>
           <a:bodyPr/>
+          <a:lstStyle/>
           <a:p>
             <a:fld id="{8C31FDA4-1361-4780-BF03-7707373DD7BF}" type="slidenum">
-              <a:t>&lt;#&gt;</a:t>
+              <a:t>‹#›</a:t>
             </a:fld>
+            <a:endParaRPr/>
           </a:p>
         </p:txBody>
       </p:sp>
@@ -4146,21 +4384,22 @@
         <p:spPr/>
         <p:txBody>
           <a:bodyPr/>
-          <a:p>
-            <a:r>
-              <a:rPr lang="en-US"/>
-              <a:t/>
-            </a:r>
+          <a:lstStyle/>
+          <a:p>
+            <a:endParaRPr/>
           </a:p>
         </p:txBody>
       </p:sp>
     </p:spTree>
   </p:cSld>
+  <p:clrMapOvr>
+    <a:masterClrMapping/>
+  </p:clrMapOvr>
 </p:sldLayout>
 </file>
 
 <file path=ppt/slideLayouts/slideLayout6.xml><?xml version="1.0" encoding="utf-8"?>
-<p:sldLayout xmlns:a="http://schemas.openxmlformats.org/drawingml/2006/main" xmlns:p="http://schemas.openxmlformats.org/presentationml/2006/main" xmlns:r="http://schemas.openxmlformats.org/officeDocument/2006/relationships" xmlns:p14="http://schemas.microsoft.com/office/powerpoint/2010/main" xmlns:p15="http://schemas.microsoft.com/office/powerpoint/2012/main" xmlns:mc="http://schemas.openxmlformats.org/markup-compatibility/2006" type="objOnly" preserve="1">
+<p:sldLayout xmlns:a="http://schemas.openxmlformats.org/drawingml/2006/main" xmlns:r="http://schemas.openxmlformats.org/officeDocument/2006/relationships" xmlns:p="http://schemas.openxmlformats.org/presentationml/2006/main" type="objOnly" preserve="1">
   <p:cSld name="Centered Text">
     <p:spTree>
       <p:nvGrpSpPr>
@@ -4200,12 +4439,13 @@
           </a:ln>
         </p:spPr>
         <p:txBody>
-          <a:bodyPr lIns="0" rIns="0" tIns="0" bIns="0" anchor="ctr">
+          <a:bodyPr lIns="0" tIns="0" rIns="0" bIns="0" anchor="ctr">
             <a:noAutofit/>
           </a:bodyPr>
+          <a:lstStyle/>
           <a:p>
             <a:pPr algn="ctr"/>
-            <a:endParaRPr b="0" lang="en-US" sz="3200" spc="-1" strike="noStrike">
+            <a:endParaRPr lang="en-US" sz="3200" b="0" strike="noStrike" spc="-1">
               <a:solidFill>
                 <a:srgbClr val="000000"/>
               </a:solidFill>
@@ -4227,6 +4467,7 @@
         <p:spPr/>
         <p:txBody>
           <a:bodyPr/>
+          <a:lstStyle/>
           <a:p>
             <a:r>
               <a:t>Footer</a:t>
@@ -4247,10 +4488,12 @@
         <p:spPr/>
         <p:txBody>
           <a:bodyPr/>
+          <a:lstStyle/>
           <a:p>
             <a:fld id="{31FCD76C-1F9A-4FBD-87F1-6B10628C9A02}" type="slidenum">
-              <a:t>&lt;#&gt;</a:t>
+              <a:t>‹#›</a:t>
             </a:fld>
+            <a:endParaRPr/>
           </a:p>
         </p:txBody>
       </p:sp>
@@ -4267,21 +4510,22 @@
         <p:spPr/>
         <p:txBody>
           <a:bodyPr/>
-          <a:p>
-            <a:r>
-              <a:rPr lang="en-US"/>
-              <a:t/>
-            </a:r>
+          <a:lstStyle/>
+          <a:p>
+            <a:endParaRPr/>
           </a:p>
         </p:txBody>
       </p:sp>
     </p:spTree>
   </p:cSld>
+  <p:clrMapOvr>
+    <a:masterClrMapping/>
+  </p:clrMapOvr>
 </p:sldLayout>
 </file>
 
 <file path=ppt/slideLayouts/slideLayout7.xml><?xml version="1.0" encoding="utf-8"?>
-<p:sldLayout xmlns:a="http://schemas.openxmlformats.org/drawingml/2006/main" xmlns:p="http://schemas.openxmlformats.org/presentationml/2006/main" xmlns:r="http://schemas.openxmlformats.org/officeDocument/2006/relationships" xmlns:p14="http://schemas.microsoft.com/office/powerpoint/2010/main" xmlns:p15="http://schemas.microsoft.com/office/powerpoint/2012/main" xmlns:mc="http://schemas.openxmlformats.org/markup-compatibility/2006" type="twoObjAndObj" preserve="1">
+<p:sldLayout xmlns:a="http://schemas.openxmlformats.org/drawingml/2006/main" xmlns:r="http://schemas.openxmlformats.org/officeDocument/2006/relationships" xmlns:p="http://schemas.openxmlformats.org/presentationml/2006/main" type="twoObjAndObj" preserve="1">
   <p:cSld name="Title, 2 Content and Content">
     <p:spTree>
       <p:nvGrpSpPr>
@@ -4321,14 +4565,15 @@
           </a:ln>
         </p:spPr>
         <p:txBody>
-          <a:bodyPr lIns="0" rIns="0" tIns="0" bIns="0" anchor="ctr">
+          <a:bodyPr lIns="0" tIns="0" rIns="0" bIns="0" anchor="ctr">
             <a:noAutofit/>
           </a:bodyPr>
+          <a:lstStyle/>
           <a:p>
             <a:pPr indent="0" algn="ctr">
               <a:buNone/>
             </a:pPr>
-            <a:endParaRPr b="0" lang="en-US" sz="4400" spc="-1" strike="noStrike">
+            <a:endParaRPr lang="en-US" sz="4400" b="0" strike="noStrike" spc="-1">
               <a:solidFill>
                 <a:srgbClr val="000000"/>
               </a:solidFill>
@@ -4361,9 +4606,10 @@
           </a:ln>
         </p:spPr>
         <p:txBody>
-          <a:bodyPr lIns="0" rIns="0" tIns="0" bIns="0" anchor="t">
+          <a:bodyPr lIns="0" tIns="0" rIns="0" bIns="0" anchor="t">
             <a:normAutofit/>
           </a:bodyPr>
+          <a:lstStyle/>
           <a:p>
             <a:pPr indent="0">
               <a:spcBef>
@@ -4371,7 +4617,7 @@
               </a:spcBef>
               <a:buNone/>
             </a:pPr>
-            <a:endParaRPr b="0" lang="en-US" sz="3200" spc="-1" strike="noStrike">
+            <a:endParaRPr lang="en-US" sz="3200" b="0" strike="noStrike" spc="-1">
               <a:solidFill>
                 <a:srgbClr val="000000"/>
               </a:solidFill>
@@ -4404,9 +4650,10 @@
           </a:ln>
         </p:spPr>
         <p:txBody>
-          <a:bodyPr lIns="0" rIns="0" tIns="0" bIns="0" anchor="t">
+          <a:bodyPr lIns="0" tIns="0" rIns="0" bIns="0" anchor="t">
             <a:normAutofit/>
           </a:bodyPr>
+          <a:lstStyle/>
           <a:p>
             <a:pPr indent="0">
               <a:spcBef>
@@ -4414,7 +4661,7 @@
               </a:spcBef>
               <a:buNone/>
             </a:pPr>
-            <a:endParaRPr b="0" lang="en-US" sz="3200" spc="-1" strike="noStrike">
+            <a:endParaRPr lang="en-US" sz="3200" b="0" strike="noStrike" spc="-1">
               <a:solidFill>
                 <a:srgbClr val="000000"/>
               </a:solidFill>
@@ -4447,9 +4694,10 @@
           </a:ln>
         </p:spPr>
         <p:txBody>
-          <a:bodyPr lIns="0" rIns="0" tIns="0" bIns="0" anchor="t">
+          <a:bodyPr lIns="0" tIns="0" rIns="0" bIns="0" anchor="t">
             <a:normAutofit/>
           </a:bodyPr>
+          <a:lstStyle/>
           <a:p>
             <a:pPr indent="0">
               <a:spcBef>
@@ -4457,7 +4705,7 @@
               </a:spcBef>
               <a:buNone/>
             </a:pPr>
-            <a:endParaRPr b="0" lang="en-US" sz="3200" spc="-1" strike="noStrike">
+            <a:endParaRPr lang="en-US" sz="3200" b="0" strike="noStrike" spc="-1">
               <a:solidFill>
                 <a:srgbClr val="000000"/>
               </a:solidFill>
@@ -4479,6 +4727,7 @@
         <p:spPr/>
         <p:txBody>
           <a:bodyPr/>
+          <a:lstStyle/>
           <a:p>
             <a:r>
               <a:t>Footer</a:t>
@@ -4499,10 +4748,12 @@
         <p:spPr/>
         <p:txBody>
           <a:bodyPr/>
+          <a:lstStyle/>
           <a:p>
             <a:fld id="{A1D8C712-7D8D-4B21-B2CF-038F18F72E73}" type="slidenum">
-              <a:t>&lt;#&gt;</a:t>
+              <a:t>‹#›</a:t>
             </a:fld>
+            <a:endParaRPr/>
           </a:p>
         </p:txBody>
       </p:sp>
@@ -4519,21 +4770,22 @@
         <p:spPr/>
         <p:txBody>
           <a:bodyPr/>
-          <a:p>
-            <a:r>
-              <a:rPr lang="en-US"/>
-              <a:t/>
-            </a:r>
+          <a:lstStyle/>
+          <a:p>
+            <a:endParaRPr/>
           </a:p>
         </p:txBody>
       </p:sp>
     </p:spTree>
   </p:cSld>
+  <p:clrMapOvr>
+    <a:masterClrMapping/>
+  </p:clrMapOvr>
 </p:sldLayout>
 </file>
 
 <file path=ppt/slideLayouts/slideLayout8.xml><?xml version="1.0" encoding="utf-8"?>
-<p:sldLayout xmlns:a="http://schemas.openxmlformats.org/drawingml/2006/main" xmlns:p="http://schemas.openxmlformats.org/presentationml/2006/main" xmlns:r="http://schemas.openxmlformats.org/officeDocument/2006/relationships" xmlns:p14="http://schemas.microsoft.com/office/powerpoint/2010/main" xmlns:p15="http://schemas.microsoft.com/office/powerpoint/2012/main" xmlns:mc="http://schemas.openxmlformats.org/markup-compatibility/2006" type="objAndTwoObj" preserve="1">
+<p:sldLayout xmlns:a="http://schemas.openxmlformats.org/drawingml/2006/main" xmlns:r="http://schemas.openxmlformats.org/officeDocument/2006/relationships" xmlns:p="http://schemas.openxmlformats.org/presentationml/2006/main" type="objAndTwoObj" preserve="1">
   <p:cSld name="Title Content and 2 Content">
     <p:spTree>
       <p:nvGrpSpPr>
@@ -4573,14 +4825,15 @@
           </a:ln>
         </p:spPr>
         <p:txBody>
-          <a:bodyPr lIns="0" rIns="0" tIns="0" bIns="0" anchor="ctr">
+          <a:bodyPr lIns="0" tIns="0" rIns="0" bIns="0" anchor="ctr">
             <a:noAutofit/>
           </a:bodyPr>
+          <a:lstStyle/>
           <a:p>
             <a:pPr indent="0" algn="ctr">
               <a:buNone/>
             </a:pPr>
-            <a:endParaRPr b="0" lang="en-US" sz="4400" spc="-1" strike="noStrike">
+            <a:endParaRPr lang="en-US" sz="4400" b="0" strike="noStrike" spc="-1">
               <a:solidFill>
                 <a:srgbClr val="000000"/>
               </a:solidFill>
@@ -4613,9 +4866,10 @@
           </a:ln>
         </p:spPr>
         <p:txBody>
-          <a:bodyPr lIns="0" rIns="0" tIns="0" bIns="0" anchor="t">
+          <a:bodyPr lIns="0" tIns="0" rIns="0" bIns="0" anchor="t">
             <a:normAutofit/>
           </a:bodyPr>
+          <a:lstStyle/>
           <a:p>
             <a:pPr indent="0">
               <a:spcBef>
@@ -4623,7 +4877,7 @@
               </a:spcBef>
               <a:buNone/>
             </a:pPr>
-            <a:endParaRPr b="0" lang="en-US" sz="3200" spc="-1" strike="noStrike">
+            <a:endParaRPr lang="en-US" sz="3200" b="0" strike="noStrike" spc="-1">
               <a:solidFill>
                 <a:srgbClr val="000000"/>
               </a:solidFill>
@@ -4656,9 +4910,10 @@
           </a:ln>
         </p:spPr>
         <p:txBody>
-          <a:bodyPr lIns="0" rIns="0" tIns="0" bIns="0" anchor="t">
+          <a:bodyPr lIns="0" tIns="0" rIns="0" bIns="0" anchor="t">
             <a:normAutofit/>
           </a:bodyPr>
+          <a:lstStyle/>
           <a:p>
             <a:pPr indent="0">
               <a:spcBef>
@@ -4666,7 +4921,7 @@
               </a:spcBef>
               <a:buNone/>
             </a:pPr>
-            <a:endParaRPr b="0" lang="en-US" sz="3200" spc="-1" strike="noStrike">
+            <a:endParaRPr lang="en-US" sz="3200" b="0" strike="noStrike" spc="-1">
               <a:solidFill>
                 <a:srgbClr val="000000"/>
               </a:solidFill>
@@ -4699,9 +4954,10 @@
           </a:ln>
         </p:spPr>
         <p:txBody>
-          <a:bodyPr lIns="0" rIns="0" tIns="0" bIns="0" anchor="t">
+          <a:bodyPr lIns="0" tIns="0" rIns="0" bIns="0" anchor="t">
             <a:normAutofit/>
           </a:bodyPr>
+          <a:lstStyle/>
           <a:p>
             <a:pPr indent="0">
               <a:spcBef>
@@ -4709,7 +4965,7 @@
               </a:spcBef>
               <a:buNone/>
             </a:pPr>
-            <a:endParaRPr b="0" lang="en-US" sz="3200" spc="-1" strike="noStrike">
+            <a:endParaRPr lang="en-US" sz="3200" b="0" strike="noStrike" spc="-1">
               <a:solidFill>
                 <a:srgbClr val="000000"/>
               </a:solidFill>
@@ -4731,6 +4987,7 @@
         <p:spPr/>
         <p:txBody>
           <a:bodyPr/>
+          <a:lstStyle/>
           <a:p>
             <a:r>
               <a:t>Footer</a:t>
@@ -4751,10 +5008,12 @@
         <p:spPr/>
         <p:txBody>
           <a:bodyPr/>
+          <a:lstStyle/>
           <a:p>
             <a:fld id="{FB36CD61-739B-4F67-BE03-3A8CB57FD833}" type="slidenum">
-              <a:t>&lt;#&gt;</a:t>
+              <a:t>‹#›</a:t>
             </a:fld>
+            <a:endParaRPr/>
           </a:p>
         </p:txBody>
       </p:sp>
@@ -4771,21 +5030,22 @@
         <p:spPr/>
         <p:txBody>
           <a:bodyPr/>
-          <a:p>
-            <a:r>
-              <a:rPr lang="en-US"/>
-              <a:t/>
-            </a:r>
+          <a:lstStyle/>
+          <a:p>
+            <a:endParaRPr/>
           </a:p>
         </p:txBody>
       </p:sp>
     </p:spTree>
   </p:cSld>
+  <p:clrMapOvr>
+    <a:masterClrMapping/>
+  </p:clrMapOvr>
 </p:sldLayout>
 </file>
 
 <file path=ppt/slideLayouts/slideLayout9.xml><?xml version="1.0" encoding="utf-8"?>
-<p:sldLayout xmlns:a="http://schemas.openxmlformats.org/drawingml/2006/main" xmlns:p="http://schemas.openxmlformats.org/presentationml/2006/main" xmlns:r="http://schemas.openxmlformats.org/officeDocument/2006/relationships" xmlns:p14="http://schemas.microsoft.com/office/powerpoint/2010/main" xmlns:p15="http://schemas.microsoft.com/office/powerpoint/2012/main" xmlns:mc="http://schemas.openxmlformats.org/markup-compatibility/2006" type="twoObjOverTx" preserve="1">
+<p:sldLayout xmlns:a="http://schemas.openxmlformats.org/drawingml/2006/main" xmlns:r="http://schemas.openxmlformats.org/officeDocument/2006/relationships" xmlns:p="http://schemas.openxmlformats.org/presentationml/2006/main" type="twoObjOverTx" preserve="1">
   <p:cSld name="Title, 2 Content over Content">
     <p:spTree>
       <p:nvGrpSpPr>
@@ -4825,14 +5085,15 @@
           </a:ln>
         </p:spPr>
         <p:txBody>
-          <a:bodyPr lIns="0" rIns="0" tIns="0" bIns="0" anchor="ctr">
+          <a:bodyPr lIns="0" tIns="0" rIns="0" bIns="0" anchor="ctr">
             <a:noAutofit/>
           </a:bodyPr>
+          <a:lstStyle/>
           <a:p>
             <a:pPr indent="0" algn="ctr">
               <a:buNone/>
             </a:pPr>
-            <a:endParaRPr b="0" lang="en-US" sz="4400" spc="-1" strike="noStrike">
+            <a:endParaRPr lang="en-US" sz="4400" b="0" strike="noStrike" spc="-1">
               <a:solidFill>
                 <a:srgbClr val="000000"/>
               </a:solidFill>
@@ -4865,9 +5126,10 @@
           </a:ln>
         </p:spPr>
         <p:txBody>
-          <a:bodyPr lIns="0" rIns="0" tIns="0" bIns="0" anchor="t">
+          <a:bodyPr lIns="0" tIns="0" rIns="0" bIns="0" anchor="t">
             <a:normAutofit/>
           </a:bodyPr>
+          <a:lstStyle/>
           <a:p>
             <a:pPr indent="0">
               <a:spcBef>
@@ -4875,7 +5137,7 @@
               </a:spcBef>
               <a:buNone/>
             </a:pPr>
-            <a:endParaRPr b="0" lang="en-US" sz="3200" spc="-1" strike="noStrike">
+            <a:endParaRPr lang="en-US" sz="3200" b="0" strike="noStrike" spc="-1">
               <a:solidFill>
                 <a:srgbClr val="000000"/>
               </a:solidFill>
@@ -4908,9 +5170,10 @@
           </a:ln>
         </p:spPr>
         <p:txBody>
-          <a:bodyPr lIns="0" rIns="0" tIns="0" bIns="0" anchor="t">
+          <a:bodyPr lIns="0" tIns="0" rIns="0" bIns="0" anchor="t">
             <a:normAutofit/>
           </a:bodyPr>
+          <a:lstStyle/>
           <a:p>
             <a:pPr indent="0">
               <a:spcBef>
@@ -4918,7 +5181,7 @@
               </a:spcBef>
               <a:buNone/>
             </a:pPr>
-            <a:endParaRPr b="0" lang="en-US" sz="3200" spc="-1" strike="noStrike">
+            <a:endParaRPr lang="en-US" sz="3200" b="0" strike="noStrike" spc="-1">
               <a:solidFill>
                 <a:srgbClr val="000000"/>
               </a:solidFill>
@@ -4951,9 +5214,10 @@
           </a:ln>
         </p:spPr>
         <p:txBody>
-          <a:bodyPr lIns="0" rIns="0" tIns="0" bIns="0" anchor="t">
+          <a:bodyPr lIns="0" tIns="0" rIns="0" bIns="0" anchor="t">
             <a:normAutofit/>
           </a:bodyPr>
+          <a:lstStyle/>
           <a:p>
             <a:pPr indent="0">
               <a:spcBef>
@@ -4961,7 +5225,7 @@
               </a:spcBef>
               <a:buNone/>
             </a:pPr>
-            <a:endParaRPr b="0" lang="en-US" sz="3200" spc="-1" strike="noStrike">
+            <a:endParaRPr lang="en-US" sz="3200" b="0" strike="noStrike" spc="-1">
               <a:solidFill>
                 <a:srgbClr val="000000"/>
               </a:solidFill>
@@ -4983,6 +5247,7 @@
         <p:spPr/>
         <p:txBody>
           <a:bodyPr/>
+          <a:lstStyle/>
           <a:p>
             <a:r>
               <a:t>Footer</a:t>
@@ -5003,10 +5268,12 @@
         <p:spPr/>
         <p:txBody>
           <a:bodyPr/>
+          <a:lstStyle/>
           <a:p>
             <a:fld id="{5FDBFFA8-3412-4D58-BE58-959E5077B716}" type="slidenum">
-              <a:t>&lt;#&gt;</a:t>
+              <a:t>‹#›</a:t>
             </a:fld>
+            <a:endParaRPr/>
           </a:p>
         </p:txBody>
       </p:sp>
@@ -5023,28 +5290,30 @@
         <p:spPr/>
         <p:txBody>
           <a:bodyPr/>
-          <a:p>
-            <a:r>
-              <a:rPr lang="en-US"/>
-              <a:t/>
-            </a:r>
+          <a:lstStyle/>
+          <a:p>
+            <a:endParaRPr/>
           </a:p>
         </p:txBody>
       </p:sp>
     </p:spTree>
   </p:cSld>
+  <p:clrMapOvr>
+    <a:masterClrMapping/>
+  </p:clrMapOvr>
 </p:sldLayout>
 </file>
 
 <file path=ppt/slideMasters/slideMaster1.xml><?xml version="1.0" encoding="utf-8"?>
-<p:sldMaster xmlns:a="http://schemas.openxmlformats.org/drawingml/2006/main" xmlns:p="http://schemas.openxmlformats.org/presentationml/2006/main" xmlns:r="http://schemas.openxmlformats.org/officeDocument/2006/relationships" xmlns:p14="http://schemas.microsoft.com/office/powerpoint/2010/main" xmlns:p15="http://schemas.microsoft.com/office/powerpoint/2012/main" xmlns:mc="http://schemas.openxmlformats.org/markup-compatibility/2006">
+<p:sldMaster xmlns:a="http://schemas.openxmlformats.org/drawingml/2006/main" xmlns:r="http://schemas.openxmlformats.org/officeDocument/2006/relationships" xmlns:p="http://schemas.openxmlformats.org/presentationml/2006/main">
   <p:cSld>
     <p:bg>
       <p:bgPr>
         <a:blipFill rotWithShape="0">
-          <a:blip r:embed="rId2"/>
+          <a:blip r:embed="rId14"/>
           <a:stretch/>
         </a:blipFill>
+        <a:effectLst/>
       </p:bgPr>
     </p:bg>
     <p:spTree>
@@ -5063,7 +5332,7 @@
       </p:grpSpPr>
       <p:sp>
         <p:nvSpPr>
-          <p:cNvPr id="0" name="PlaceHolder 1"/>
+          <p:cNvPr id="5" name="PlaceHolder 1"/>
           <p:cNvSpPr>
             <a:spLocks noGrp="1"/>
           </p:cNvSpPr>
@@ -5085,15 +5354,16 @@
           </a:ln>
         </p:spPr>
         <p:txBody>
-          <a:bodyPr numCol="1" spcCol="0" lIns="0" rIns="0" tIns="0" bIns="0" anchor="ctr">
+          <a:bodyPr lIns="0" tIns="0" rIns="0" bIns="0" numCol="1" spcCol="0" anchor="ctr">
             <a:noAutofit/>
           </a:bodyPr>
+          <a:lstStyle/>
           <a:p>
             <a:pPr indent="0">
               <a:buNone/>
             </a:pPr>
             <a:r>
-              <a:rPr b="0" lang="en-US" sz="1800" spc="-1" strike="noStrike">
+              <a:rPr lang="en-US" sz="1800" b="0" strike="noStrike" spc="-1">
                 <a:solidFill>
                   <a:srgbClr val="000000"/>
                 </a:solidFill>
@@ -5101,18 +5371,12 @@
               </a:rPr>
               <a:t>Click to edit the title text format</a:t>
             </a:r>
-            <a:endParaRPr b="0" lang="en-US" sz="1800" spc="-1" strike="noStrike">
-              <a:solidFill>
-                <a:srgbClr val="000000"/>
-              </a:solidFill>
-              <a:latin typeface="Arial"/>
-            </a:endParaRPr>
-          </a:p>
-        </p:txBody>
-      </p:sp>
-      <p:sp>
-        <p:nvSpPr>
-          <p:cNvPr id="1" name="PlaceHolder 2"/>
+          </a:p>
+        </p:txBody>
+      </p:sp>
+      <p:sp>
+        <p:nvSpPr>
+          <p:cNvPr id="6" name="PlaceHolder 2"/>
           <p:cNvSpPr>
             <a:spLocks noGrp="1"/>
           </p:cNvSpPr>
@@ -5134,9 +5398,10 @@
           </a:ln>
         </p:spPr>
         <p:txBody>
-          <a:bodyPr lIns="0" rIns="0" tIns="0" bIns="0" anchor="t">
+          <a:bodyPr lIns="0" tIns="0" rIns="0" bIns="0" anchor="t">
             <a:normAutofit/>
           </a:bodyPr>
+          <a:lstStyle/>
           <a:p>
             <a:pPr marL="432000" indent="-324000">
               <a:spcBef>
@@ -5150,7 +5415,7 @@
               <a:buChar char=""/>
             </a:pPr>
             <a:r>
-              <a:rPr b="0" lang="en-US" sz="1800" spc="-1" strike="noStrike">
+              <a:rPr lang="en-US" sz="1800" b="0" strike="noStrike" spc="-1">
                 <a:solidFill>
                   <a:srgbClr val="000000"/>
                 </a:solidFill>
@@ -5158,15 +5423,9 @@
               </a:rPr>
               <a:t>Click to edit the outline text format</a:t>
             </a:r>
-            <a:endParaRPr b="0" lang="en-US" sz="1800" spc="-1" strike="noStrike">
-              <a:solidFill>
-                <a:srgbClr val="000000"/>
-              </a:solidFill>
-              <a:latin typeface="Arial"/>
-            </a:endParaRPr>
-          </a:p>
-          <a:p>
-            <a:pPr lvl="1" marL="864000" indent="-324000">
+          </a:p>
+          <a:p>
+            <a:pPr marL="864000" lvl="1" indent="-324000">
               <a:spcBef>
                 <a:spcPts val="1134"/>
               </a:spcBef>
@@ -5178,7 +5437,7 @@
               <a:buChar char=""/>
             </a:pPr>
             <a:r>
-              <a:rPr b="0" lang="en-US" sz="1800" spc="-1" strike="noStrike">
+              <a:rPr lang="en-US" sz="1800" b="0" strike="noStrike" spc="-1">
                 <a:solidFill>
                   <a:srgbClr val="000000"/>
                 </a:solidFill>
@@ -5186,15 +5445,9 @@
               </a:rPr>
               <a:t>Second Outline Level</a:t>
             </a:r>
-            <a:endParaRPr b="0" lang="en-US" sz="1800" spc="-1" strike="noStrike">
-              <a:solidFill>
-                <a:srgbClr val="000000"/>
-              </a:solidFill>
-              <a:latin typeface="Arial"/>
-            </a:endParaRPr>
-          </a:p>
-          <a:p>
-            <a:pPr lvl="2" marL="1296000" indent="-288000">
+          </a:p>
+          <a:p>
+            <a:pPr marL="1296000" lvl="2" indent="-288000">
               <a:spcBef>
                 <a:spcPts val="850"/>
               </a:spcBef>
@@ -5206,7 +5459,7 @@
               <a:buChar char=""/>
             </a:pPr>
             <a:r>
-              <a:rPr b="0" lang="en-US" sz="1800" spc="-1" strike="noStrike">
+              <a:rPr lang="en-US" sz="1800" b="0" strike="noStrike" spc="-1">
                 <a:solidFill>
                   <a:srgbClr val="000000"/>
                 </a:solidFill>
@@ -5214,15 +5467,9 @@
               </a:rPr>
               <a:t>Third Outline Level</a:t>
             </a:r>
-            <a:endParaRPr b="0" lang="en-US" sz="1800" spc="-1" strike="noStrike">
-              <a:solidFill>
-                <a:srgbClr val="000000"/>
-              </a:solidFill>
-              <a:latin typeface="Arial"/>
-            </a:endParaRPr>
-          </a:p>
-          <a:p>
-            <a:pPr lvl="3" marL="1728000" indent="-216000">
+          </a:p>
+          <a:p>
+            <a:pPr marL="1728000" lvl="3" indent="-216000">
               <a:spcBef>
                 <a:spcPts val="567"/>
               </a:spcBef>
@@ -5234,7 +5481,7 @@
               <a:buChar char=""/>
             </a:pPr>
             <a:r>
-              <a:rPr b="0" lang="en-US" sz="1800" spc="-1" strike="noStrike">
+              <a:rPr lang="en-US" sz="1800" b="0" strike="noStrike" spc="-1">
                 <a:solidFill>
                   <a:srgbClr val="000000"/>
                 </a:solidFill>
@@ -5242,15 +5489,9 @@
               </a:rPr>
               <a:t>Fourth Outline Level</a:t>
             </a:r>
-            <a:endParaRPr b="0" lang="en-US" sz="1800" spc="-1" strike="noStrike">
-              <a:solidFill>
-                <a:srgbClr val="000000"/>
-              </a:solidFill>
-              <a:latin typeface="Arial"/>
-            </a:endParaRPr>
-          </a:p>
-          <a:p>
-            <a:pPr lvl="4" marL="2160000" indent="-216000">
+          </a:p>
+          <a:p>
+            <a:pPr marL="2160000" lvl="4" indent="-216000">
               <a:spcBef>
                 <a:spcPts val="283"/>
               </a:spcBef>
@@ -5262,7 +5503,7 @@
               <a:buChar char=""/>
             </a:pPr>
             <a:r>
-              <a:rPr b="0" lang="en-US" sz="1800" spc="-1" strike="noStrike">
+              <a:rPr lang="en-US" sz="1800" b="0" strike="noStrike" spc="-1">
                 <a:solidFill>
                   <a:srgbClr val="000000"/>
                 </a:solidFill>
@@ -5270,15 +5511,9 @@
               </a:rPr>
               <a:t>Fifth Outline Level</a:t>
             </a:r>
-            <a:endParaRPr b="0" lang="en-US" sz="1800" spc="-1" strike="noStrike">
-              <a:solidFill>
-                <a:srgbClr val="000000"/>
-              </a:solidFill>
-              <a:latin typeface="Arial"/>
-            </a:endParaRPr>
-          </a:p>
-          <a:p>
-            <a:pPr lvl="5" marL="2592000" indent="-216000">
+          </a:p>
+          <a:p>
+            <a:pPr marL="2592000" lvl="5" indent="-216000">
               <a:spcBef>
                 <a:spcPts val="283"/>
               </a:spcBef>
@@ -5290,7 +5525,7 @@
               <a:buChar char=""/>
             </a:pPr>
             <a:r>
-              <a:rPr b="0" lang="en-US" sz="1800" spc="-1" strike="noStrike">
+              <a:rPr lang="en-US" sz="1800" b="0" strike="noStrike" spc="-1">
                 <a:solidFill>
                   <a:srgbClr val="000000"/>
                 </a:solidFill>
@@ -5298,15 +5533,9 @@
               </a:rPr>
               <a:t>Sixth Outline Level</a:t>
             </a:r>
-            <a:endParaRPr b="0" lang="en-US" sz="1800" spc="-1" strike="noStrike">
-              <a:solidFill>
-                <a:srgbClr val="000000"/>
-              </a:solidFill>
-              <a:latin typeface="Arial"/>
-            </a:endParaRPr>
-          </a:p>
-          <a:p>
-            <a:pPr lvl="6" marL="3024000" indent="-216000">
+          </a:p>
+          <a:p>
+            <a:pPr marL="3024000" lvl="6" indent="-216000">
               <a:spcBef>
                 <a:spcPts val="283"/>
               </a:spcBef>
@@ -5318,7 +5547,7 @@
               <a:buChar char=""/>
             </a:pPr>
             <a:r>
-              <a:rPr b="0" lang="en-US" sz="1800" spc="-1" strike="noStrike">
+              <a:rPr lang="en-US" sz="1800" b="0" strike="noStrike" spc="-1">
                 <a:solidFill>
                   <a:srgbClr val="000000"/>
                 </a:solidFill>
@@ -5326,12 +5555,6 @@
               </a:rPr>
               <a:t>Seventh Outline Level</a:t>
             </a:r>
-            <a:endParaRPr b="0" lang="en-US" sz="1800" spc="-1" strike="noStrike">
-              <a:solidFill>
-                <a:srgbClr val="000000"/>
-              </a:solidFill>
-              <a:latin typeface="Arial"/>
-            </a:endParaRPr>
           </a:p>
         </p:txBody>
       </p:sp>
@@ -5359,7 +5582,7 @@
           </a:ln>
         </p:spPr>
         <p:txBody>
-          <a:bodyPr numCol="1" spcCol="0" lIns="91440" rIns="91440" tIns="45720" bIns="45720" anchor="t">
+          <a:bodyPr lIns="91440" tIns="45720" rIns="91440" bIns="45720" numCol="1" spcCol="0" anchor="t">
             <a:noAutofit/>
           </a:bodyPr>
           <a:lstStyle>
@@ -5369,9 +5592,9 @@
               </a:lnSpc>
               <a:buNone/>
               <a:tabLst>
-                <a:tab algn="l" pos="0"/>
+                <a:tab pos="0" algn="l"/>
               </a:tabLst>
-              <a:defRPr b="0" lang="en-US" sz="1400" spc="-1" strike="noStrike">
+              <a:defRPr lang="en-US" sz="1400" b="0" strike="noStrike" spc="-1">
                 <a:solidFill>
                   <a:srgbClr val="000000"/>
                 </a:solidFill>
@@ -5386,11 +5609,11 @@
               </a:lnSpc>
               <a:buNone/>
               <a:tabLst>
-                <a:tab algn="l" pos="0"/>
+                <a:tab pos="0" algn="l"/>
               </a:tabLst>
             </a:pPr>
             <a:r>
-              <a:rPr b="0" lang="en-US" sz="1400" spc="-1" strike="noStrike">
+              <a:rPr lang="en-US" sz="1400" b="0" strike="noStrike" spc="-1">
                 <a:solidFill>
                   <a:srgbClr val="000000"/>
                 </a:solidFill>
@@ -5398,12 +5621,6 @@
               </a:rPr>
               <a:t>&lt;footer&gt;</a:t>
             </a:r>
-            <a:endParaRPr b="0" lang="en-US" sz="1400" spc="-1" strike="noStrike">
-              <a:solidFill>
-                <a:srgbClr val="000000"/>
-              </a:solidFill>
-              <a:latin typeface="Times New Roman"/>
-            </a:endParaRPr>
           </a:p>
         </p:txBody>
       </p:sp>
@@ -5431,7 +5648,7 @@
           </a:ln>
         </p:spPr>
         <p:txBody>
-          <a:bodyPr numCol="1" spcCol="0" lIns="91440" rIns="91440" tIns="45720" bIns="45720" anchor="t">
+          <a:bodyPr lIns="91440" tIns="45720" rIns="91440" bIns="45720" numCol="1" spcCol="0" anchor="t">
             <a:noAutofit/>
           </a:bodyPr>
           <a:lstStyle>
@@ -5441,9 +5658,9 @@
               </a:lnSpc>
               <a:buNone/>
               <a:tabLst>
-                <a:tab algn="l" pos="0"/>
+                <a:tab pos="0" algn="l"/>
               </a:tabLst>
-              <a:defRPr b="0" lang="en-US" sz="1400" spc="-1" strike="noStrike">
+              <a:defRPr lang="en-US" sz="1400" b="0" strike="noStrike" spc="-1">
                 <a:solidFill>
                   <a:schemeClr val="dk1"/>
                 </a:solidFill>
@@ -5458,19 +5675,19 @@
               </a:lnSpc>
               <a:buNone/>
               <a:tabLst>
-                <a:tab algn="l" pos="0"/>
+                <a:tab pos="0" algn="l"/>
               </a:tabLst>
             </a:pPr>
             <a:fld id="{894D96CD-54F9-42C4-BB1A-C0274AC73B69}" type="slidenum">
-              <a:rPr b="0" lang="en-US" sz="1400" spc="-1" strike="noStrike">
+              <a:rPr lang="en-US" sz="1400" b="0" strike="noStrike" spc="-1">
                 <a:solidFill>
                   <a:schemeClr val="dk1"/>
                 </a:solidFill>
                 <a:latin typeface="Arial"/>
               </a:rPr>
-              <a:t>&lt;number&gt;</a:t>
+              <a:t>‹#›</a:t>
             </a:fld>
-            <a:endParaRPr b="0" lang="en-US" sz="1400" spc="-1" strike="noStrike">
+            <a:endParaRPr lang="en-US" sz="1400" b="0" strike="noStrike" spc="-1">
               <a:solidFill>
                 <a:srgbClr val="000000"/>
               </a:solidFill>
@@ -5503,13 +5720,13 @@
           </a:ln>
         </p:spPr>
         <p:txBody>
-          <a:bodyPr numCol="1" spcCol="0" lIns="91440" rIns="91440" tIns="45720" bIns="45720" anchor="t">
+          <a:bodyPr lIns="91440" tIns="45720" rIns="91440" bIns="45720" numCol="1" spcCol="0" anchor="t">
             <a:noAutofit/>
           </a:bodyPr>
           <a:lstStyle>
             <a:lvl1pPr indent="0">
               <a:buNone/>
-              <a:defRPr b="0" lang="en-US" sz="1400" spc="-1" strike="noStrike">
+              <a:defRPr lang="en-US" sz="1400" b="0" strike="noStrike" spc="-1">
                 <a:solidFill>
                   <a:srgbClr val="000000"/>
                 </a:solidFill>
@@ -5522,7 +5739,7 @@
               <a:buNone/>
             </a:pPr>
             <a:r>
-              <a:rPr b="0" lang="en-US" sz="1400" spc="-1" strike="noStrike">
+              <a:rPr lang="en-US" sz="1400" b="0" strike="noStrike" spc="-1">
                 <a:solidFill>
                   <a:srgbClr val="000000"/>
                 </a:solidFill>
@@ -5530,44 +5747,319 @@
               </a:rPr>
               <a:t>&lt;date/time&gt;</a:t>
             </a:r>
-            <a:endParaRPr b="0" lang="en-US" sz="1400" spc="-1" strike="noStrike">
-              <a:solidFill>
-                <a:srgbClr val="000000"/>
-              </a:solidFill>
-              <a:latin typeface="Times New Roman"/>
-            </a:endParaRPr>
           </a:p>
         </p:txBody>
       </p:sp>
     </p:spTree>
   </p:cSld>
-  <p:clrMap bg1="lt1" bg2="lt2" tx1="dk1" tx2="dk2" accent1="accent1" accent2="accent2" accent3="accent3" accent4="accent4" accent5="accent5" accent6="accent6" hlink="hlink" folHlink="folHlink"/>
+  <p:clrMap bg1="lt1" tx1="dk1" bg2="lt2" tx2="dk2" accent1="accent1" accent2="accent2" accent3="accent3" accent4="accent4" accent5="accent5" accent6="accent6" hlink="hlink" folHlink="folHlink"/>
   <p:sldLayoutIdLst>
-    <p:sldLayoutId id="2147483649" r:id="rId3"/>
-    <p:sldLayoutId id="2147483650" r:id="rId4"/>
-    <p:sldLayoutId id="2147483651" r:id="rId5"/>
-    <p:sldLayoutId id="2147483652" r:id="rId6"/>
-    <p:sldLayoutId id="2147483653" r:id="rId7"/>
-    <p:sldLayoutId id="2147483654" r:id="rId8"/>
-    <p:sldLayoutId id="2147483655" r:id="rId9"/>
-    <p:sldLayoutId id="2147483656" r:id="rId10"/>
-    <p:sldLayoutId id="2147483657" r:id="rId11"/>
-    <p:sldLayoutId id="2147483658" r:id="rId12"/>
-    <p:sldLayoutId id="2147483659" r:id="rId13"/>
-    <p:sldLayoutId id="2147483660" r:id="rId14"/>
+    <p:sldLayoutId id="2147483649" r:id="rId1"/>
+    <p:sldLayoutId id="2147483650" r:id="rId2"/>
+    <p:sldLayoutId id="2147483651" r:id="rId3"/>
+    <p:sldLayoutId id="2147483652" r:id="rId4"/>
+    <p:sldLayoutId id="2147483653" r:id="rId5"/>
+    <p:sldLayoutId id="2147483654" r:id="rId6"/>
+    <p:sldLayoutId id="2147483655" r:id="rId7"/>
+    <p:sldLayoutId id="2147483656" r:id="rId8"/>
+    <p:sldLayoutId id="2147483657" r:id="rId9"/>
+    <p:sldLayoutId id="2147483658" r:id="rId10"/>
+    <p:sldLayoutId id="2147483659" r:id="rId11"/>
+    <p:sldLayoutId id="2147483660" r:id="rId12"/>
   </p:sldLayoutIdLst>
+  <p:txStyles>
+    <p:titleStyle>
+      <a:lvl1pPr algn="l" defTabSz="914400" rtl="0" eaLnBrk="1" latinLnBrk="0" hangingPunct="1">
+        <a:lnSpc>
+          <a:spcPct val="90000"/>
+        </a:lnSpc>
+        <a:spcBef>
+          <a:spcPct val="0"/>
+        </a:spcBef>
+        <a:buNone/>
+        <a:defRPr sz="4400" kern="1200">
+          <a:solidFill>
+            <a:schemeClr val="tx1"/>
+          </a:solidFill>
+          <a:latin typeface="+mj-lt"/>
+          <a:ea typeface="+mj-ea"/>
+          <a:cs typeface="+mj-cs"/>
+        </a:defRPr>
+      </a:lvl1pPr>
+    </p:titleStyle>
+    <p:bodyStyle>
+      <a:lvl1pPr marL="228600" indent="-228600" algn="l" defTabSz="914400" rtl="0" eaLnBrk="1" latinLnBrk="0" hangingPunct="1">
+        <a:lnSpc>
+          <a:spcPct val="90000"/>
+        </a:lnSpc>
+        <a:spcBef>
+          <a:spcPts val="1000"/>
+        </a:spcBef>
+        <a:buFont typeface="Arial" panose="020B0604020202020204" pitchFamily="34" charset="0"/>
+        <a:buChar char="•"/>
+        <a:defRPr sz="2800" kern="1200">
+          <a:solidFill>
+            <a:schemeClr val="tx1"/>
+          </a:solidFill>
+          <a:latin typeface="+mn-lt"/>
+          <a:ea typeface="+mn-ea"/>
+          <a:cs typeface="+mn-cs"/>
+        </a:defRPr>
+      </a:lvl1pPr>
+      <a:lvl2pPr marL="685800" indent="-228600" algn="l" defTabSz="914400" rtl="0" eaLnBrk="1" latinLnBrk="0" hangingPunct="1">
+        <a:lnSpc>
+          <a:spcPct val="90000"/>
+        </a:lnSpc>
+        <a:spcBef>
+          <a:spcPts val="500"/>
+        </a:spcBef>
+        <a:buFont typeface="Arial" panose="020B0604020202020204" pitchFamily="34" charset="0"/>
+        <a:buChar char="•"/>
+        <a:defRPr sz="2400" kern="1200">
+          <a:solidFill>
+            <a:schemeClr val="tx1"/>
+          </a:solidFill>
+          <a:latin typeface="+mn-lt"/>
+          <a:ea typeface="+mn-ea"/>
+          <a:cs typeface="+mn-cs"/>
+        </a:defRPr>
+      </a:lvl2pPr>
+      <a:lvl3pPr marL="1143000" indent="-228600" algn="l" defTabSz="914400" rtl="0" eaLnBrk="1" latinLnBrk="0" hangingPunct="1">
+        <a:lnSpc>
+          <a:spcPct val="90000"/>
+        </a:lnSpc>
+        <a:spcBef>
+          <a:spcPts val="500"/>
+        </a:spcBef>
+        <a:buFont typeface="Arial" panose="020B0604020202020204" pitchFamily="34" charset="0"/>
+        <a:buChar char="•"/>
+        <a:defRPr sz="2000" kern="1200">
+          <a:solidFill>
+            <a:schemeClr val="tx1"/>
+          </a:solidFill>
+          <a:latin typeface="+mn-lt"/>
+          <a:ea typeface="+mn-ea"/>
+          <a:cs typeface="+mn-cs"/>
+        </a:defRPr>
+      </a:lvl3pPr>
+      <a:lvl4pPr marL="1600200" indent="-228600" algn="l" defTabSz="914400" rtl="0" eaLnBrk="1" latinLnBrk="0" hangingPunct="1">
+        <a:lnSpc>
+          <a:spcPct val="90000"/>
+        </a:lnSpc>
+        <a:spcBef>
+          <a:spcPts val="500"/>
+        </a:spcBef>
+        <a:buFont typeface="Arial" panose="020B0604020202020204" pitchFamily="34" charset="0"/>
+        <a:buChar char="•"/>
+        <a:defRPr sz="1800" kern="1200">
+          <a:solidFill>
+            <a:schemeClr val="tx1"/>
+          </a:solidFill>
+          <a:latin typeface="+mn-lt"/>
+          <a:ea typeface="+mn-ea"/>
+          <a:cs typeface="+mn-cs"/>
+        </a:defRPr>
+      </a:lvl4pPr>
+      <a:lvl5pPr marL="2057400" indent="-228600" algn="l" defTabSz="914400" rtl="0" eaLnBrk="1" latinLnBrk="0" hangingPunct="1">
+        <a:lnSpc>
+          <a:spcPct val="90000"/>
+        </a:lnSpc>
+        <a:spcBef>
+          <a:spcPts val="500"/>
+        </a:spcBef>
+        <a:buFont typeface="Arial" panose="020B0604020202020204" pitchFamily="34" charset="0"/>
+        <a:buChar char="•"/>
+        <a:defRPr sz="1800" kern="1200">
+          <a:solidFill>
+            <a:schemeClr val="tx1"/>
+          </a:solidFill>
+          <a:latin typeface="+mn-lt"/>
+          <a:ea typeface="+mn-ea"/>
+          <a:cs typeface="+mn-cs"/>
+        </a:defRPr>
+      </a:lvl5pPr>
+      <a:lvl6pPr marL="2514600" indent="-228600" algn="l" defTabSz="914400" rtl="0" eaLnBrk="1" latinLnBrk="0" hangingPunct="1">
+        <a:lnSpc>
+          <a:spcPct val="90000"/>
+        </a:lnSpc>
+        <a:spcBef>
+          <a:spcPts val="500"/>
+        </a:spcBef>
+        <a:buFont typeface="Arial" panose="020B0604020202020204" pitchFamily="34" charset="0"/>
+        <a:buChar char="•"/>
+        <a:defRPr sz="1800" kern="1200">
+          <a:solidFill>
+            <a:schemeClr val="tx1"/>
+          </a:solidFill>
+          <a:latin typeface="+mn-lt"/>
+          <a:ea typeface="+mn-ea"/>
+          <a:cs typeface="+mn-cs"/>
+        </a:defRPr>
+      </a:lvl6pPr>
+      <a:lvl7pPr marL="2971800" indent="-228600" algn="l" defTabSz="914400" rtl="0" eaLnBrk="1" latinLnBrk="0" hangingPunct="1">
+        <a:lnSpc>
+          <a:spcPct val="90000"/>
+        </a:lnSpc>
+        <a:spcBef>
+          <a:spcPts val="500"/>
+        </a:spcBef>
+        <a:buFont typeface="Arial" panose="020B0604020202020204" pitchFamily="34" charset="0"/>
+        <a:buChar char="•"/>
+        <a:defRPr sz="1800" kern="1200">
+          <a:solidFill>
+            <a:schemeClr val="tx1"/>
+          </a:solidFill>
+          <a:latin typeface="+mn-lt"/>
+          <a:ea typeface="+mn-ea"/>
+          <a:cs typeface="+mn-cs"/>
+        </a:defRPr>
+      </a:lvl7pPr>
+      <a:lvl8pPr marL="3429000" indent="-228600" algn="l" defTabSz="914400" rtl="0" eaLnBrk="1" latinLnBrk="0" hangingPunct="1">
+        <a:lnSpc>
+          <a:spcPct val="90000"/>
+        </a:lnSpc>
+        <a:spcBef>
+          <a:spcPts val="500"/>
+        </a:spcBef>
+        <a:buFont typeface="Arial" panose="020B0604020202020204" pitchFamily="34" charset="0"/>
+        <a:buChar char="•"/>
+        <a:defRPr sz="1800" kern="1200">
+          <a:solidFill>
+            <a:schemeClr val="tx1"/>
+          </a:solidFill>
+          <a:latin typeface="+mn-lt"/>
+          <a:ea typeface="+mn-ea"/>
+          <a:cs typeface="+mn-cs"/>
+        </a:defRPr>
+      </a:lvl8pPr>
+      <a:lvl9pPr marL="3886200" indent="-228600" algn="l" defTabSz="914400" rtl="0" eaLnBrk="1" latinLnBrk="0" hangingPunct="1">
+        <a:lnSpc>
+          <a:spcPct val="90000"/>
+        </a:lnSpc>
+        <a:spcBef>
+          <a:spcPts val="500"/>
+        </a:spcBef>
+        <a:buFont typeface="Arial" panose="020B0604020202020204" pitchFamily="34" charset="0"/>
+        <a:buChar char="•"/>
+        <a:defRPr sz="1800" kern="1200">
+          <a:solidFill>
+            <a:schemeClr val="tx1"/>
+          </a:solidFill>
+          <a:latin typeface="+mn-lt"/>
+          <a:ea typeface="+mn-ea"/>
+          <a:cs typeface="+mn-cs"/>
+        </a:defRPr>
+      </a:lvl9pPr>
+    </p:bodyStyle>
+    <p:otherStyle>
+      <a:defPPr>
+        <a:defRPr lang="en-US"/>
+      </a:defPPr>
+      <a:lvl1pPr marL="0" algn="l" defTabSz="914400" rtl="0" eaLnBrk="1" latinLnBrk="0" hangingPunct="1">
+        <a:defRPr sz="1800" kern="1200">
+          <a:solidFill>
+            <a:schemeClr val="tx1"/>
+          </a:solidFill>
+          <a:latin typeface="+mn-lt"/>
+          <a:ea typeface="+mn-ea"/>
+          <a:cs typeface="+mn-cs"/>
+        </a:defRPr>
+      </a:lvl1pPr>
+      <a:lvl2pPr marL="457200" algn="l" defTabSz="914400" rtl="0" eaLnBrk="1" latinLnBrk="0" hangingPunct="1">
+        <a:defRPr sz="1800" kern="1200">
+          <a:solidFill>
+            <a:schemeClr val="tx1"/>
+          </a:solidFill>
+          <a:latin typeface="+mn-lt"/>
+          <a:ea typeface="+mn-ea"/>
+          <a:cs typeface="+mn-cs"/>
+        </a:defRPr>
+      </a:lvl2pPr>
+      <a:lvl3pPr marL="914400" algn="l" defTabSz="914400" rtl="0" eaLnBrk="1" latinLnBrk="0" hangingPunct="1">
+        <a:defRPr sz="1800" kern="1200">
+          <a:solidFill>
+            <a:schemeClr val="tx1"/>
+          </a:solidFill>
+          <a:latin typeface="+mn-lt"/>
+          <a:ea typeface="+mn-ea"/>
+          <a:cs typeface="+mn-cs"/>
+        </a:defRPr>
+      </a:lvl3pPr>
+      <a:lvl4pPr marL="1371600" algn="l" defTabSz="914400" rtl="0" eaLnBrk="1" latinLnBrk="0" hangingPunct="1">
+        <a:defRPr sz="1800" kern="1200">
+          <a:solidFill>
+            <a:schemeClr val="tx1"/>
+          </a:solidFill>
+          <a:latin typeface="+mn-lt"/>
+          <a:ea typeface="+mn-ea"/>
+          <a:cs typeface="+mn-cs"/>
+        </a:defRPr>
+      </a:lvl4pPr>
+      <a:lvl5pPr marL="1828800" algn="l" defTabSz="914400" rtl="0" eaLnBrk="1" latinLnBrk="0" hangingPunct="1">
+        <a:defRPr sz="1800" kern="1200">
+          <a:solidFill>
+            <a:schemeClr val="tx1"/>
+          </a:solidFill>
+          <a:latin typeface="+mn-lt"/>
+          <a:ea typeface="+mn-ea"/>
+          <a:cs typeface="+mn-cs"/>
+        </a:defRPr>
+      </a:lvl5pPr>
+      <a:lvl6pPr marL="2286000" algn="l" defTabSz="914400" rtl="0" eaLnBrk="1" latinLnBrk="0" hangingPunct="1">
+        <a:defRPr sz="1800" kern="1200">
+          <a:solidFill>
+            <a:schemeClr val="tx1"/>
+          </a:solidFill>
+          <a:latin typeface="+mn-lt"/>
+          <a:ea typeface="+mn-ea"/>
+          <a:cs typeface="+mn-cs"/>
+        </a:defRPr>
+      </a:lvl6pPr>
+      <a:lvl7pPr marL="2743200" algn="l" defTabSz="914400" rtl="0" eaLnBrk="1" latinLnBrk="0" hangingPunct="1">
+        <a:defRPr sz="1800" kern="1200">
+          <a:solidFill>
+            <a:schemeClr val="tx1"/>
+          </a:solidFill>
+          <a:latin typeface="+mn-lt"/>
+          <a:ea typeface="+mn-ea"/>
+          <a:cs typeface="+mn-cs"/>
+        </a:defRPr>
+      </a:lvl7pPr>
+      <a:lvl8pPr marL="3200400" algn="l" defTabSz="914400" rtl="0" eaLnBrk="1" latinLnBrk="0" hangingPunct="1">
+        <a:defRPr sz="1800" kern="1200">
+          <a:solidFill>
+            <a:schemeClr val="tx1"/>
+          </a:solidFill>
+          <a:latin typeface="+mn-lt"/>
+          <a:ea typeface="+mn-ea"/>
+          <a:cs typeface="+mn-cs"/>
+        </a:defRPr>
+      </a:lvl8pPr>
+      <a:lvl9pPr marL="3657600" algn="l" defTabSz="914400" rtl="0" eaLnBrk="1" latinLnBrk="0" hangingPunct="1">
+        <a:defRPr sz="1800" kern="1200">
+          <a:solidFill>
+            <a:schemeClr val="tx1"/>
+          </a:solidFill>
+          <a:latin typeface="+mn-lt"/>
+          <a:ea typeface="+mn-ea"/>
+          <a:cs typeface="+mn-cs"/>
+        </a:defRPr>
+      </a:lvl9pPr>
+    </p:otherStyle>
+  </p:txStyles>
 </p:sldMaster>
 </file>
 
 <file path=ppt/slideMasters/slideMaster2.xml><?xml version="1.0" encoding="utf-8"?>
-<p:sldMaster xmlns:a="http://schemas.openxmlformats.org/drawingml/2006/main" xmlns:p="http://schemas.openxmlformats.org/presentationml/2006/main" xmlns:r="http://schemas.openxmlformats.org/officeDocument/2006/relationships" xmlns:p14="http://schemas.microsoft.com/office/powerpoint/2010/main" xmlns:p15="http://schemas.microsoft.com/office/powerpoint/2012/main" xmlns:mc="http://schemas.openxmlformats.org/markup-compatibility/2006">
+<p:sldMaster xmlns:a="http://schemas.openxmlformats.org/drawingml/2006/main" xmlns:r="http://schemas.openxmlformats.org/officeDocument/2006/relationships" xmlns:p="http://schemas.openxmlformats.org/presentationml/2006/main">
   <p:cSld>
     <p:bg>
       <p:bgPr>
         <a:blipFill rotWithShape="0">
-          <a:blip r:embed="rId2"/>
+          <a:blip r:embed="rId14"/>
           <a:stretch/>
         </a:blipFill>
+        <a:effectLst/>
       </p:bgPr>
     </p:bg>
     <p:spTree>
@@ -5608,7 +6100,7 @@
           </a:ln>
         </p:spPr>
         <p:txBody>
-          <a:bodyPr numCol="1" spcCol="0" lIns="91440" rIns="91440" tIns="45720" bIns="45720" anchor="t">
+          <a:bodyPr lIns="91440" tIns="45720" rIns="91440" bIns="45720" numCol="1" spcCol="0" anchor="t">
             <a:noAutofit/>
           </a:bodyPr>
           <a:lstStyle>
@@ -5618,9 +6110,9 @@
               </a:lnSpc>
               <a:buNone/>
               <a:tabLst>
-                <a:tab algn="l" pos="0"/>
+                <a:tab pos="0" algn="l"/>
               </a:tabLst>
-              <a:defRPr b="0" lang="en-US" sz="1400" spc="-1" strike="noStrike">
+              <a:defRPr lang="en-US" sz="1400" b="0" strike="noStrike" spc="-1">
                 <a:solidFill>
                   <a:srgbClr val="000000"/>
                 </a:solidFill>
@@ -5635,11 +6127,11 @@
               </a:lnSpc>
               <a:buNone/>
               <a:tabLst>
-                <a:tab algn="l" pos="0"/>
+                <a:tab pos="0" algn="l"/>
               </a:tabLst>
             </a:pPr>
             <a:r>
-              <a:rPr b="0" lang="en-US" sz="1400" spc="-1" strike="noStrike">
+              <a:rPr lang="en-US" sz="1400" b="0" strike="noStrike" spc="-1">
                 <a:solidFill>
                   <a:srgbClr val="000000"/>
                 </a:solidFill>
@@ -5647,12 +6139,6 @@
               </a:rPr>
               <a:t>&lt;footer&gt;</a:t>
             </a:r>
-            <a:endParaRPr b="0" lang="en-US" sz="1400" spc="-1" strike="noStrike">
-              <a:solidFill>
-                <a:srgbClr val="000000"/>
-              </a:solidFill>
-              <a:latin typeface="Times New Roman"/>
-            </a:endParaRPr>
           </a:p>
         </p:txBody>
       </p:sp>
@@ -5680,7 +6166,7 @@
           </a:ln>
         </p:spPr>
         <p:txBody>
-          <a:bodyPr numCol="1" spcCol="0" lIns="91440" rIns="91440" tIns="45720" bIns="45720" anchor="t">
+          <a:bodyPr lIns="91440" tIns="45720" rIns="91440" bIns="45720" numCol="1" spcCol="0" anchor="t">
             <a:noAutofit/>
           </a:bodyPr>
           <a:lstStyle>
@@ -5690,9 +6176,9 @@
               </a:lnSpc>
               <a:buNone/>
               <a:tabLst>
-                <a:tab algn="l" pos="0"/>
+                <a:tab pos="0" algn="l"/>
               </a:tabLst>
-              <a:defRPr b="0" lang="en-US" sz="1400" spc="-1" strike="noStrike">
+              <a:defRPr lang="en-US" sz="1400" b="0" strike="noStrike" spc="-1">
                 <a:solidFill>
                   <a:schemeClr val="dk1"/>
                 </a:solidFill>
@@ -5707,19 +6193,19 @@
               </a:lnSpc>
               <a:buNone/>
               <a:tabLst>
-                <a:tab algn="l" pos="0"/>
+                <a:tab pos="0" algn="l"/>
               </a:tabLst>
             </a:pPr>
             <a:fld id="{288B2A3D-B51C-42DC-B974-7F1A958FE6DF}" type="slidenum">
-              <a:rPr b="0" lang="en-US" sz="1400" spc="-1" strike="noStrike">
+              <a:rPr lang="en-US" sz="1400" b="0" strike="noStrike" spc="-1">
                 <a:solidFill>
                   <a:schemeClr val="dk1"/>
                 </a:solidFill>
                 <a:latin typeface="Arial"/>
               </a:rPr>
-              <a:t>&lt;number&gt;</a:t>
+              <a:t>‹#›</a:t>
             </a:fld>
-            <a:endParaRPr b="0" lang="en-US" sz="1400" spc="-1" strike="noStrike">
+            <a:endParaRPr lang="en-US" sz="1400" b="0" strike="noStrike" spc="-1">
               <a:solidFill>
                 <a:srgbClr val="000000"/>
               </a:solidFill>
@@ -5752,13 +6238,13 @@
           </a:ln>
         </p:spPr>
         <p:txBody>
-          <a:bodyPr numCol="1" spcCol="0" lIns="91440" rIns="91440" tIns="45720" bIns="45720" anchor="t">
+          <a:bodyPr lIns="91440" tIns="45720" rIns="91440" bIns="45720" numCol="1" spcCol="0" anchor="t">
             <a:noAutofit/>
           </a:bodyPr>
           <a:lstStyle>
             <a:lvl1pPr indent="0">
               <a:buNone/>
-              <a:defRPr b="0" lang="en-US" sz="1400" spc="-1" strike="noStrike">
+              <a:defRPr lang="en-US" sz="1400" b="0" strike="noStrike" spc="-1">
                 <a:solidFill>
                   <a:srgbClr val="000000"/>
                 </a:solidFill>
@@ -5771,7 +6257,7 @@
               <a:buNone/>
             </a:pPr>
             <a:r>
-              <a:rPr b="0" lang="en-US" sz="1400" spc="-1" strike="noStrike">
+              <a:rPr lang="en-US" sz="1400" b="0" strike="noStrike" spc="-1">
                 <a:solidFill>
                   <a:srgbClr val="000000"/>
                 </a:solidFill>
@@ -5779,12 +6265,6 @@
               </a:rPr>
               <a:t>&lt;date/time&gt;</a:t>
             </a:r>
-            <a:endParaRPr b="0" lang="en-US" sz="1400" spc="-1" strike="noStrike">
-              <a:solidFill>
-                <a:srgbClr val="000000"/>
-              </a:solidFill>
-              <a:latin typeface="Times New Roman"/>
-            </a:endParaRPr>
           </a:p>
         </p:txBody>
       </p:sp>
@@ -5812,15 +6292,16 @@
           </a:ln>
         </p:spPr>
         <p:txBody>
-          <a:bodyPr lIns="0" rIns="0" tIns="0" bIns="0" anchor="ctr">
+          <a:bodyPr lIns="0" tIns="0" rIns="0" bIns="0" anchor="ctr">
             <a:noAutofit/>
           </a:bodyPr>
+          <a:lstStyle/>
           <a:p>
             <a:pPr indent="0" algn="ctr">
               <a:buNone/>
             </a:pPr>
             <a:r>
-              <a:rPr b="0" lang="en-US" sz="4400" spc="-1" strike="noStrike">
+              <a:rPr lang="en-US" sz="4400" b="0" strike="noStrike" spc="-1">
                 <a:solidFill>
                   <a:srgbClr val="000000"/>
                 </a:solidFill>
@@ -5828,12 +6309,6 @@
               </a:rPr>
               <a:t>Click to edit the title text format</a:t>
             </a:r>
-            <a:endParaRPr b="0" lang="en-US" sz="4400" spc="-1" strike="noStrike">
-              <a:solidFill>
-                <a:srgbClr val="000000"/>
-              </a:solidFill>
-              <a:latin typeface="Arial"/>
-            </a:endParaRPr>
           </a:p>
         </p:txBody>
       </p:sp>
@@ -5861,9 +6336,10 @@
           </a:ln>
         </p:spPr>
         <p:txBody>
-          <a:bodyPr lIns="0" rIns="0" tIns="0" bIns="0" anchor="t">
+          <a:bodyPr lIns="0" tIns="0" rIns="0" bIns="0" anchor="t">
             <a:normAutofit/>
           </a:bodyPr>
+          <a:lstStyle/>
           <a:p>
             <a:pPr marL="432000" indent="-324000">
               <a:spcBef>
@@ -5877,7 +6353,7 @@
               <a:buChar char=""/>
             </a:pPr>
             <a:r>
-              <a:rPr b="0" lang="en-US" sz="3200" spc="-1" strike="noStrike">
+              <a:rPr lang="en-US" sz="3200" b="0" strike="noStrike" spc="-1">
                 <a:solidFill>
                   <a:srgbClr val="000000"/>
                 </a:solidFill>
@@ -5885,15 +6361,9 @@
               </a:rPr>
               <a:t>Click to edit the outline text format</a:t>
             </a:r>
-            <a:endParaRPr b="0" lang="en-US" sz="3200" spc="-1" strike="noStrike">
-              <a:solidFill>
-                <a:srgbClr val="000000"/>
-              </a:solidFill>
-              <a:latin typeface="Arial"/>
-            </a:endParaRPr>
-          </a:p>
-          <a:p>
-            <a:pPr lvl="1" marL="864000" indent="-324000">
+          </a:p>
+          <a:p>
+            <a:pPr marL="864000" lvl="1" indent="-324000">
               <a:spcBef>
                 <a:spcPts val="1134"/>
               </a:spcBef>
@@ -5905,7 +6375,7 @@
               <a:buChar char=""/>
             </a:pPr>
             <a:r>
-              <a:rPr b="0" lang="en-US" sz="2800" spc="-1" strike="noStrike">
+              <a:rPr lang="en-US" sz="2800" b="0" strike="noStrike" spc="-1">
                 <a:solidFill>
                   <a:srgbClr val="000000"/>
                 </a:solidFill>
@@ -5913,15 +6383,9 @@
               </a:rPr>
               <a:t>Second Outline Level</a:t>
             </a:r>
-            <a:endParaRPr b="0" lang="en-US" sz="2800" spc="-1" strike="noStrike">
-              <a:solidFill>
-                <a:srgbClr val="000000"/>
-              </a:solidFill>
-              <a:latin typeface="Arial"/>
-            </a:endParaRPr>
-          </a:p>
-          <a:p>
-            <a:pPr lvl="2" marL="1296000" indent="-288000">
+          </a:p>
+          <a:p>
+            <a:pPr marL="1296000" lvl="2" indent="-288000">
               <a:spcBef>
                 <a:spcPts val="850"/>
               </a:spcBef>
@@ -5933,7 +6397,7 @@
               <a:buChar char=""/>
             </a:pPr>
             <a:r>
-              <a:rPr b="0" lang="en-US" sz="2400" spc="-1" strike="noStrike">
+              <a:rPr lang="en-US" sz="2400" b="0" strike="noStrike" spc="-1">
                 <a:solidFill>
                   <a:srgbClr val="000000"/>
                 </a:solidFill>
@@ -5941,15 +6405,9 @@
               </a:rPr>
               <a:t>Third Outline Level</a:t>
             </a:r>
-            <a:endParaRPr b="0" lang="en-US" sz="2400" spc="-1" strike="noStrike">
-              <a:solidFill>
-                <a:srgbClr val="000000"/>
-              </a:solidFill>
-              <a:latin typeface="Arial"/>
-            </a:endParaRPr>
-          </a:p>
-          <a:p>
-            <a:pPr lvl="3" marL="1728000" indent="-216000">
+          </a:p>
+          <a:p>
+            <a:pPr marL="1728000" lvl="3" indent="-216000">
               <a:spcBef>
                 <a:spcPts val="567"/>
               </a:spcBef>
@@ -5961,7 +6419,7 @@
               <a:buChar char=""/>
             </a:pPr>
             <a:r>
-              <a:rPr b="0" lang="en-US" sz="2000" spc="-1" strike="noStrike">
+              <a:rPr lang="en-US" sz="2000" b="0" strike="noStrike" spc="-1">
                 <a:solidFill>
                   <a:srgbClr val="000000"/>
                 </a:solidFill>
@@ -5969,15 +6427,9 @@
               </a:rPr>
               <a:t>Fourth Outline Level</a:t>
             </a:r>
-            <a:endParaRPr b="0" lang="en-US" sz="2000" spc="-1" strike="noStrike">
-              <a:solidFill>
-                <a:srgbClr val="000000"/>
-              </a:solidFill>
-              <a:latin typeface="Arial"/>
-            </a:endParaRPr>
-          </a:p>
-          <a:p>
-            <a:pPr lvl="4" marL="2160000" indent="-216000">
+          </a:p>
+          <a:p>
+            <a:pPr marL="2160000" lvl="4" indent="-216000">
               <a:spcBef>
                 <a:spcPts val="283"/>
               </a:spcBef>
@@ -5989,7 +6441,7 @@
               <a:buChar char=""/>
             </a:pPr>
             <a:r>
-              <a:rPr b="0" lang="en-US" sz="2000" spc="-1" strike="noStrike">
+              <a:rPr lang="en-US" sz="2000" b="0" strike="noStrike" spc="-1">
                 <a:solidFill>
                   <a:srgbClr val="000000"/>
                 </a:solidFill>
@@ -5997,15 +6449,9 @@
               </a:rPr>
               <a:t>Fifth Outline Level</a:t>
             </a:r>
-            <a:endParaRPr b="0" lang="en-US" sz="2000" spc="-1" strike="noStrike">
-              <a:solidFill>
-                <a:srgbClr val="000000"/>
-              </a:solidFill>
-              <a:latin typeface="Arial"/>
-            </a:endParaRPr>
-          </a:p>
-          <a:p>
-            <a:pPr lvl="5" marL="2592000" indent="-216000">
+          </a:p>
+          <a:p>
+            <a:pPr marL="2592000" lvl="5" indent="-216000">
               <a:spcBef>
                 <a:spcPts val="283"/>
               </a:spcBef>
@@ -6017,7 +6463,7 @@
               <a:buChar char=""/>
             </a:pPr>
             <a:r>
-              <a:rPr b="0" lang="en-US" sz="2000" spc="-1" strike="noStrike">
+              <a:rPr lang="en-US" sz="2000" b="0" strike="noStrike" spc="-1">
                 <a:solidFill>
                   <a:srgbClr val="000000"/>
                 </a:solidFill>
@@ -6025,15 +6471,9 @@
               </a:rPr>
               <a:t>Sixth Outline Level</a:t>
             </a:r>
-            <a:endParaRPr b="0" lang="en-US" sz="2000" spc="-1" strike="noStrike">
-              <a:solidFill>
-                <a:srgbClr val="000000"/>
-              </a:solidFill>
-              <a:latin typeface="Arial"/>
-            </a:endParaRPr>
-          </a:p>
-          <a:p>
-            <a:pPr lvl="6" marL="3024000" indent="-216000">
+          </a:p>
+          <a:p>
+            <a:pPr marL="3024000" lvl="6" indent="-216000">
               <a:spcBef>
                 <a:spcPts val="283"/>
               </a:spcBef>
@@ -6045,7 +6485,7 @@
               <a:buChar char=""/>
             </a:pPr>
             <a:r>
-              <a:rPr b="0" lang="en-US" sz="2000" spc="-1" strike="noStrike">
+              <a:rPr lang="en-US" sz="2000" b="0" strike="noStrike" spc="-1">
                 <a:solidFill>
                   <a:srgbClr val="000000"/>
                 </a:solidFill>
@@ -6053,44 +6493,319 @@
               </a:rPr>
               <a:t>Seventh Outline Level</a:t>
             </a:r>
-            <a:endParaRPr b="0" lang="en-US" sz="2000" spc="-1" strike="noStrike">
-              <a:solidFill>
-                <a:srgbClr val="000000"/>
-              </a:solidFill>
-              <a:latin typeface="Arial"/>
-            </a:endParaRPr>
           </a:p>
         </p:txBody>
       </p:sp>
     </p:spTree>
   </p:cSld>
-  <p:clrMap bg1="lt1" bg2="lt2" tx1="dk1" tx2="dk2" accent1="accent1" accent2="accent2" accent3="accent3" accent4="accent4" accent5="accent5" accent6="accent6" hlink="hlink" folHlink="folHlink"/>
+  <p:clrMap bg1="lt1" tx1="dk1" bg2="lt2" tx2="dk2" accent1="accent1" accent2="accent2" accent3="accent3" accent4="accent4" accent5="accent5" accent6="accent6" hlink="hlink" folHlink="folHlink"/>
   <p:sldLayoutIdLst>
-    <p:sldLayoutId id="2147483662" r:id="rId3"/>
-    <p:sldLayoutId id="2147483663" r:id="rId4"/>
-    <p:sldLayoutId id="2147483664" r:id="rId5"/>
-    <p:sldLayoutId id="2147483665" r:id="rId6"/>
-    <p:sldLayoutId id="2147483666" r:id="rId7"/>
-    <p:sldLayoutId id="2147483667" r:id="rId8"/>
-    <p:sldLayoutId id="2147483668" r:id="rId9"/>
-    <p:sldLayoutId id="2147483669" r:id="rId10"/>
-    <p:sldLayoutId id="2147483670" r:id="rId11"/>
-    <p:sldLayoutId id="2147483671" r:id="rId12"/>
-    <p:sldLayoutId id="2147483672" r:id="rId13"/>
-    <p:sldLayoutId id="2147483673" r:id="rId14"/>
+    <p:sldLayoutId id="2147483662" r:id="rId1"/>
+    <p:sldLayoutId id="2147483663" r:id="rId2"/>
+    <p:sldLayoutId id="2147483664" r:id="rId3"/>
+    <p:sldLayoutId id="2147483665" r:id="rId4"/>
+    <p:sldLayoutId id="2147483666" r:id="rId5"/>
+    <p:sldLayoutId id="2147483667" r:id="rId6"/>
+    <p:sldLayoutId id="2147483668" r:id="rId7"/>
+    <p:sldLayoutId id="2147483669" r:id="rId8"/>
+    <p:sldLayoutId id="2147483670" r:id="rId9"/>
+    <p:sldLayoutId id="2147483671" r:id="rId10"/>
+    <p:sldLayoutId id="2147483672" r:id="rId11"/>
+    <p:sldLayoutId id="2147483673" r:id="rId12"/>
   </p:sldLayoutIdLst>
+  <p:txStyles>
+    <p:titleStyle>
+      <a:lvl1pPr algn="l" defTabSz="914400" rtl="0" eaLnBrk="1" latinLnBrk="0" hangingPunct="1">
+        <a:lnSpc>
+          <a:spcPct val="90000"/>
+        </a:lnSpc>
+        <a:spcBef>
+          <a:spcPct val="0"/>
+        </a:spcBef>
+        <a:buNone/>
+        <a:defRPr sz="4400" kern="1200">
+          <a:solidFill>
+            <a:schemeClr val="tx1"/>
+          </a:solidFill>
+          <a:latin typeface="+mj-lt"/>
+          <a:ea typeface="+mj-ea"/>
+          <a:cs typeface="+mj-cs"/>
+        </a:defRPr>
+      </a:lvl1pPr>
+    </p:titleStyle>
+    <p:bodyStyle>
+      <a:lvl1pPr marL="228600" indent="-228600" algn="l" defTabSz="914400" rtl="0" eaLnBrk="1" latinLnBrk="0" hangingPunct="1">
+        <a:lnSpc>
+          <a:spcPct val="90000"/>
+        </a:lnSpc>
+        <a:spcBef>
+          <a:spcPts val="1000"/>
+        </a:spcBef>
+        <a:buFont typeface="Arial" panose="020B0604020202020204" pitchFamily="34" charset="0"/>
+        <a:buChar char="•"/>
+        <a:defRPr sz="2800" kern="1200">
+          <a:solidFill>
+            <a:schemeClr val="tx1"/>
+          </a:solidFill>
+          <a:latin typeface="+mn-lt"/>
+          <a:ea typeface="+mn-ea"/>
+          <a:cs typeface="+mn-cs"/>
+        </a:defRPr>
+      </a:lvl1pPr>
+      <a:lvl2pPr marL="685800" indent="-228600" algn="l" defTabSz="914400" rtl="0" eaLnBrk="1" latinLnBrk="0" hangingPunct="1">
+        <a:lnSpc>
+          <a:spcPct val="90000"/>
+        </a:lnSpc>
+        <a:spcBef>
+          <a:spcPts val="500"/>
+        </a:spcBef>
+        <a:buFont typeface="Arial" panose="020B0604020202020204" pitchFamily="34" charset="0"/>
+        <a:buChar char="•"/>
+        <a:defRPr sz="2400" kern="1200">
+          <a:solidFill>
+            <a:schemeClr val="tx1"/>
+          </a:solidFill>
+          <a:latin typeface="+mn-lt"/>
+          <a:ea typeface="+mn-ea"/>
+          <a:cs typeface="+mn-cs"/>
+        </a:defRPr>
+      </a:lvl2pPr>
+      <a:lvl3pPr marL="1143000" indent="-228600" algn="l" defTabSz="914400" rtl="0" eaLnBrk="1" latinLnBrk="0" hangingPunct="1">
+        <a:lnSpc>
+          <a:spcPct val="90000"/>
+        </a:lnSpc>
+        <a:spcBef>
+          <a:spcPts val="500"/>
+        </a:spcBef>
+        <a:buFont typeface="Arial" panose="020B0604020202020204" pitchFamily="34" charset="0"/>
+        <a:buChar char="•"/>
+        <a:defRPr sz="2000" kern="1200">
+          <a:solidFill>
+            <a:schemeClr val="tx1"/>
+          </a:solidFill>
+          <a:latin typeface="+mn-lt"/>
+          <a:ea typeface="+mn-ea"/>
+          <a:cs typeface="+mn-cs"/>
+        </a:defRPr>
+      </a:lvl3pPr>
+      <a:lvl4pPr marL="1600200" indent="-228600" algn="l" defTabSz="914400" rtl="0" eaLnBrk="1" latinLnBrk="0" hangingPunct="1">
+        <a:lnSpc>
+          <a:spcPct val="90000"/>
+        </a:lnSpc>
+        <a:spcBef>
+          <a:spcPts val="500"/>
+        </a:spcBef>
+        <a:buFont typeface="Arial" panose="020B0604020202020204" pitchFamily="34" charset="0"/>
+        <a:buChar char="•"/>
+        <a:defRPr sz="1800" kern="1200">
+          <a:solidFill>
+            <a:schemeClr val="tx1"/>
+          </a:solidFill>
+          <a:latin typeface="+mn-lt"/>
+          <a:ea typeface="+mn-ea"/>
+          <a:cs typeface="+mn-cs"/>
+        </a:defRPr>
+      </a:lvl4pPr>
+      <a:lvl5pPr marL="2057400" indent="-228600" algn="l" defTabSz="914400" rtl="0" eaLnBrk="1" latinLnBrk="0" hangingPunct="1">
+        <a:lnSpc>
+          <a:spcPct val="90000"/>
+        </a:lnSpc>
+        <a:spcBef>
+          <a:spcPts val="500"/>
+        </a:spcBef>
+        <a:buFont typeface="Arial" panose="020B0604020202020204" pitchFamily="34" charset="0"/>
+        <a:buChar char="•"/>
+        <a:defRPr sz="1800" kern="1200">
+          <a:solidFill>
+            <a:schemeClr val="tx1"/>
+          </a:solidFill>
+          <a:latin typeface="+mn-lt"/>
+          <a:ea typeface="+mn-ea"/>
+          <a:cs typeface="+mn-cs"/>
+        </a:defRPr>
+      </a:lvl5pPr>
+      <a:lvl6pPr marL="2514600" indent="-228600" algn="l" defTabSz="914400" rtl="0" eaLnBrk="1" latinLnBrk="0" hangingPunct="1">
+        <a:lnSpc>
+          <a:spcPct val="90000"/>
+        </a:lnSpc>
+        <a:spcBef>
+          <a:spcPts val="500"/>
+        </a:spcBef>
+        <a:buFont typeface="Arial" panose="020B0604020202020204" pitchFamily="34" charset="0"/>
+        <a:buChar char="•"/>
+        <a:defRPr sz="1800" kern="1200">
+          <a:solidFill>
+            <a:schemeClr val="tx1"/>
+          </a:solidFill>
+          <a:latin typeface="+mn-lt"/>
+          <a:ea typeface="+mn-ea"/>
+          <a:cs typeface="+mn-cs"/>
+        </a:defRPr>
+      </a:lvl6pPr>
+      <a:lvl7pPr marL="2971800" indent="-228600" algn="l" defTabSz="914400" rtl="0" eaLnBrk="1" latinLnBrk="0" hangingPunct="1">
+        <a:lnSpc>
+          <a:spcPct val="90000"/>
+        </a:lnSpc>
+        <a:spcBef>
+          <a:spcPts val="500"/>
+        </a:spcBef>
+        <a:buFont typeface="Arial" panose="020B0604020202020204" pitchFamily="34" charset="0"/>
+        <a:buChar char="•"/>
+        <a:defRPr sz="1800" kern="1200">
+          <a:solidFill>
+            <a:schemeClr val="tx1"/>
+          </a:solidFill>
+          <a:latin typeface="+mn-lt"/>
+          <a:ea typeface="+mn-ea"/>
+          <a:cs typeface="+mn-cs"/>
+        </a:defRPr>
+      </a:lvl7pPr>
+      <a:lvl8pPr marL="3429000" indent="-228600" algn="l" defTabSz="914400" rtl="0" eaLnBrk="1" latinLnBrk="0" hangingPunct="1">
+        <a:lnSpc>
+          <a:spcPct val="90000"/>
+        </a:lnSpc>
+        <a:spcBef>
+          <a:spcPts val="500"/>
+        </a:spcBef>
+        <a:buFont typeface="Arial" panose="020B0604020202020204" pitchFamily="34" charset="0"/>
+        <a:buChar char="•"/>
+        <a:defRPr sz="1800" kern="1200">
+          <a:solidFill>
+            <a:schemeClr val="tx1"/>
+          </a:solidFill>
+          <a:latin typeface="+mn-lt"/>
+          <a:ea typeface="+mn-ea"/>
+          <a:cs typeface="+mn-cs"/>
+        </a:defRPr>
+      </a:lvl8pPr>
+      <a:lvl9pPr marL="3886200" indent="-228600" algn="l" defTabSz="914400" rtl="0" eaLnBrk="1" latinLnBrk="0" hangingPunct="1">
+        <a:lnSpc>
+          <a:spcPct val="90000"/>
+        </a:lnSpc>
+        <a:spcBef>
+          <a:spcPts val="500"/>
+        </a:spcBef>
+        <a:buFont typeface="Arial" panose="020B0604020202020204" pitchFamily="34" charset="0"/>
+        <a:buChar char="•"/>
+        <a:defRPr sz="1800" kern="1200">
+          <a:solidFill>
+            <a:schemeClr val="tx1"/>
+          </a:solidFill>
+          <a:latin typeface="+mn-lt"/>
+          <a:ea typeface="+mn-ea"/>
+          <a:cs typeface="+mn-cs"/>
+        </a:defRPr>
+      </a:lvl9pPr>
+    </p:bodyStyle>
+    <p:otherStyle>
+      <a:defPPr>
+        <a:defRPr lang="en-US"/>
+      </a:defPPr>
+      <a:lvl1pPr marL="0" algn="l" defTabSz="914400" rtl="0" eaLnBrk="1" latinLnBrk="0" hangingPunct="1">
+        <a:defRPr sz="1800" kern="1200">
+          <a:solidFill>
+            <a:schemeClr val="tx1"/>
+          </a:solidFill>
+          <a:latin typeface="+mn-lt"/>
+          <a:ea typeface="+mn-ea"/>
+          <a:cs typeface="+mn-cs"/>
+        </a:defRPr>
+      </a:lvl1pPr>
+      <a:lvl2pPr marL="457200" algn="l" defTabSz="914400" rtl="0" eaLnBrk="1" latinLnBrk="0" hangingPunct="1">
+        <a:defRPr sz="1800" kern="1200">
+          <a:solidFill>
+            <a:schemeClr val="tx1"/>
+          </a:solidFill>
+          <a:latin typeface="+mn-lt"/>
+          <a:ea typeface="+mn-ea"/>
+          <a:cs typeface="+mn-cs"/>
+        </a:defRPr>
+      </a:lvl2pPr>
+      <a:lvl3pPr marL="914400" algn="l" defTabSz="914400" rtl="0" eaLnBrk="1" latinLnBrk="0" hangingPunct="1">
+        <a:defRPr sz="1800" kern="1200">
+          <a:solidFill>
+            <a:schemeClr val="tx1"/>
+          </a:solidFill>
+          <a:latin typeface="+mn-lt"/>
+          <a:ea typeface="+mn-ea"/>
+          <a:cs typeface="+mn-cs"/>
+        </a:defRPr>
+      </a:lvl3pPr>
+      <a:lvl4pPr marL="1371600" algn="l" defTabSz="914400" rtl="0" eaLnBrk="1" latinLnBrk="0" hangingPunct="1">
+        <a:defRPr sz="1800" kern="1200">
+          <a:solidFill>
+            <a:schemeClr val="tx1"/>
+          </a:solidFill>
+          <a:latin typeface="+mn-lt"/>
+          <a:ea typeface="+mn-ea"/>
+          <a:cs typeface="+mn-cs"/>
+        </a:defRPr>
+      </a:lvl4pPr>
+      <a:lvl5pPr marL="1828800" algn="l" defTabSz="914400" rtl="0" eaLnBrk="1" latinLnBrk="0" hangingPunct="1">
+        <a:defRPr sz="1800" kern="1200">
+          <a:solidFill>
+            <a:schemeClr val="tx1"/>
+          </a:solidFill>
+          <a:latin typeface="+mn-lt"/>
+          <a:ea typeface="+mn-ea"/>
+          <a:cs typeface="+mn-cs"/>
+        </a:defRPr>
+      </a:lvl5pPr>
+      <a:lvl6pPr marL="2286000" algn="l" defTabSz="914400" rtl="0" eaLnBrk="1" latinLnBrk="0" hangingPunct="1">
+        <a:defRPr sz="1800" kern="1200">
+          <a:solidFill>
+            <a:schemeClr val="tx1"/>
+          </a:solidFill>
+          <a:latin typeface="+mn-lt"/>
+          <a:ea typeface="+mn-ea"/>
+          <a:cs typeface="+mn-cs"/>
+        </a:defRPr>
+      </a:lvl6pPr>
+      <a:lvl7pPr marL="2743200" algn="l" defTabSz="914400" rtl="0" eaLnBrk="1" latinLnBrk="0" hangingPunct="1">
+        <a:defRPr sz="1800" kern="1200">
+          <a:solidFill>
+            <a:schemeClr val="tx1"/>
+          </a:solidFill>
+          <a:latin typeface="+mn-lt"/>
+          <a:ea typeface="+mn-ea"/>
+          <a:cs typeface="+mn-cs"/>
+        </a:defRPr>
+      </a:lvl7pPr>
+      <a:lvl8pPr marL="3200400" algn="l" defTabSz="914400" rtl="0" eaLnBrk="1" latinLnBrk="0" hangingPunct="1">
+        <a:defRPr sz="1800" kern="1200">
+          <a:solidFill>
+            <a:schemeClr val="tx1"/>
+          </a:solidFill>
+          <a:latin typeface="+mn-lt"/>
+          <a:ea typeface="+mn-ea"/>
+          <a:cs typeface="+mn-cs"/>
+        </a:defRPr>
+      </a:lvl8pPr>
+      <a:lvl9pPr marL="3657600" algn="l" defTabSz="914400" rtl="0" eaLnBrk="1" latinLnBrk="0" hangingPunct="1">
+        <a:defRPr sz="1800" kern="1200">
+          <a:solidFill>
+            <a:schemeClr val="tx1"/>
+          </a:solidFill>
+          <a:latin typeface="+mn-lt"/>
+          <a:ea typeface="+mn-ea"/>
+          <a:cs typeface="+mn-cs"/>
+        </a:defRPr>
+      </a:lvl9pPr>
+    </p:otherStyle>
+  </p:txStyles>
 </p:sldMaster>
 </file>
 
 <file path=ppt/slides/slide1.xml><?xml version="1.0" encoding="utf-8"?>
-<p:sld xmlns:a="http://schemas.openxmlformats.org/drawingml/2006/main" xmlns:p="http://schemas.openxmlformats.org/presentationml/2006/main" xmlns:r="http://schemas.openxmlformats.org/officeDocument/2006/relationships" xmlns:p14="http://schemas.microsoft.com/office/powerpoint/2010/main" xmlns:p15="http://schemas.microsoft.com/office/powerpoint/2012/main" xmlns:mc="http://schemas.openxmlformats.org/markup-compatibility/2006" showMasterSp="0">
+<p:sld xmlns:a="http://schemas.openxmlformats.org/drawingml/2006/main" xmlns:r="http://schemas.openxmlformats.org/officeDocument/2006/relationships" xmlns:p="http://schemas.openxmlformats.org/presentationml/2006/main" showMasterSp="0">
   <p:cSld>
     <p:bg>
       <p:bgPr>
         <a:blipFill rotWithShape="0">
-          <a:blip r:embed="rId1"/>
+          <a:blip r:embed="rId2"/>
           <a:stretch/>
         </a:blipFill>
+        <a:effectLst/>
       </p:bgPr>
     </p:bg>
     <p:spTree>
@@ -6131,9 +6846,10 @@
           </a:ln>
         </p:spPr>
         <p:txBody>
-          <a:bodyPr numCol="1" spcCol="0" lIns="91440" rIns="91440" tIns="45720" bIns="45720" anchor="ctr">
+          <a:bodyPr lIns="91440" tIns="45720" rIns="91440" bIns="45720" numCol="1" spcCol="0" anchor="ctr">
             <a:noAutofit/>
           </a:bodyPr>
+          <a:lstStyle/>
           <a:p>
             <a:pPr indent="0" algn="ctr">
               <a:lnSpc>
@@ -6141,36 +6857,37 @@
               </a:lnSpc>
               <a:buNone/>
               <a:tabLst>
-                <a:tab algn="l" pos="0"/>
+                <a:tab pos="0" algn="l"/>
               </a:tabLst>
             </a:pPr>
             <a:r>
-              <a:rPr b="1" lang="en-US" sz="3600" spc="-1" strike="noStrike">
+              <a:rPr lang="en-US" sz="4000" b="1" strike="noStrike" spc="-1" dirty="0">
                 <a:solidFill>
-                  <a:srgbClr val="000000"/>
+                  <a:srgbClr val="FF0000"/>
                 </a:solidFill>
                 <a:latin typeface="Arial"/>
               </a:rPr>
               <a:t>Course Project:</a:t>
             </a:r>
             <a:br>
-              <a:rPr sz="3600"/>
+              <a:rPr sz="4000" dirty="0">
+                <a:solidFill>
+                  <a:srgbClr val="FF0000"/>
+                </a:solidFill>
+              </a:rPr>
             </a:br>
             <a:r>
-              <a:rPr b="1" lang="en-US" sz="3600" spc="-1" strike="noStrike">
+              <a:rPr lang="en-US" sz="4000" b="1" strike="noStrike" spc="-1" dirty="0">
                 <a:solidFill>
-                  <a:srgbClr val="000000"/>
+                  <a:srgbClr val="FF0000"/>
                 </a:solidFill>
                 <a:latin typeface="Arial"/>
               </a:rPr>
               <a:t>Student Management</a:t>
             </a:r>
-            <a:br>
-              <a:rPr sz="3600"/>
-            </a:br>
-            <a:endParaRPr b="0" lang="en-US" sz="3600" spc="-1" strike="noStrike">
+            <a:endParaRPr lang="en-US" sz="3600" b="0" strike="noStrike" spc="-1" dirty="0">
               <a:solidFill>
-                <a:srgbClr val="000000"/>
+                <a:srgbClr val="FF0000"/>
               </a:solidFill>
               <a:latin typeface="Arial"/>
             </a:endParaRPr>
@@ -6201,9 +6918,10 @@
           </a:ln>
         </p:spPr>
         <p:txBody>
-          <a:bodyPr numCol="1" spcCol="0" lIns="91440" rIns="91440" tIns="45720" bIns="45720" anchor="t">
+          <a:bodyPr lIns="91440" tIns="45720" rIns="91440" bIns="45720" numCol="1" spcCol="0" anchor="t">
             <a:noAutofit/>
           </a:bodyPr>
+          <a:lstStyle/>
           <a:p>
             <a:pPr indent="0">
               <a:lnSpc>
@@ -6211,54 +6929,52 @@
               </a:lnSpc>
               <a:buNone/>
               <a:tabLst>
-                <a:tab algn="l" pos="0"/>
+                <a:tab pos="0" algn="l"/>
               </a:tabLst>
             </a:pPr>
             <a:r>
-              <a:rPr b="1" lang="en-US" sz="1800" spc="-1" strike="noStrike">
+              <a:rPr lang="en-US" sz="2400" b="1" strike="noStrike" spc="-1" dirty="0">
                 <a:solidFill>
-                  <a:srgbClr val="000000"/>
+                  <a:srgbClr val="0070C0"/>
                 </a:solidFill>
                 <a:latin typeface="Arial"/>
               </a:rPr>
               <a:t>Member:</a:t>
             </a:r>
             <a:br>
-              <a:rPr sz="1800"/>
+              <a:rPr sz="2400" dirty="0"/>
             </a:br>
             <a:r>
-              <a:rPr b="0" lang="en-US" sz="1800" spc="-1" strike="noStrike">
+              <a:rPr lang="en-US" sz="2400" b="0" strike="noStrike" spc="-1" dirty="0" err="1">
                 <a:solidFill>
                   <a:srgbClr val="000000"/>
                 </a:solidFill>
                 <a:latin typeface="Arial"/>
               </a:rPr>
-              <a:t>Nguyễn Quang Vinh - B2105727</a:t>
+              <a:t>Nguyễn</a:t>
             </a:r>
-            <a:endParaRPr b="0" lang="en-US" sz="1800" spc="-1" strike="noStrike">
-              <a:solidFill>
-                <a:srgbClr val="000000"/>
-              </a:solidFill>
-              <a:latin typeface="Arial"/>
-            </a:endParaRPr>
+            <a:r>
+              <a:rPr lang="en-US" sz="2400" b="0" strike="noStrike" spc="-1" dirty="0">
+                <a:solidFill>
+                  <a:srgbClr val="000000"/>
+                </a:solidFill>
+                <a:latin typeface="Arial"/>
+              </a:rPr>
+              <a:t> Quang Vinh - B2105727</a:t>
+            </a:r>
           </a:p>
         </p:txBody>
       </p:sp>
     </p:spTree>
   </p:cSld>
-  <mc:AlternateContent>
-    <mc:Choice Requires="p14">
-      <p:transition spd="slow" p14:dur="2000"/>
-    </mc:Choice>
-    <mc:Fallback>
-      <p:transition spd="slow"/>
-    </mc:Fallback>
-  </mc:AlternateContent>
+  <p:clrMapOvr>
+    <a:masterClrMapping/>
+  </p:clrMapOvr>
 </p:sld>
 </file>
 
 <file path=ppt/slides/slide10.xml><?xml version="1.0" encoding="utf-8"?>
-<p:sld xmlns:a="http://schemas.openxmlformats.org/drawingml/2006/main" xmlns:p="http://schemas.openxmlformats.org/presentationml/2006/main" xmlns:r="http://schemas.openxmlformats.org/officeDocument/2006/relationships" xmlns:p14="http://schemas.microsoft.com/office/powerpoint/2010/main" xmlns:p15="http://schemas.microsoft.com/office/powerpoint/2012/main" xmlns:mc="http://schemas.openxmlformats.org/markup-compatibility/2006">
+<p:sld xmlns:a="http://schemas.openxmlformats.org/drawingml/2006/main" xmlns:r="http://schemas.openxmlformats.org/officeDocument/2006/relationships" xmlns:p="http://schemas.openxmlformats.org/presentationml/2006/main">
   <p:cSld>
     <p:spTree>
       <p:nvGrpSpPr>
@@ -6298,9 +7014,10 @@
           </a:ln>
         </p:spPr>
         <p:txBody>
-          <a:bodyPr numCol="1" spcCol="0" lIns="91440" rIns="91440" tIns="45720" bIns="45720" anchor="ctr">
+          <a:bodyPr lIns="91440" tIns="45720" rIns="91440" bIns="45720" numCol="1" spcCol="0" anchor="ctr">
             <a:noAutofit/>
           </a:bodyPr>
+          <a:lstStyle/>
           <a:p>
             <a:pPr indent="0" algn="ctr">
               <a:lnSpc>
@@ -6308,35 +7025,29 @@
               </a:lnSpc>
               <a:buNone/>
               <a:tabLst>
-                <a:tab algn="l" pos="0"/>
+                <a:tab pos="0" algn="l"/>
               </a:tabLst>
             </a:pPr>
             <a:r>
-              <a:rPr b="0" lang="en-US" sz="4400" spc="-1" strike="noStrike">
+              <a:rPr lang="en-US" sz="4400" b="0" strike="noStrike" spc="-1" dirty="0">
                 <a:solidFill>
-                  <a:srgbClr val="000000"/>
+                  <a:srgbClr val="FF0000"/>
                 </a:solidFill>
                 <a:latin typeface="Arial"/>
               </a:rPr>
               <a:t>REPORT_CARD</a:t>
             </a:r>
-            <a:endParaRPr b="0" lang="en-US" sz="4400" spc="-1" strike="noStrike">
-              <a:solidFill>
-                <a:srgbClr val="000000"/>
-              </a:solidFill>
-              <a:latin typeface="Arial"/>
-            </a:endParaRPr>
           </a:p>
         </p:txBody>
       </p:sp>
       <p:pic>
         <p:nvPicPr>
-          <p:cNvPr id="101" name="" descr=""/>
+          <p:cNvPr id="101" name="Picture 100"/>
           <p:cNvPicPr/>
           <p:nvPr/>
         </p:nvPicPr>
         <p:blipFill>
-          <a:blip r:embed="rId1"/>
+          <a:blip r:embed="rId2"/>
           <a:stretch/>
         </p:blipFill>
         <p:spPr>
@@ -6354,19 +7065,14 @@
       </p:pic>
     </p:spTree>
   </p:cSld>
-  <mc:AlternateContent>
-    <mc:Choice Requires="p14">
-      <p:transition spd="slow" p14:dur="2000"/>
-    </mc:Choice>
-    <mc:Fallback>
-      <p:transition spd="slow"/>
-    </mc:Fallback>
-  </mc:AlternateContent>
+  <p:clrMapOvr>
+    <a:masterClrMapping/>
+  </p:clrMapOvr>
 </p:sld>
 </file>
 
 <file path=ppt/slides/slide11.xml><?xml version="1.0" encoding="utf-8"?>
-<p:sld xmlns:a="http://schemas.openxmlformats.org/drawingml/2006/main" xmlns:p="http://schemas.openxmlformats.org/presentationml/2006/main" xmlns:r="http://schemas.openxmlformats.org/officeDocument/2006/relationships" xmlns:p14="http://schemas.microsoft.com/office/powerpoint/2010/main" xmlns:p15="http://schemas.microsoft.com/office/powerpoint/2012/main" xmlns:mc="http://schemas.openxmlformats.org/markup-compatibility/2006">
+<p:sld xmlns:a="http://schemas.openxmlformats.org/drawingml/2006/main" xmlns:r="http://schemas.openxmlformats.org/officeDocument/2006/relationships" xmlns:p="http://schemas.openxmlformats.org/presentationml/2006/main">
   <p:cSld>
     <p:spTree>
       <p:nvGrpSpPr>
@@ -6406,9 +7112,10 @@
           </a:ln>
         </p:spPr>
         <p:txBody>
-          <a:bodyPr numCol="1" spcCol="0" lIns="91440" rIns="91440" tIns="45720" bIns="45720" anchor="ctr">
+          <a:bodyPr lIns="91440" tIns="45720" rIns="91440" bIns="45720" numCol="1" spcCol="0" anchor="ctr">
             <a:noAutofit/>
           </a:bodyPr>
+          <a:lstStyle/>
           <a:p>
             <a:pPr indent="0" algn="ctr">
               <a:lnSpc>
@@ -6416,35 +7123,29 @@
               </a:lnSpc>
               <a:buNone/>
               <a:tabLst>
-                <a:tab algn="l" pos="0"/>
+                <a:tab pos="0" algn="l"/>
               </a:tabLst>
             </a:pPr>
             <a:r>
-              <a:rPr b="0" lang="en-US" sz="4400" spc="-1" strike="noStrike">
+              <a:rPr lang="en-US" sz="4400" b="0" strike="noStrike" spc="-1" dirty="0">
                 <a:solidFill>
-                  <a:srgbClr val="000000"/>
+                  <a:srgbClr val="FF0000"/>
                 </a:solidFill>
                 <a:latin typeface="Arial"/>
               </a:rPr>
               <a:t>INSTRUCTOR_SCHEDULE</a:t>
             </a:r>
-            <a:endParaRPr b="0" lang="en-US" sz="4400" spc="-1" strike="noStrike">
-              <a:solidFill>
-                <a:srgbClr val="000000"/>
-              </a:solidFill>
-              <a:latin typeface="Arial"/>
-            </a:endParaRPr>
           </a:p>
         </p:txBody>
       </p:sp>
       <p:pic>
         <p:nvPicPr>
-          <p:cNvPr id="103" name="" descr=""/>
+          <p:cNvPr id="103" name="Picture 102"/>
           <p:cNvPicPr/>
           <p:nvPr/>
         </p:nvPicPr>
         <p:blipFill>
-          <a:blip r:embed="rId1"/>
+          <a:blip r:embed="rId2"/>
           <a:stretch/>
         </p:blipFill>
         <p:spPr>
@@ -6462,19 +7163,14 @@
       </p:pic>
     </p:spTree>
   </p:cSld>
-  <mc:AlternateContent>
-    <mc:Choice Requires="p14">
-      <p:transition spd="slow" p14:dur="2000"/>
-    </mc:Choice>
-    <mc:Fallback>
-      <p:transition spd="slow"/>
-    </mc:Fallback>
-  </mc:AlternateContent>
+  <p:clrMapOvr>
+    <a:masterClrMapping/>
+  </p:clrMapOvr>
 </p:sld>
 </file>
 
 <file path=ppt/slides/slide12.xml><?xml version="1.0" encoding="utf-8"?>
-<p:sld xmlns:a="http://schemas.openxmlformats.org/drawingml/2006/main" xmlns:p="http://schemas.openxmlformats.org/presentationml/2006/main" xmlns:r="http://schemas.openxmlformats.org/officeDocument/2006/relationships" xmlns:p14="http://schemas.microsoft.com/office/powerpoint/2010/main" xmlns:p15="http://schemas.microsoft.com/office/powerpoint/2012/main" xmlns:mc="http://schemas.openxmlformats.org/markup-compatibility/2006">
+<p:sld xmlns:a="http://schemas.openxmlformats.org/drawingml/2006/main" xmlns:r="http://schemas.openxmlformats.org/officeDocument/2006/relationships" xmlns:p="http://schemas.openxmlformats.org/presentationml/2006/main">
   <p:cSld>
     <p:spTree>
       <p:nvGrpSpPr>
@@ -6514,9 +7210,10 @@
           </a:ln>
         </p:spPr>
         <p:txBody>
-          <a:bodyPr numCol="1" spcCol="0" lIns="91440" rIns="91440" tIns="45720" bIns="45720" anchor="ctr">
+          <a:bodyPr lIns="91440" tIns="45720" rIns="91440" bIns="45720" numCol="1" spcCol="0" anchor="ctr">
             <a:noAutofit/>
           </a:bodyPr>
+          <a:lstStyle/>
           <a:p>
             <a:pPr indent="0" algn="ctr">
               <a:lnSpc>
@@ -6524,35 +7221,29 @@
               </a:lnSpc>
               <a:buNone/>
               <a:tabLst>
-                <a:tab algn="l" pos="0"/>
+                <a:tab pos="0" algn="l"/>
               </a:tabLst>
             </a:pPr>
             <a:r>
-              <a:rPr b="0" lang="en-US" sz="4400" spc="-1" strike="noStrike">
+              <a:rPr lang="en-US" sz="4400" b="0" strike="noStrike" spc="-1" dirty="0">
                 <a:solidFill>
-                  <a:srgbClr val="000000"/>
+                  <a:srgbClr val="FF0000"/>
                 </a:solidFill>
                 <a:latin typeface="Arial"/>
               </a:rPr>
               <a:t>STUDENT_BY_DEPARTMENT</a:t>
             </a:r>
-            <a:endParaRPr b="0" lang="en-US" sz="4400" spc="-1" strike="noStrike">
-              <a:solidFill>
-                <a:srgbClr val="000000"/>
-              </a:solidFill>
-              <a:latin typeface="Arial"/>
-            </a:endParaRPr>
           </a:p>
         </p:txBody>
       </p:sp>
       <p:pic>
         <p:nvPicPr>
-          <p:cNvPr id="105" name="" descr=""/>
+          <p:cNvPr id="105" name="Picture 104"/>
           <p:cNvPicPr/>
           <p:nvPr/>
         </p:nvPicPr>
         <p:blipFill>
-          <a:blip r:embed="rId1"/>
+          <a:blip r:embed="rId2"/>
           <a:stretch/>
         </p:blipFill>
         <p:spPr>
@@ -6570,19 +7261,14 @@
       </p:pic>
     </p:spTree>
   </p:cSld>
-  <mc:AlternateContent>
-    <mc:Choice Requires="p14">
-      <p:transition spd="slow" p14:dur="2000"/>
-    </mc:Choice>
-    <mc:Fallback>
-      <p:transition spd="slow"/>
-    </mc:Fallback>
-  </mc:AlternateContent>
+  <p:clrMapOvr>
+    <a:masterClrMapping/>
+  </p:clrMapOvr>
 </p:sld>
 </file>
 
 <file path=ppt/slides/slide2.xml><?xml version="1.0" encoding="utf-8"?>
-<p:sld xmlns:a="http://schemas.openxmlformats.org/drawingml/2006/main" xmlns:p="http://schemas.openxmlformats.org/presentationml/2006/main" xmlns:r="http://schemas.openxmlformats.org/officeDocument/2006/relationships" xmlns:p14="http://schemas.microsoft.com/office/powerpoint/2010/main" xmlns:p15="http://schemas.microsoft.com/office/powerpoint/2012/main" xmlns:mc="http://schemas.openxmlformats.org/markup-compatibility/2006">
+<p:sld xmlns:a="http://schemas.openxmlformats.org/drawingml/2006/main" xmlns:r="http://schemas.openxmlformats.org/officeDocument/2006/relationships" xmlns:p="http://schemas.openxmlformats.org/presentationml/2006/main">
   <p:cSld>
     <p:spTree>
       <p:nvGrpSpPr>
@@ -6622,9 +7308,10 @@
           </a:ln>
         </p:spPr>
         <p:txBody>
-          <a:bodyPr numCol="1" spcCol="0" lIns="91440" rIns="91440" tIns="45720" bIns="45720" anchor="ctr">
+          <a:bodyPr lIns="91440" tIns="45720" rIns="91440" bIns="45720" numCol="1" spcCol="0" anchor="ctr">
             <a:noAutofit/>
           </a:bodyPr>
+          <a:lstStyle/>
           <a:p>
             <a:pPr indent="0" algn="ctr">
               <a:lnSpc>
@@ -6632,24 +7319,18 @@
               </a:lnSpc>
               <a:buNone/>
               <a:tabLst>
-                <a:tab algn="l" pos="0"/>
+                <a:tab pos="0" algn="l"/>
               </a:tabLst>
             </a:pPr>
             <a:r>
-              <a:rPr b="0" lang="en-US" sz="4400" spc="-1" strike="noStrike">
+              <a:rPr lang="en-US" sz="4400" b="0" strike="noStrike" spc="-1" dirty="0">
                 <a:solidFill>
-                  <a:srgbClr val="000000"/>
+                  <a:srgbClr val="FF0000"/>
                 </a:solidFill>
                 <a:latin typeface="Arial"/>
               </a:rPr>
-              <a:t>List of Functions</a:t>
+              <a:t>List of Services</a:t>
             </a:r>
-            <a:endParaRPr b="0" lang="en-US" sz="4400" spc="-1" strike="noStrike">
-              <a:solidFill>
-                <a:srgbClr val="000000"/>
-              </a:solidFill>
-              <a:latin typeface="Arial"/>
-            </a:endParaRPr>
           </a:p>
         </p:txBody>
       </p:sp>
@@ -6665,7 +7346,7 @@
         </p:nvSpPr>
         <p:spPr>
           <a:xfrm>
-            <a:off x="762120" y="1633680"/>
+            <a:off x="762120" y="1848293"/>
             <a:ext cx="8076600" cy="4766400"/>
           </a:xfrm>
           <a:prstGeom prst="rect">
@@ -6677,9 +7358,10 @@
           </a:ln>
         </p:spPr>
         <p:txBody>
-          <a:bodyPr numCol="1" spcCol="0" lIns="91440" rIns="91440" tIns="45720" bIns="45720" anchor="t">
+          <a:bodyPr lIns="91440" tIns="45720" rIns="91440" bIns="45720" numCol="1" spcCol="0" anchor="t">
             <a:noAutofit/>
           </a:bodyPr>
+          <a:lstStyle/>
           <a:p>
             <a:pPr marL="432000" indent="-324000">
               <a:spcBef>
@@ -6693,7 +7375,7 @@
               <a:buChar char=""/>
             </a:pPr>
             <a:r>
-              <a:rPr b="0" lang="en-US" sz="3200" spc="-1" strike="noStrike">
+              <a:rPr lang="en-US" sz="3200" b="0" strike="noStrike" spc="-1" dirty="0">
                 <a:solidFill>
                   <a:srgbClr val="000000"/>
                 </a:solidFill>
@@ -6701,12 +7383,6 @@
               </a:rPr>
               <a:t>Add a new student</a:t>
             </a:r>
-            <a:endParaRPr b="0" lang="en-US" sz="3200" spc="-1" strike="noStrike">
-              <a:solidFill>
-                <a:srgbClr val="000000"/>
-              </a:solidFill>
-              <a:latin typeface="Arial"/>
-            </a:endParaRPr>
           </a:p>
           <a:p>
             <a:pPr marL="432000" indent="-324000">
@@ -6721,7 +7397,7 @@
               <a:buChar char=""/>
             </a:pPr>
             <a:r>
-              <a:rPr b="0" lang="en-US" sz="3200" spc="-1" strike="noStrike">
+              <a:rPr lang="en-US" sz="3200" b="0" strike="noStrike" spc="-1" dirty="0">
                 <a:solidFill>
                   <a:srgbClr val="000000"/>
                 </a:solidFill>
@@ -6729,12 +7405,6 @@
               </a:rPr>
               <a:t>Add student grade</a:t>
             </a:r>
-            <a:endParaRPr b="0" lang="en-US" sz="3200" spc="-1" strike="noStrike">
-              <a:solidFill>
-                <a:srgbClr val="000000"/>
-              </a:solidFill>
-              <a:latin typeface="Arial"/>
-            </a:endParaRPr>
           </a:p>
           <a:p>
             <a:pPr marL="432000" indent="-324000">
@@ -6749,7 +7419,7 @@
               <a:buChar char=""/>
             </a:pPr>
             <a:r>
-              <a:rPr b="0" lang="en-US" sz="3200" spc="-1" strike="noStrike">
+              <a:rPr lang="en-US" sz="3200" b="0" strike="noStrike" spc="-1" dirty="0">
                 <a:solidFill>
                   <a:srgbClr val="000000"/>
                 </a:solidFill>
@@ -6757,12 +7427,6 @@
               </a:rPr>
               <a:t>Calculate student GPA</a:t>
             </a:r>
-            <a:endParaRPr b="0" lang="en-US" sz="3200" spc="-1" strike="noStrike">
-              <a:solidFill>
-                <a:srgbClr val="000000"/>
-              </a:solidFill>
-              <a:latin typeface="Arial"/>
-            </a:endParaRPr>
           </a:p>
           <a:p>
             <a:pPr marL="432000" indent="-324000">
@@ -6777,7 +7441,7 @@
               <a:buChar char=""/>
             </a:pPr>
             <a:r>
-              <a:rPr b="0" lang="en-US" sz="3200" spc="-1" strike="noStrike">
+              <a:rPr lang="en-US" sz="3200" b="0" strike="noStrike" spc="-1" dirty="0">
                 <a:solidFill>
                   <a:srgbClr val="000000"/>
                 </a:solidFill>
@@ -6785,12 +7449,6 @@
               </a:rPr>
               <a:t>Calculate yearly tuition</a:t>
             </a:r>
-            <a:endParaRPr b="0" lang="en-US" sz="3200" spc="-1" strike="noStrike">
-              <a:solidFill>
-                <a:srgbClr val="000000"/>
-              </a:solidFill>
-              <a:latin typeface="Arial"/>
-            </a:endParaRPr>
           </a:p>
           <a:p>
             <a:pPr marL="432000" indent="-324000">
@@ -6805,7 +7463,7 @@
               <a:buChar char=""/>
             </a:pPr>
             <a:r>
-              <a:rPr b="0" lang="en-US" sz="3200" spc="-1" strike="noStrike">
+              <a:rPr lang="en-US" sz="3200" b="0" strike="noStrike" spc="-1" dirty="0">
                 <a:solidFill>
                   <a:srgbClr val="000000"/>
                 </a:solidFill>
@@ -6813,12 +7471,6 @@
               </a:rPr>
               <a:t>View student report card</a:t>
             </a:r>
-            <a:endParaRPr b="0" lang="en-US" sz="3200" spc="-1" strike="noStrike">
-              <a:solidFill>
-                <a:srgbClr val="000000"/>
-              </a:solidFill>
-              <a:latin typeface="Arial"/>
-            </a:endParaRPr>
           </a:p>
           <a:p>
             <a:pPr marL="432000" indent="-324000">
@@ -6833,7 +7485,7 @@
               <a:buChar char=""/>
             </a:pPr>
             <a:r>
-              <a:rPr b="0" lang="en-US" sz="3200" spc="-1" strike="noStrike">
+              <a:rPr lang="en-US" sz="3200" b="0" strike="noStrike" spc="-1" dirty="0">
                 <a:solidFill>
                   <a:srgbClr val="000000"/>
                 </a:solidFill>
@@ -6841,12 +7493,6 @@
               </a:rPr>
               <a:t>View instructor schedule</a:t>
             </a:r>
-            <a:endParaRPr b="0" lang="en-US" sz="3200" spc="-1" strike="noStrike">
-              <a:solidFill>
-                <a:srgbClr val="000000"/>
-              </a:solidFill>
-              <a:latin typeface="Arial"/>
-            </a:endParaRPr>
           </a:p>
           <a:p>
             <a:pPr marL="432000" indent="-324000">
@@ -6861,7 +7507,7 @@
               <a:buChar char=""/>
             </a:pPr>
             <a:r>
-              <a:rPr b="0" lang="en-US" sz="3200" spc="-1" strike="noStrike">
+              <a:rPr lang="en-US" sz="3200" b="0" strike="noStrike" spc="-1" dirty="0">
                 <a:solidFill>
                   <a:srgbClr val="000000"/>
                 </a:solidFill>
@@ -6869,30 +7515,19 @@
               </a:rPr>
               <a:t>Fetch student by department</a:t>
             </a:r>
-            <a:endParaRPr b="0" lang="en-US" sz="3200" spc="-1" strike="noStrike">
-              <a:solidFill>
-                <a:srgbClr val="000000"/>
-              </a:solidFill>
-              <a:latin typeface="Arial"/>
-            </a:endParaRPr>
           </a:p>
         </p:txBody>
       </p:sp>
     </p:spTree>
   </p:cSld>
-  <mc:AlternateContent>
-    <mc:Choice Requires="p14">
-      <p:transition spd="slow" p14:dur="2000"/>
-    </mc:Choice>
-    <mc:Fallback>
-      <p:transition spd="slow"/>
-    </mc:Fallback>
-  </mc:AlternateContent>
+  <p:clrMapOvr>
+    <a:masterClrMapping/>
+  </p:clrMapOvr>
 </p:sld>
 </file>
 
 <file path=ppt/slides/slide3.xml><?xml version="1.0" encoding="utf-8"?>
-<p:sld xmlns:a="http://schemas.openxmlformats.org/drawingml/2006/main" xmlns:p="http://schemas.openxmlformats.org/presentationml/2006/main" xmlns:r="http://schemas.openxmlformats.org/officeDocument/2006/relationships" xmlns:p14="http://schemas.microsoft.com/office/powerpoint/2010/main" xmlns:p15="http://schemas.microsoft.com/office/powerpoint/2012/main" xmlns:mc="http://schemas.openxmlformats.org/markup-compatibility/2006">
+<p:sld xmlns:a="http://schemas.openxmlformats.org/drawingml/2006/main" xmlns:r="http://schemas.openxmlformats.org/officeDocument/2006/relationships" xmlns:p="http://schemas.openxmlformats.org/presentationml/2006/main">
   <p:cSld>
     <p:spTree>
       <p:nvGrpSpPr>
@@ -6932,9 +7567,10 @@
           </a:ln>
         </p:spPr>
         <p:txBody>
-          <a:bodyPr numCol="1" spcCol="0" lIns="91440" rIns="91440" tIns="45720" bIns="45720" anchor="ctr">
+          <a:bodyPr lIns="91440" tIns="45720" rIns="91440" bIns="45720" numCol="1" spcCol="0" anchor="ctr">
             <a:noAutofit/>
           </a:bodyPr>
+          <a:lstStyle/>
           <a:p>
             <a:pPr indent="0" algn="ctr">
               <a:lnSpc>
@@ -6942,41 +7578,35 @@
               </a:lnSpc>
               <a:buNone/>
               <a:tabLst>
-                <a:tab algn="l" pos="0"/>
+                <a:tab pos="0" algn="l"/>
               </a:tabLst>
             </a:pPr>
             <a:r>
-              <a:rPr b="0" lang="en-US" sz="4400" spc="-1" strike="noStrike">
+              <a:rPr lang="en-US" sz="4400" b="0" strike="noStrike" spc="-1" dirty="0">
                 <a:solidFill>
-                  <a:srgbClr val="000000"/>
+                  <a:srgbClr val="FF0000"/>
                 </a:solidFill>
                 <a:latin typeface="Arial"/>
               </a:rPr>
               <a:t>Schema</a:t>
             </a:r>
-            <a:endParaRPr b="0" lang="en-US" sz="4400" spc="-1" strike="noStrike">
-              <a:solidFill>
-                <a:srgbClr val="000000"/>
-              </a:solidFill>
-              <a:latin typeface="Arial"/>
-            </a:endParaRPr>
           </a:p>
         </p:txBody>
       </p:sp>
       <p:pic>
         <p:nvPicPr>
-          <p:cNvPr id="87" name="" descr=""/>
+          <p:cNvPr id="87" name="Picture 86"/>
           <p:cNvPicPr/>
           <p:nvPr/>
         </p:nvPicPr>
         <p:blipFill>
-          <a:blip r:embed="rId1"/>
+          <a:blip r:embed="rId2"/>
           <a:stretch/>
         </p:blipFill>
         <p:spPr>
           <a:xfrm rot="9000">
-            <a:off x="2118960" y="1606320"/>
-            <a:ext cx="5171760" cy="4766040"/>
+            <a:off x="1614241" y="1606620"/>
+            <a:ext cx="6410109" cy="4766040"/>
           </a:xfrm>
           <a:prstGeom prst="rect">
             <a:avLst/>
@@ -6988,19 +7618,14 @@
       </p:pic>
     </p:spTree>
   </p:cSld>
-  <mc:AlternateContent>
-    <mc:Choice Requires="p14">
-      <p:transition spd="slow" p14:dur="2000"/>
-    </mc:Choice>
-    <mc:Fallback>
-      <p:transition spd="slow"/>
-    </mc:Fallback>
-  </mc:AlternateContent>
+  <p:clrMapOvr>
+    <a:masterClrMapping/>
+  </p:clrMapOvr>
 </p:sld>
 </file>
 
 <file path=ppt/slides/slide4.xml><?xml version="1.0" encoding="utf-8"?>
-<p:sld xmlns:a="http://schemas.openxmlformats.org/drawingml/2006/main" xmlns:p="http://schemas.openxmlformats.org/presentationml/2006/main" xmlns:r="http://schemas.openxmlformats.org/officeDocument/2006/relationships" xmlns:p14="http://schemas.microsoft.com/office/powerpoint/2010/main" xmlns:p15="http://schemas.microsoft.com/office/powerpoint/2012/main" xmlns:mc="http://schemas.openxmlformats.org/markup-compatibility/2006">
+<p:sld xmlns:a="http://schemas.openxmlformats.org/drawingml/2006/main" xmlns:r="http://schemas.openxmlformats.org/officeDocument/2006/relationships" xmlns:p="http://schemas.openxmlformats.org/presentationml/2006/main">
   <p:cSld>
     <p:spTree>
       <p:nvGrpSpPr>
@@ -7040,58 +7665,112 @@
           </a:ln>
         </p:spPr>
         <p:txBody>
-          <a:bodyPr numCol="1" spcCol="0" lIns="91440" rIns="91440" tIns="45720" bIns="45720" anchor="ctr">
+          <a:bodyPr lIns="91440" tIns="45720" rIns="91440" bIns="45720" numCol="1" spcCol="0" anchor="ctr">
             <a:noAutofit/>
           </a:bodyPr>
+          <a:lstStyle/>
           <a:p>
             <a:pPr indent="0" algn="ctr">
               <a:buNone/>
             </a:pPr>
             <a:r>
-              <a:rPr b="0" lang="en-US" sz="4400" spc="-1" strike="noStrike">
+              <a:rPr lang="en-US" sz="4400" b="0" strike="noStrike" spc="-1" dirty="0">
+                <a:solidFill>
+                  <a:srgbClr val="FF0000"/>
+                </a:solidFill>
+                <a:latin typeface="Arial"/>
+              </a:rPr>
+              <a:t>Stored Procedures </a:t>
+            </a:r>
+          </a:p>
+        </p:txBody>
+      </p:sp>
+      <p:sp>
+        <p:nvSpPr>
+          <p:cNvPr id="89" name="PlaceHolder 2"/>
+          <p:cNvSpPr>
+            <a:spLocks noGrp="1"/>
+          </p:cNvSpPr>
+          <p:nvPr>
+            <p:ph/>
+          </p:nvPr>
+        </p:nvSpPr>
+        <p:spPr>
+          <a:xfrm>
+            <a:off x="685800" y="1830351"/>
+            <a:ext cx="8076600" cy="4766400"/>
+          </a:xfrm>
+          <a:prstGeom prst="rect">
+            <a:avLst/>
+          </a:prstGeom>
+          <a:noFill/>
+          <a:ln w="0">
+            <a:noFill/>
+          </a:ln>
+        </p:spPr>
+        <p:txBody>
+          <a:bodyPr lIns="91440" tIns="45720" rIns="91440" bIns="45720" numCol="1" spcCol="0" anchor="t">
+            <a:noAutofit/>
+          </a:bodyPr>
+          <a:lstStyle/>
+          <a:p>
+            <a:pPr marL="432000" indent="-324000">
+              <a:spcBef>
+                <a:spcPts val="1417"/>
+              </a:spcBef>
+              <a:buClr>
+                <a:srgbClr val="000000"/>
+              </a:buClr>
+              <a:buSzPct val="45000"/>
+              <a:buFont typeface="Wingdings" charset="2"/>
+              <a:buChar char=""/>
+            </a:pPr>
+            <a:r>
+              <a:rPr lang="en-US" b="0" strike="noStrike" spc="-1" dirty="0">
                 <a:solidFill>
                   <a:srgbClr val="000000"/>
                 </a:solidFill>
                 <a:latin typeface="Arial"/>
               </a:rPr>
-              <a:t>Stored procedures </a:t>
+              <a:t> ADD_STUDENT (IN ID char(6), IN Name varchar(50), IN gender char(1), IN </a:t>
             </a:r>
-            <a:endParaRPr b="0" lang="en-US" sz="4400" spc="-1" strike="noStrike">
-              <a:solidFill>
-                <a:srgbClr val="000000"/>
-              </a:solidFill>
-              <a:latin typeface="Arial"/>
-            </a:endParaRPr>
-          </a:p>
-        </p:txBody>
-      </p:sp>
-      <p:sp>
-        <p:nvSpPr>
-          <p:cNvPr id="89" name="PlaceHolder 2"/>
-          <p:cNvSpPr>
-            <a:spLocks noGrp="1"/>
-          </p:cNvSpPr>
-          <p:nvPr>
-            <p:ph/>
-          </p:nvPr>
-        </p:nvSpPr>
-        <p:spPr>
-          <a:xfrm>
-            <a:off x="685800" y="1634400"/>
-            <a:ext cx="8076600" cy="4766400"/>
-          </a:xfrm>
-          <a:prstGeom prst="rect">
-            <a:avLst/>
-          </a:prstGeom>
-          <a:noFill/>
-          <a:ln w="0">
-            <a:noFill/>
-          </a:ln>
-        </p:spPr>
-        <p:txBody>
-          <a:bodyPr numCol="1" spcCol="0" lIns="91440" rIns="91440" tIns="45720" bIns="45720" anchor="t">
-            <a:noAutofit/>
-          </a:bodyPr>
+            <a:r>
+              <a:rPr lang="en-US" b="0" strike="noStrike" spc="-1" dirty="0" err="1">
+                <a:solidFill>
+                  <a:srgbClr val="000000"/>
+                </a:solidFill>
+                <a:latin typeface="Arial"/>
+              </a:rPr>
+              <a:t>deptID</a:t>
+            </a:r>
+            <a:r>
+              <a:rPr lang="en-US" b="0" strike="noStrike" spc="-1" dirty="0">
+                <a:solidFill>
+                  <a:srgbClr val="000000"/>
+                </a:solidFill>
+                <a:latin typeface="Arial"/>
+              </a:rPr>
+              <a:t> varchar(10),IN </a:t>
+            </a:r>
+            <a:r>
+              <a:rPr lang="en-US" b="0" strike="noStrike" spc="-1" dirty="0" err="1">
+                <a:solidFill>
+                  <a:srgbClr val="000000"/>
+                </a:solidFill>
+                <a:latin typeface="Arial"/>
+              </a:rPr>
+              <a:t>addr</a:t>
+            </a:r>
+            <a:r>
+              <a:rPr lang="en-US" b="0" strike="noStrike" spc="-1" dirty="0">
+                <a:solidFill>
+                  <a:srgbClr val="000000"/>
+                </a:solidFill>
+                <a:latin typeface="Arial"/>
+              </a:rPr>
+              <a:t> varchar(100))</a:t>
+            </a:r>
+          </a:p>
           <a:p>
             <a:pPr marL="432000" indent="-324000">
               <a:spcBef>
@@ -7105,29 +7784,68 @@
               <a:buChar char=""/>
             </a:pPr>
             <a:r>
-              <a:rPr b="0" lang="en-US" sz="3200" spc="-1" strike="noStrike">
+              <a:rPr lang="en-US" b="0" strike="noStrike" spc="-1" dirty="0">
                 <a:solidFill>
                   <a:srgbClr val="000000"/>
                 </a:solidFill>
                 <a:latin typeface="Arial"/>
               </a:rPr>
-              <a:t> </a:t>
+              <a:t>ADD_GRADE (IDs char(6), </a:t>
             </a:r>
             <a:r>
-              <a:rPr b="0" lang="en-US" sz="3200" spc="-1" strike="noStrike">
+              <a:rPr lang="en-US" b="0" strike="noStrike" spc="-1" dirty="0" err="1">
                 <a:solidFill>
                   <a:srgbClr val="000000"/>
                 </a:solidFill>
                 <a:latin typeface="Arial"/>
               </a:rPr>
-              <a:t>ADD_STUDENT (IN ID char(6), IN Name varchar(50), IN gender char(1), IN deptID varchar(10),IN addr varchar(100))</a:t>
+              <a:t>IDc</a:t>
             </a:r>
-            <a:endParaRPr b="0" lang="en-US" sz="3200" spc="-1" strike="noStrike">
-              <a:solidFill>
-                <a:srgbClr val="000000"/>
-              </a:solidFill>
-              <a:latin typeface="Arial"/>
-            </a:endParaRPr>
+            <a:r>
+              <a:rPr lang="en-US" b="0" strike="noStrike" spc="-1" dirty="0">
+                <a:solidFill>
+                  <a:srgbClr val="000000"/>
+                </a:solidFill>
+                <a:latin typeface="Arial"/>
+              </a:rPr>
+              <a:t> char(5), </a:t>
+            </a:r>
+            <a:r>
+              <a:rPr lang="en-US" b="0" strike="noStrike" spc="-1" dirty="0" err="1">
+                <a:solidFill>
+                  <a:srgbClr val="000000"/>
+                </a:solidFill>
+                <a:latin typeface="Arial"/>
+              </a:rPr>
+              <a:t>IDi</a:t>
+            </a:r>
+            <a:r>
+              <a:rPr lang="en-US" b="0" strike="noStrike" spc="-1" dirty="0">
+                <a:solidFill>
+                  <a:srgbClr val="000000"/>
+                </a:solidFill>
+                <a:latin typeface="Arial"/>
+              </a:rPr>
+              <a:t> char(7), sems int, </a:t>
+            </a:r>
+            <a:r>
+              <a:rPr lang="en-US" b="0" strike="noStrike" spc="-1" dirty="0" err="1">
+                <a:solidFill>
+                  <a:srgbClr val="000000"/>
+                </a:solidFill>
+                <a:latin typeface="Arial"/>
+              </a:rPr>
+              <a:t>yer</a:t>
+            </a:r>
+            <a:r>
+              <a:rPr lang="en-US" b="0" strike="noStrike" spc="-1" dirty="0">
+                <a:solidFill>
+                  <a:srgbClr val="000000"/>
+                </a:solidFill>
+                <a:latin typeface="Arial"/>
+              </a:rPr>
+              <a:t> int, point float)</a:t>
+            </a:r>
           </a:p>
           <a:p>
             <a:pPr marL="432000" indent="-324000">
@@ -7142,35 +7860,7 @@
               <a:buChar char=""/>
             </a:pPr>
             <a:r>
-              <a:rPr b="0" lang="en-US" sz="3200" spc="-1" strike="noStrike">
-                <a:solidFill>
-                  <a:srgbClr val="000000"/>
-                </a:solidFill>
-                <a:latin typeface="Arial"/>
-              </a:rPr>
-              <a:t>ADD_GRADE (IDs char(6), IDc char(5), IDi char(7), sems int, yer int, point float)</a:t>
-            </a:r>
-            <a:endParaRPr b="0" lang="en-US" sz="3200" spc="-1" strike="noStrike">
-              <a:solidFill>
-                <a:srgbClr val="000000"/>
-              </a:solidFill>
-              <a:latin typeface="Arial"/>
-            </a:endParaRPr>
-          </a:p>
-          <a:p>
-            <a:pPr marL="432000" indent="-324000">
-              <a:spcBef>
-                <a:spcPts val="1417"/>
-              </a:spcBef>
-              <a:buClr>
-                <a:srgbClr val="000000"/>
-              </a:buClr>
-              <a:buSzPct val="45000"/>
-              <a:buFont typeface="Wingdings" charset="2"/>
-              <a:buChar char=""/>
-            </a:pPr>
-            <a:r>
-              <a:rPr b="0" lang="en-US" sz="3200" spc="-1" strike="noStrike">
+              <a:rPr lang="en-US" b="0" strike="noStrike" spc="-1" dirty="0">
                 <a:solidFill>
                   <a:srgbClr val="000000"/>
                 </a:solidFill>
@@ -7178,12 +7868,6 @@
               </a:rPr>
               <a:t>REPORT_CARD (IN IDs char(6))</a:t>
             </a:r>
-            <a:endParaRPr b="0" lang="en-US" sz="3200" spc="-1" strike="noStrike">
-              <a:solidFill>
-                <a:srgbClr val="000000"/>
-              </a:solidFill>
-              <a:latin typeface="Arial"/>
-            </a:endParaRPr>
           </a:p>
           <a:p>
             <a:pPr marL="432000" indent="-324000">
@@ -7198,7 +7882,7 @@
               <a:buChar char=""/>
             </a:pPr>
             <a:r>
-              <a:rPr b="0" lang="en-US" sz="3200" spc="-1" strike="noStrike">
+              <a:rPr lang="en-US" b="0" strike="noStrike" spc="-1" dirty="0">
                 <a:solidFill>
                   <a:srgbClr val="000000"/>
                 </a:solidFill>
@@ -7206,12 +7890,6 @@
               </a:rPr>
               <a:t>INSTRUCTOR_SCHEDULE (IN ID char(7))</a:t>
             </a:r>
-            <a:endParaRPr b="0" lang="en-US" sz="3200" spc="-1" strike="noStrike">
-              <a:solidFill>
-                <a:srgbClr val="000000"/>
-              </a:solidFill>
-              <a:latin typeface="Arial"/>
-            </a:endParaRPr>
           </a:p>
           <a:p>
             <a:pPr marL="432000" indent="-324000">
@@ -7226,38 +7904,45 @@
               <a:buChar char=""/>
             </a:pPr>
             <a:r>
-              <a:rPr b="0" lang="en-US" sz="3200" spc="-1" strike="noStrike">
+              <a:rPr lang="en-US" b="0" strike="noStrike" spc="-1" dirty="0">
                 <a:solidFill>
                   <a:srgbClr val="000000"/>
                 </a:solidFill>
                 <a:latin typeface="Arial"/>
               </a:rPr>
-              <a:t>STUDENT_BY_DEPARTMENT (IN deptID varchar(10)) </a:t>
+              <a:t>STUDENT_BY_DEPARTMENT (IN </a:t>
             </a:r>
-            <a:endParaRPr b="0" lang="en-US" sz="3200" spc="-1" strike="noStrike">
-              <a:solidFill>
-                <a:srgbClr val="000000"/>
-              </a:solidFill>
-              <a:latin typeface="Arial"/>
-            </a:endParaRPr>
+            <a:r>
+              <a:rPr lang="en-US" b="0" strike="noStrike" spc="-1" dirty="0" err="1">
+                <a:solidFill>
+                  <a:srgbClr val="000000"/>
+                </a:solidFill>
+                <a:latin typeface="Arial"/>
+              </a:rPr>
+              <a:t>deptID</a:t>
+            </a:r>
+            <a:r>
+              <a:rPr lang="en-US" b="0" strike="noStrike" spc="-1" dirty="0">
+                <a:solidFill>
+                  <a:srgbClr val="000000"/>
+                </a:solidFill>
+                <a:latin typeface="Arial"/>
+              </a:rPr>
+              <a:t> varchar(10)) </a:t>
+            </a:r>
           </a:p>
         </p:txBody>
       </p:sp>
     </p:spTree>
   </p:cSld>
-  <mc:AlternateContent>
-    <mc:Choice Requires="p14">
-      <p:transition spd="slow" p14:dur="2000"/>
-    </mc:Choice>
-    <mc:Fallback>
-      <p:transition spd="slow"/>
-    </mc:Fallback>
-  </mc:AlternateContent>
+  <p:clrMapOvr>
+    <a:masterClrMapping/>
+  </p:clrMapOvr>
 </p:sld>
 </file>
 
 <file path=ppt/slides/slide5.xml><?xml version="1.0" encoding="utf-8"?>
-<p:sld xmlns:a="http://schemas.openxmlformats.org/drawingml/2006/main" xmlns:p="http://schemas.openxmlformats.org/presentationml/2006/main" xmlns:r="http://schemas.openxmlformats.org/officeDocument/2006/relationships" xmlns:p14="http://schemas.microsoft.com/office/powerpoint/2010/main" xmlns:p15="http://schemas.microsoft.com/office/powerpoint/2012/main" xmlns:mc="http://schemas.openxmlformats.org/markup-compatibility/2006">
+<p:sld xmlns:a="http://schemas.openxmlformats.org/drawingml/2006/main" xmlns:r="http://schemas.openxmlformats.org/officeDocument/2006/relationships" xmlns:p="http://schemas.openxmlformats.org/presentationml/2006/main">
   <p:cSld>
     <p:spTree>
       <p:nvGrpSpPr>
@@ -7297,28 +7982,23 @@
           </a:ln>
         </p:spPr>
         <p:txBody>
-          <a:bodyPr numCol="1" spcCol="0" lIns="91440" rIns="91440" tIns="45720" bIns="45720" anchor="ctr">
+          <a:bodyPr lIns="91440" tIns="45720" rIns="91440" bIns="45720" numCol="1" spcCol="0" anchor="ctr">
             <a:noAutofit/>
           </a:bodyPr>
+          <a:lstStyle/>
           <a:p>
             <a:pPr indent="0" algn="ctr">
               <a:buNone/>
             </a:pPr>
             <a:r>
-              <a:rPr b="0" lang="en-US" sz="4400" spc="-1" strike="noStrike">
+              <a:rPr lang="en-US" sz="4400" b="0" strike="noStrike" spc="-1" dirty="0">
                 <a:solidFill>
-                  <a:srgbClr val="000000"/>
+                  <a:srgbClr val="FF0000"/>
                 </a:solidFill>
                 <a:latin typeface="Arial"/>
               </a:rPr>
-              <a:t>Stored functions </a:t>
+              <a:t>Stored Functions </a:t>
             </a:r>
-            <a:endParaRPr b="0" lang="en-US" sz="4400" spc="-1" strike="noStrike">
-              <a:solidFill>
-                <a:srgbClr val="000000"/>
-              </a:solidFill>
-              <a:latin typeface="Arial"/>
-            </a:endParaRPr>
           </a:p>
         </p:txBody>
       </p:sp>
@@ -7334,21 +8014,22 @@
         </p:nvSpPr>
         <p:spPr>
           <a:xfrm>
-            <a:off x="762120" y="1633680"/>
-            <a:ext cx="8076600" cy="4766400"/>
-          </a:xfrm>
-          <a:prstGeom prst="rect">
-            <a:avLst/>
-          </a:prstGeom>
-          <a:noFill/>
-          <a:ln w="0">
-            <a:noFill/>
-          </a:ln>
-        </p:spPr>
-        <p:txBody>
-          <a:bodyPr numCol="1" spcCol="0" lIns="91440" rIns="91440" tIns="45720" bIns="45720" anchor="t">
+            <a:off x="761760" y="2426787"/>
+            <a:ext cx="8076600" cy="1660022"/>
+          </a:xfrm>
+          <a:prstGeom prst="rect">
+            <a:avLst/>
+          </a:prstGeom>
+          <a:noFill/>
+          <a:ln w="0">
+            <a:noFill/>
+          </a:ln>
+        </p:spPr>
+        <p:txBody>
+          <a:bodyPr lIns="91440" tIns="45720" rIns="91440" bIns="45720" numCol="1" spcCol="0" anchor="t">
             <a:noAutofit/>
           </a:bodyPr>
+          <a:lstStyle/>
           <a:p>
             <a:pPr marL="432000" indent="-324000">
               <a:spcBef>
@@ -7362,16 +8043,7 @@
               <a:buChar char=""/>
             </a:pPr>
             <a:r>
-              <a:rPr b="0" lang="en-US" sz="3200" spc="-1" strike="noStrike">
-                <a:solidFill>
-                  <a:srgbClr val="000000"/>
-                </a:solidFill>
-                <a:latin typeface="Arial"/>
-              </a:rPr>
-              <a:t> </a:t>
-            </a:r>
-            <a:r>
-              <a:rPr b="0" lang="en-US" sz="3200" spc="-1" strike="noStrike">
+              <a:rPr lang="en-US" b="0" strike="noStrike" spc="-1" dirty="0">
                 <a:solidFill>
                   <a:srgbClr val="000000"/>
                 </a:solidFill>
@@ -7379,12 +8051,6 @@
               </a:rPr>
               <a:t>CALCULATE_GPA ( ID char(6) )</a:t>
             </a:r>
-            <a:endParaRPr b="0" lang="en-US" sz="3200" spc="-1" strike="noStrike">
-              <a:solidFill>
-                <a:srgbClr val="000000"/>
-              </a:solidFill>
-              <a:latin typeface="Arial"/>
-            </a:endParaRPr>
           </a:p>
           <a:p>
             <a:pPr marL="432000" indent="-324000">
@@ -7399,7 +8065,7 @@
               <a:buChar char=""/>
             </a:pPr>
             <a:r>
-              <a:rPr b="0" lang="en-US" sz="3200" spc="-1" strike="noStrike">
+              <a:rPr lang="en-US" b="0" strike="noStrike" spc="-1" dirty="0">
                 <a:solidFill>
                   <a:srgbClr val="000000"/>
                 </a:solidFill>
@@ -7407,30 +8073,19 @@
               </a:rPr>
               <a:t>YEARLY_TUITION ( IDs char(6), yar int )</a:t>
             </a:r>
-            <a:endParaRPr b="0" lang="en-US" sz="3200" spc="-1" strike="noStrike">
-              <a:solidFill>
-                <a:srgbClr val="000000"/>
-              </a:solidFill>
-              <a:latin typeface="Arial"/>
-            </a:endParaRPr>
           </a:p>
         </p:txBody>
       </p:sp>
     </p:spTree>
   </p:cSld>
-  <mc:AlternateContent>
-    <mc:Choice Requires="p14">
-      <p:transition spd="slow" p14:dur="2000"/>
-    </mc:Choice>
-    <mc:Fallback>
-      <p:transition spd="slow"/>
-    </mc:Fallback>
-  </mc:AlternateContent>
+  <p:clrMapOvr>
+    <a:masterClrMapping/>
+  </p:clrMapOvr>
 </p:sld>
 </file>
 
 <file path=ppt/slides/slide6.xml><?xml version="1.0" encoding="utf-8"?>
-<p:sld xmlns:a="http://schemas.openxmlformats.org/drawingml/2006/main" xmlns:p="http://schemas.openxmlformats.org/presentationml/2006/main" xmlns:r="http://schemas.openxmlformats.org/officeDocument/2006/relationships" xmlns:p14="http://schemas.microsoft.com/office/powerpoint/2010/main" xmlns:p15="http://schemas.microsoft.com/office/powerpoint/2012/main" xmlns:mc="http://schemas.openxmlformats.org/markup-compatibility/2006">
+<p:sld xmlns:a="http://schemas.openxmlformats.org/drawingml/2006/main" xmlns:r="http://schemas.openxmlformats.org/officeDocument/2006/relationships" xmlns:p="http://schemas.openxmlformats.org/presentationml/2006/main">
   <p:cSld>
     <p:spTree>
       <p:nvGrpSpPr>
@@ -7470,9 +8125,10 @@
           </a:ln>
         </p:spPr>
         <p:txBody>
-          <a:bodyPr numCol="1" spcCol="0" lIns="91440" rIns="91440" tIns="45720" bIns="45720" anchor="ctr">
+          <a:bodyPr lIns="91440" tIns="45720" rIns="91440" bIns="45720" numCol="1" spcCol="0" anchor="ctr">
             <a:noAutofit/>
           </a:bodyPr>
+          <a:lstStyle/>
           <a:p>
             <a:pPr indent="0" algn="ctr">
               <a:lnSpc>
@@ -7480,35 +8136,29 @@
               </a:lnSpc>
               <a:buNone/>
               <a:tabLst>
-                <a:tab algn="l" pos="0"/>
+                <a:tab pos="0" algn="l"/>
               </a:tabLst>
             </a:pPr>
             <a:r>
-              <a:rPr b="0" lang="en-US" sz="4400" spc="-1" strike="noStrike">
+              <a:rPr lang="en-US" sz="4400" b="0" strike="noStrike" spc="-1" dirty="0">
                 <a:solidFill>
-                  <a:srgbClr val="000000"/>
+                  <a:srgbClr val="FF0000"/>
                 </a:solidFill>
                 <a:latin typeface="Arial"/>
               </a:rPr>
               <a:t>ADD_STUDENT</a:t>
             </a:r>
-            <a:endParaRPr b="0" lang="en-US" sz="4400" spc="-1" strike="noStrike">
-              <a:solidFill>
-                <a:srgbClr val="000000"/>
-              </a:solidFill>
-              <a:latin typeface="Arial"/>
-            </a:endParaRPr>
           </a:p>
         </p:txBody>
       </p:sp>
       <p:pic>
         <p:nvPicPr>
-          <p:cNvPr id="93" name="" descr=""/>
+          <p:cNvPr id="93" name="Picture 92"/>
           <p:cNvPicPr/>
           <p:nvPr/>
         </p:nvPicPr>
         <p:blipFill>
-          <a:blip r:embed="rId1"/>
+          <a:blip r:embed="rId2"/>
           <a:stretch/>
         </p:blipFill>
         <p:spPr>
@@ -7526,19 +8176,14 @@
       </p:pic>
     </p:spTree>
   </p:cSld>
-  <mc:AlternateContent>
-    <mc:Choice Requires="p14">
-      <p:transition spd="slow" p14:dur="2000"/>
-    </mc:Choice>
-    <mc:Fallback>
-      <p:transition spd="slow"/>
-    </mc:Fallback>
-  </mc:AlternateContent>
+  <p:clrMapOvr>
+    <a:masterClrMapping/>
+  </p:clrMapOvr>
 </p:sld>
 </file>
 
 <file path=ppt/slides/slide7.xml><?xml version="1.0" encoding="utf-8"?>
-<p:sld xmlns:a="http://schemas.openxmlformats.org/drawingml/2006/main" xmlns:p="http://schemas.openxmlformats.org/presentationml/2006/main" xmlns:r="http://schemas.openxmlformats.org/officeDocument/2006/relationships" xmlns:p14="http://schemas.microsoft.com/office/powerpoint/2010/main" xmlns:p15="http://schemas.microsoft.com/office/powerpoint/2012/main" xmlns:mc="http://schemas.openxmlformats.org/markup-compatibility/2006">
+<p:sld xmlns:a="http://schemas.openxmlformats.org/drawingml/2006/main" xmlns:r="http://schemas.openxmlformats.org/officeDocument/2006/relationships" xmlns:p="http://schemas.openxmlformats.org/presentationml/2006/main">
   <p:cSld>
     <p:spTree>
       <p:nvGrpSpPr>
@@ -7578,9 +8223,10 @@
           </a:ln>
         </p:spPr>
         <p:txBody>
-          <a:bodyPr numCol="1" spcCol="0" lIns="91440" rIns="91440" tIns="45720" bIns="45720" anchor="ctr">
+          <a:bodyPr lIns="91440" tIns="45720" rIns="91440" bIns="45720" numCol="1" spcCol="0" anchor="ctr">
             <a:noAutofit/>
           </a:bodyPr>
+          <a:lstStyle/>
           <a:p>
             <a:pPr indent="0" algn="ctr">
               <a:lnSpc>
@@ -7588,35 +8234,29 @@
               </a:lnSpc>
               <a:buNone/>
               <a:tabLst>
-                <a:tab algn="l" pos="0"/>
+                <a:tab pos="0" algn="l"/>
               </a:tabLst>
             </a:pPr>
             <a:r>
-              <a:rPr b="0" lang="en-US" sz="4400" spc="-1" strike="noStrike">
+              <a:rPr lang="en-US" sz="4400" b="0" strike="noStrike" spc="-1" dirty="0">
                 <a:solidFill>
-                  <a:srgbClr val="000000"/>
+                  <a:srgbClr val="FF0000"/>
                 </a:solidFill>
                 <a:latin typeface="Arial"/>
               </a:rPr>
               <a:t>ADD_GRADE</a:t>
             </a:r>
-            <a:endParaRPr b="0" lang="en-US" sz="4400" spc="-1" strike="noStrike">
-              <a:solidFill>
-                <a:srgbClr val="000000"/>
-              </a:solidFill>
-              <a:latin typeface="Arial"/>
-            </a:endParaRPr>
           </a:p>
         </p:txBody>
       </p:sp>
       <p:pic>
         <p:nvPicPr>
-          <p:cNvPr id="95" name="" descr=""/>
+          <p:cNvPr id="95" name="Picture 94"/>
           <p:cNvPicPr/>
           <p:nvPr/>
         </p:nvPicPr>
         <p:blipFill>
-          <a:blip r:embed="rId1"/>
+          <a:blip r:embed="rId2"/>
           <a:stretch/>
         </p:blipFill>
         <p:spPr>
@@ -7634,19 +8274,14 @@
       </p:pic>
     </p:spTree>
   </p:cSld>
-  <mc:AlternateContent>
-    <mc:Choice Requires="p14">
-      <p:transition spd="slow" p14:dur="2000"/>
-    </mc:Choice>
-    <mc:Fallback>
-      <p:transition spd="slow"/>
-    </mc:Fallback>
-  </mc:AlternateContent>
+  <p:clrMapOvr>
+    <a:masterClrMapping/>
+  </p:clrMapOvr>
 </p:sld>
 </file>
 
 <file path=ppt/slides/slide8.xml><?xml version="1.0" encoding="utf-8"?>
-<p:sld xmlns:a="http://schemas.openxmlformats.org/drawingml/2006/main" xmlns:p="http://schemas.openxmlformats.org/presentationml/2006/main" xmlns:r="http://schemas.openxmlformats.org/officeDocument/2006/relationships" xmlns:p14="http://schemas.microsoft.com/office/powerpoint/2010/main" xmlns:p15="http://schemas.microsoft.com/office/powerpoint/2012/main" xmlns:mc="http://schemas.openxmlformats.org/markup-compatibility/2006">
+<p:sld xmlns:a="http://schemas.openxmlformats.org/drawingml/2006/main" xmlns:r="http://schemas.openxmlformats.org/officeDocument/2006/relationships" xmlns:p="http://schemas.openxmlformats.org/presentationml/2006/main">
   <p:cSld>
     <p:spTree>
       <p:nvGrpSpPr>
@@ -7686,9 +8321,10 @@
           </a:ln>
         </p:spPr>
         <p:txBody>
-          <a:bodyPr numCol="1" spcCol="0" lIns="91440" rIns="91440" tIns="45720" bIns="45720" anchor="ctr">
+          <a:bodyPr lIns="91440" tIns="45720" rIns="91440" bIns="45720" numCol="1" spcCol="0" anchor="ctr">
             <a:noAutofit/>
           </a:bodyPr>
+          <a:lstStyle/>
           <a:p>
             <a:pPr indent="0" algn="ctr">
               <a:lnSpc>
@@ -7696,35 +8332,29 @@
               </a:lnSpc>
               <a:buNone/>
               <a:tabLst>
-                <a:tab algn="l" pos="0"/>
+                <a:tab pos="0" algn="l"/>
               </a:tabLst>
             </a:pPr>
             <a:r>
-              <a:rPr b="0" lang="en-US" sz="4400" spc="-1" strike="noStrike">
+              <a:rPr lang="en-US" sz="4400" b="0" strike="noStrike" spc="-1" dirty="0">
                 <a:solidFill>
-                  <a:srgbClr val="000000"/>
+                  <a:srgbClr val="FF0000"/>
                 </a:solidFill>
                 <a:latin typeface="Arial"/>
               </a:rPr>
               <a:t>CALCULATE_GPA</a:t>
             </a:r>
-            <a:endParaRPr b="0" lang="en-US" sz="4400" spc="-1" strike="noStrike">
-              <a:solidFill>
-                <a:srgbClr val="000000"/>
-              </a:solidFill>
-              <a:latin typeface="Arial"/>
-            </a:endParaRPr>
           </a:p>
         </p:txBody>
       </p:sp>
       <p:pic>
         <p:nvPicPr>
-          <p:cNvPr id="97" name="" descr=""/>
+          <p:cNvPr id="97" name="Picture 96"/>
           <p:cNvPicPr/>
           <p:nvPr/>
         </p:nvPicPr>
         <p:blipFill>
-          <a:blip r:embed="rId1"/>
+          <a:blip r:embed="rId2"/>
           <a:stretch/>
         </p:blipFill>
         <p:spPr>
@@ -7742,19 +8372,14 @@
       </p:pic>
     </p:spTree>
   </p:cSld>
-  <mc:AlternateContent>
-    <mc:Choice Requires="p14">
-      <p:transition spd="slow" p14:dur="2000"/>
-    </mc:Choice>
-    <mc:Fallback>
-      <p:transition spd="slow"/>
-    </mc:Fallback>
-  </mc:AlternateContent>
+  <p:clrMapOvr>
+    <a:masterClrMapping/>
+  </p:clrMapOvr>
 </p:sld>
 </file>
 
 <file path=ppt/slides/slide9.xml><?xml version="1.0" encoding="utf-8"?>
-<p:sld xmlns:a="http://schemas.openxmlformats.org/drawingml/2006/main" xmlns:p="http://schemas.openxmlformats.org/presentationml/2006/main" xmlns:r="http://schemas.openxmlformats.org/officeDocument/2006/relationships" xmlns:p14="http://schemas.microsoft.com/office/powerpoint/2010/main" xmlns:p15="http://schemas.microsoft.com/office/powerpoint/2012/main" xmlns:mc="http://schemas.openxmlformats.org/markup-compatibility/2006">
+<p:sld xmlns:a="http://schemas.openxmlformats.org/drawingml/2006/main" xmlns:r="http://schemas.openxmlformats.org/officeDocument/2006/relationships" xmlns:p="http://schemas.openxmlformats.org/presentationml/2006/main">
   <p:cSld>
     <p:spTree>
       <p:nvGrpSpPr>
@@ -7794,9 +8419,10 @@
           </a:ln>
         </p:spPr>
         <p:txBody>
-          <a:bodyPr numCol="1" spcCol="0" lIns="91440" rIns="91440" tIns="45720" bIns="45720" anchor="ctr">
+          <a:bodyPr lIns="91440" tIns="45720" rIns="91440" bIns="45720" numCol="1" spcCol="0" anchor="ctr">
             <a:noAutofit/>
           </a:bodyPr>
+          <a:lstStyle/>
           <a:p>
             <a:pPr indent="0" algn="ctr">
               <a:lnSpc>
@@ -7804,35 +8430,29 @@
               </a:lnSpc>
               <a:buNone/>
               <a:tabLst>
-                <a:tab algn="l" pos="0"/>
+                <a:tab pos="0" algn="l"/>
               </a:tabLst>
             </a:pPr>
             <a:r>
-              <a:rPr b="0" lang="en-US" sz="4400" spc="-1" strike="noStrike">
+              <a:rPr lang="en-US" sz="4400" b="0" strike="noStrike" spc="-1" dirty="0">
                 <a:solidFill>
-                  <a:srgbClr val="000000"/>
+                  <a:srgbClr val="FF0000"/>
                 </a:solidFill>
                 <a:latin typeface="Arial"/>
               </a:rPr>
               <a:t>YEARLY_TUITION</a:t>
             </a:r>
-            <a:endParaRPr b="0" lang="en-US" sz="4400" spc="-1" strike="noStrike">
-              <a:solidFill>
-                <a:srgbClr val="000000"/>
-              </a:solidFill>
-              <a:latin typeface="Arial"/>
-            </a:endParaRPr>
           </a:p>
         </p:txBody>
       </p:sp>
       <p:pic>
         <p:nvPicPr>
-          <p:cNvPr id="99" name="" descr=""/>
+          <p:cNvPr id="99" name="Picture 98"/>
           <p:cNvPicPr/>
           <p:nvPr/>
         </p:nvPicPr>
         <p:blipFill>
-          <a:blip r:embed="rId1"/>
+          <a:blip r:embed="rId2"/>
           <a:stretch/>
         </p:blipFill>
         <p:spPr>
@@ -7850,26 +8470,21 @@
       </p:pic>
     </p:spTree>
   </p:cSld>
-  <mc:AlternateContent>
-    <mc:Choice Requires="p14">
-      <p:transition spd="slow" p14:dur="2000"/>
-    </mc:Choice>
-    <mc:Fallback>
-      <p:transition spd="slow"/>
-    </mc:Fallback>
-  </mc:AlternateContent>
+  <p:clrMapOvr>
+    <a:masterClrMapping/>
+  </p:clrMapOvr>
 </p:sld>
 </file>
 
 <file path=ppt/theme/theme1.xml><?xml version="1.0" encoding="utf-8"?>
-<a:theme xmlns:a="http://schemas.openxmlformats.org/drawingml/2006/main" xmlns:r="http://schemas.openxmlformats.org/officeDocument/2006/relationships" name="Default Design">
+<a:theme xmlns:a="http://schemas.openxmlformats.org/drawingml/2006/main" name="Default Design">
   <a:themeElements>
     <a:clrScheme name="Default Design 1">
       <a:dk1>
         <a:srgbClr val="000000"/>
       </a:dk1>
       <a:lt1>
-        <a:srgbClr val="ffffff"/>
+        <a:srgbClr val="FFFFFF"/>
       </a:lt1>
       <a:dk2>
         <a:srgbClr val="000000"/>
@@ -7878,38 +8493,38 @@
         <a:srgbClr val="808080"/>
       </a:lt2>
       <a:accent1>
-        <a:srgbClr val="bbe0e3"/>
+        <a:srgbClr val="BBE0E3"/>
       </a:accent1>
       <a:accent2>
         <a:srgbClr val="333399"/>
       </a:accent2>
       <a:accent3>
-        <a:srgbClr val="ffffff"/>
+        <a:srgbClr val="FFFFFF"/>
       </a:accent3>
       <a:accent4>
         <a:srgbClr val="000000"/>
       </a:accent4>
       <a:accent5>
-        <a:srgbClr val="daedef"/>
+        <a:srgbClr val="DAEDEF"/>
       </a:accent5>
       <a:accent6>
-        <a:srgbClr val="2d2d8a"/>
+        <a:srgbClr val="2D2D8A"/>
       </a:accent6>
       <a:hlink>
         <a:srgbClr val="009999"/>
       </a:hlink>
       <a:folHlink>
-        <a:srgbClr val="99cc00"/>
+        <a:srgbClr val="99CC00"/>
       </a:folHlink>
     </a:clrScheme>
     <a:fontScheme name="Default Design">
       <a:majorFont>
-        <a:latin typeface="Arial" pitchFamily="0" charset="1"/>
+        <a:latin typeface="Arial"/>
         <a:ea typeface=""/>
         <a:cs typeface=""/>
       </a:majorFont>
       <a:minorFont>
-        <a:latin typeface="Arial" pitchFamily="0" charset="1"/>
+        <a:latin typeface="Arial"/>
         <a:ea typeface=""/>
         <a:cs typeface=""/>
       </a:minorFont>
@@ -7941,7 +8556,7 @@
             </a:gs>
           </a:gsLst>
           <a:lin ang="5400000" scaled="0"/>
-          <a:tileRect l="0" t="0" r="0" b="0"/>
+          <a:tileRect/>
         </a:gradFill>
         <a:gradFill>
           <a:gsLst>
@@ -7965,7 +8580,7 @@
             </a:gs>
           </a:gsLst>
           <a:lin ang="5400000" scaled="0"/>
-          <a:tileRect l="0" t="0" r="0" b="0"/>
+          <a:tileRect/>
         </a:gradFill>
       </a:fillStyleLst>
       <a:lnStyleLst>
@@ -8025,23 +8640,25 @@
             </a:gs>
           </a:gsLst>
           <a:lin ang="5400000" scaled="0"/>
-          <a:tileRect l="0" t="0" r="0" b="0"/>
+          <a:tileRect/>
         </a:gradFill>
       </a:bgFillStyleLst>
     </a:fmtScheme>
   </a:themeElements>
+  <a:objectDefaults/>
+  <a:extraClrSchemeLst/>
 </a:theme>
 </file>
 
 <file path=ppt/theme/theme2.xml><?xml version="1.0" encoding="utf-8"?>
-<a:theme xmlns:a="http://schemas.openxmlformats.org/drawingml/2006/main" xmlns:r="http://schemas.openxmlformats.org/officeDocument/2006/relationships" name="Default Design">
+<a:theme xmlns:a="http://schemas.openxmlformats.org/drawingml/2006/main" name="Default Design">
   <a:themeElements>
     <a:clrScheme name="Default Design 1">
       <a:dk1>
         <a:srgbClr val="000000"/>
       </a:dk1>
       <a:lt1>
-        <a:srgbClr val="ffffff"/>
+        <a:srgbClr val="FFFFFF"/>
       </a:lt1>
       <a:dk2>
         <a:srgbClr val="000000"/>
@@ -8050,38 +8667,38 @@
         <a:srgbClr val="808080"/>
       </a:lt2>
       <a:accent1>
-        <a:srgbClr val="bbe0e3"/>
+        <a:srgbClr val="BBE0E3"/>
       </a:accent1>
       <a:accent2>
         <a:srgbClr val="333399"/>
       </a:accent2>
       <a:accent3>
-        <a:srgbClr val="ffffff"/>
+        <a:srgbClr val="FFFFFF"/>
       </a:accent3>
       <a:accent4>
         <a:srgbClr val="000000"/>
       </a:accent4>
       <a:accent5>
-        <a:srgbClr val="daedef"/>
+        <a:srgbClr val="DAEDEF"/>
       </a:accent5>
       <a:accent6>
-        <a:srgbClr val="2d2d8a"/>
+        <a:srgbClr val="2D2D8A"/>
       </a:accent6>
       <a:hlink>
         <a:srgbClr val="009999"/>
       </a:hlink>
       <a:folHlink>
-        <a:srgbClr val="99cc00"/>
+        <a:srgbClr val="99CC00"/>
       </a:folHlink>
     </a:clrScheme>
     <a:fontScheme name="Default Design">
       <a:majorFont>
-        <a:latin typeface="Arial" pitchFamily="0" charset="1"/>
+        <a:latin typeface="Arial"/>
         <a:ea typeface=""/>
         <a:cs typeface=""/>
       </a:majorFont>
       <a:minorFont>
-        <a:latin typeface="Arial" pitchFamily="0" charset="1"/>
+        <a:latin typeface="Arial"/>
         <a:ea typeface=""/>
         <a:cs typeface=""/>
       </a:minorFont>
@@ -8113,7 +8730,7 @@
             </a:gs>
           </a:gsLst>
           <a:lin ang="5400000" scaled="0"/>
-          <a:tileRect l="0" t="0" r="0" b="0"/>
+          <a:tileRect/>
         </a:gradFill>
         <a:gradFill>
           <a:gsLst>
@@ -8137,7 +8754,7 @@
             </a:gs>
           </a:gsLst>
           <a:lin ang="5400000" scaled="0"/>
-          <a:tileRect l="0" t="0" r="0" b="0"/>
+          <a:tileRect/>
         </a:gradFill>
       </a:fillStyleLst>
       <a:lnStyleLst>
@@ -8197,10 +8814,12 @@
             </a:gs>
           </a:gsLst>
           <a:lin ang="5400000" scaled="0"/>
-          <a:tileRect l="0" t="0" r="0" b="0"/>
+          <a:tileRect/>
         </a:gradFill>
       </a:bgFillStyleLst>
     </a:fmtScheme>
   </a:themeElements>
+  <a:objectDefaults/>
+  <a:extraClrSchemeLst/>
 </a:theme>
 </file>